--- a/Présentation.pptx
+++ b/Présentation.pptx
@@ -5,7 +5,7 @@
     <p:sldMasterId id="2147483648" r:id="rId1"/>
   </p:sldMasterIdLst>
   <p:notesMasterIdLst>
-    <p:notesMasterId r:id="rId24"/>
+    <p:notesMasterId r:id="rId33"/>
   </p:notesMasterIdLst>
   <p:sldIdLst>
     <p:sldId id="257" r:id="rId2"/>
@@ -21,15 +21,24 @@
     <p:sldId id="328" r:id="rId12"/>
     <p:sldId id="325" r:id="rId13"/>
     <p:sldId id="309" r:id="rId14"/>
-    <p:sldId id="315" r:id="rId15"/>
-    <p:sldId id="316" r:id="rId16"/>
-    <p:sldId id="310" r:id="rId17"/>
-    <p:sldId id="326" r:id="rId18"/>
-    <p:sldId id="327" r:id="rId19"/>
-    <p:sldId id="311" r:id="rId20"/>
-    <p:sldId id="317" r:id="rId21"/>
-    <p:sldId id="318" r:id="rId22"/>
-    <p:sldId id="297" r:id="rId23"/>
+    <p:sldId id="336" r:id="rId15"/>
+    <p:sldId id="337" r:id="rId16"/>
+    <p:sldId id="338" r:id="rId17"/>
+    <p:sldId id="316" r:id="rId18"/>
+    <p:sldId id="310" r:id="rId19"/>
+    <p:sldId id="330" r:id="rId20"/>
+    <p:sldId id="329" r:id="rId21"/>
+    <p:sldId id="331" r:id="rId22"/>
+    <p:sldId id="326" r:id="rId23"/>
+    <p:sldId id="327" r:id="rId24"/>
+    <p:sldId id="332" r:id="rId25"/>
+    <p:sldId id="333" r:id="rId26"/>
+    <p:sldId id="334" r:id="rId27"/>
+    <p:sldId id="335" r:id="rId28"/>
+    <p:sldId id="311" r:id="rId29"/>
+    <p:sldId id="317" r:id="rId30"/>
+    <p:sldId id="318" r:id="rId31"/>
+    <p:sldId id="297" r:id="rId32"/>
   </p:sldIdLst>
   <p:sldSz cx="12192000" cy="6858000"/>
   <p:notesSz cx="6858000" cy="9144000"/>
@@ -218,7 +227,7 @@
           <a:p>
             <a:fld id="{500DDC09-334D-4A7D-989D-E7D77A3D2287}" type="datetimeFigureOut">
               <a:rPr lang="fr-FR" smtClean="0"/>
-              <a:t>27/06/2019</a:t>
+              <a:t>02/07/2019</a:t>
             </a:fld>
             <a:endParaRPr lang="fr-FR"/>
           </a:p>
@@ -825,7 +834,7 @@
           <a:p>
             <a:r>
               <a:rPr lang="fr-FR" dirty="0"/>
-              <a:t>FAIT</a:t>
+              <a:t>Les fonctions utilisées pour les questions 1 à 6 sont celles données dans l’énoncé</a:t>
             </a:r>
           </a:p>
         </p:txBody>
@@ -910,7 +919,69 @@
           <a:bodyPr/>
           <a:lstStyle/>
           <a:p>
+            <a:r>
+              <a:rPr lang="fr-FR" dirty="0"/>
+              <a:t>Pour mettre en place le coefficient d’élasticité, nous partons du fichier donné par la banque mondiale </a:t>
+            </a:r>
+          </a:p>
+          <a:p>
+            <a:r>
+              <a:rPr lang="fr-FR" dirty="0"/>
+              <a:t>[CLICK]</a:t>
+            </a:r>
+          </a:p>
+          <a:p>
+            <a:r>
+              <a:rPr lang="fr-FR" dirty="0"/>
+              <a:t>On merge sur le </a:t>
+            </a:r>
+            <a:r>
+              <a:rPr lang="fr-FR" dirty="0" err="1"/>
+              <a:t>df</a:t>
+            </a:r>
+            <a:r>
+              <a:rPr lang="fr-FR" dirty="0"/>
+              <a:t> principal et on ne garde que les colonnes utiles</a:t>
+            </a:r>
+          </a:p>
+          <a:p>
             <a:endParaRPr lang="fr-FR" dirty="0"/>
+          </a:p>
+          <a:p>
+            <a:r>
+              <a:rPr lang="fr-FR" dirty="0"/>
+              <a:t>[CLICK]</a:t>
+            </a:r>
+          </a:p>
+          <a:p>
+            <a:r>
+              <a:rPr lang="fr-FR" dirty="0"/>
+              <a:t>Vérifions s’il y a des valeurs manquantes / C’est le cas</a:t>
+            </a:r>
+          </a:p>
+          <a:p>
+            <a:endParaRPr lang="fr-FR" dirty="0"/>
+          </a:p>
+          <a:p>
+            <a:r>
+              <a:rPr lang="fr-FR" dirty="0"/>
+              <a:t>Très peu d’informations sont disponibles sur des sources fiables. Pour trouver les coef manquants nous allons donc devoir utiliser la moyenne du continent.</a:t>
+            </a:r>
+          </a:p>
+          <a:p>
+            <a:endParaRPr lang="fr-FR" dirty="0"/>
+          </a:p>
+          <a:p>
+            <a:r>
+              <a:rPr lang="fr-FR" dirty="0"/>
+              <a:t>[CLICK]</a:t>
+            </a:r>
+          </a:p>
+          <a:p>
+            <a:r>
+              <a:rPr lang="fr-FR" dirty="0"/>
+              <a:t>Voyons combien / 33</a:t>
+            </a:r>
           </a:p>
         </p:txBody>
       </p:sp>
@@ -940,7 +1011,7 @@
     </p:spTree>
     <p:extLst>
       <p:ext uri="{BB962C8B-B14F-4D97-AF65-F5344CB8AC3E}">
-        <p14:creationId xmlns:p14="http://schemas.microsoft.com/office/powerpoint/2010/main" val="2799661068"/>
+        <p14:creationId xmlns:p14="http://schemas.microsoft.com/office/powerpoint/2010/main" val="1752603494"/>
       </p:ext>
     </p:extLst>
   </p:cSld>
@@ -994,7 +1065,88 @@
           <a:bodyPr/>
           <a:lstStyle/>
           <a:p>
+            <a:r>
+              <a:rPr lang="fr-FR" dirty="0"/>
+              <a:t>Ici le fichier provient de </a:t>
+            </a:r>
+            <a:r>
+              <a:rPr lang="fr-FR" dirty="0" err="1"/>
+              <a:t>Kaggle</a:t>
+            </a:r>
+            <a:r>
+              <a:rPr lang="fr-FR" dirty="0"/>
+              <a:t>, le lien est dans le code.</a:t>
+            </a:r>
+          </a:p>
+          <a:p>
             <a:endParaRPr lang="fr-FR" dirty="0"/>
+          </a:p>
+          <a:p>
+            <a:r>
+              <a:rPr lang="fr-FR" dirty="0"/>
+              <a:t>Voici à quoi ressemble le fichier : </a:t>
+            </a:r>
+          </a:p>
+          <a:p>
+            <a:r>
+              <a:rPr lang="fr-FR" dirty="0"/>
+              <a:t>[CLICK]</a:t>
+            </a:r>
+          </a:p>
+          <a:p>
+            <a:endParaRPr lang="fr-FR" dirty="0"/>
+          </a:p>
+          <a:p>
+            <a:r>
+              <a:rPr lang="fr-FR" dirty="0"/>
+              <a:t>Nous allons désormais grouper les valeurs par continent et par sous-région </a:t>
+            </a:r>
+          </a:p>
+          <a:p>
+            <a:r>
+              <a:rPr lang="fr-FR" dirty="0"/>
+              <a:t>[CLICK]</a:t>
+            </a:r>
+          </a:p>
+          <a:p>
+            <a:endParaRPr lang="fr-FR" dirty="0"/>
+          </a:p>
+          <a:p>
+            <a:r>
+              <a:rPr lang="fr-FR" dirty="0"/>
+              <a:t>Voici le </a:t>
+            </a:r>
+            <a:r>
+              <a:rPr lang="fr-FR" dirty="0" err="1"/>
+              <a:t>df</a:t>
+            </a:r>
+            <a:r>
+              <a:rPr lang="fr-FR" dirty="0"/>
+              <a:t> groupé : </a:t>
+            </a:r>
+          </a:p>
+          <a:p>
+            <a:r>
+              <a:rPr lang="fr-FR" dirty="0"/>
+              <a:t>[CLICK]</a:t>
+            </a:r>
+          </a:p>
+          <a:p>
+            <a:endParaRPr lang="fr-FR" dirty="0"/>
+          </a:p>
+          <a:p>
+            <a:r>
+              <a:rPr lang="fr-FR" dirty="0"/>
+              <a:t>On peut se rendre compte que le coefficient </a:t>
+            </a:r>
+            <a:r>
+              <a:rPr lang="fr-FR" dirty="0" err="1"/>
+              <a:t>ela</a:t>
+            </a:r>
+            <a:r>
+              <a:rPr lang="fr-FR" dirty="0"/>
+              <a:t> par sous région possède encore une fois des NaN, il va donc falloir passer par le continent</a:t>
+            </a:r>
           </a:p>
         </p:txBody>
       </p:sp>
@@ -1024,7 +1176,7 @@
     </p:spTree>
     <p:extLst>
       <p:ext uri="{BB962C8B-B14F-4D97-AF65-F5344CB8AC3E}">
-        <p14:creationId xmlns:p14="http://schemas.microsoft.com/office/powerpoint/2010/main" val="854861499"/>
+        <p14:creationId xmlns:p14="http://schemas.microsoft.com/office/powerpoint/2010/main" val="3078041179"/>
       </p:ext>
     </p:extLst>
   </p:cSld>
@@ -1080,7 +1232,66 @@
           <a:p>
             <a:r>
               <a:rPr lang="fr-FR" dirty="0"/>
-              <a:t>FAIT</a:t>
+              <a:t>On groupe donc par continent </a:t>
+            </a:r>
+          </a:p>
+          <a:p>
+            <a:endParaRPr lang="fr-FR" dirty="0"/>
+          </a:p>
+          <a:p>
+            <a:r>
+              <a:rPr lang="fr-FR" dirty="0"/>
+              <a:t>Voici le résultat : </a:t>
+            </a:r>
+          </a:p>
+          <a:p>
+            <a:r>
+              <a:rPr lang="fr-FR" dirty="0"/>
+              <a:t>[CLICK]</a:t>
+            </a:r>
+          </a:p>
+          <a:p>
+            <a:endParaRPr lang="fr-FR" dirty="0"/>
+          </a:p>
+          <a:p>
+            <a:r>
+              <a:rPr lang="fr-FR" dirty="0"/>
+              <a:t>Un continent est en NaN, nous allons donc chercher la valeur dans le deuxième fichier donné dans l’énoncer, on trouve 0.4</a:t>
+            </a:r>
+          </a:p>
+          <a:p>
+            <a:r>
+              <a:rPr lang="fr-FR" dirty="0"/>
+              <a:t>Remplaçons donc la valeur par 0.4</a:t>
+            </a:r>
+          </a:p>
+          <a:p>
+            <a:r>
+              <a:rPr lang="fr-FR" dirty="0"/>
+              <a:t>[CLICK]</a:t>
+            </a:r>
+          </a:p>
+          <a:p>
+            <a:endParaRPr lang="fr-FR" dirty="0"/>
+          </a:p>
+          <a:p>
+            <a:r>
+              <a:rPr lang="fr-FR" dirty="0"/>
+              <a:t>On applique ensuite les coef au </a:t>
+            </a:r>
+            <a:r>
+              <a:rPr lang="fr-FR" dirty="0" err="1"/>
+              <a:t>dataframe</a:t>
+            </a:r>
+            <a:r>
+              <a:rPr lang="fr-FR" dirty="0"/>
+              <a:t> : </a:t>
+            </a:r>
+          </a:p>
+          <a:p>
+            <a:r>
+              <a:rPr lang="fr-FR" dirty="0"/>
+              <a:t>[CLICK]</a:t>
             </a:r>
           </a:p>
         </p:txBody>
@@ -1100,7 +1311,7 @@
           <a:bodyPr/>
           <a:lstStyle/>
           <a:p>
-            <a:fld id="{5F05756B-5F5C-4EED-907C-E25857D58D0B}" type="slidenum">
+            <a:fld id="{F44DFA25-216B-4048-9E14-17772AFFB9C9}" type="slidenum">
               <a:rPr lang="fr-FR" smtClean="0"/>
               <a:t>16</a:t>
             </a:fld>
@@ -1111,7 +1322,7 @@
     </p:spTree>
     <p:extLst>
       <p:ext uri="{BB962C8B-B14F-4D97-AF65-F5344CB8AC3E}">
-        <p14:creationId xmlns:p14="http://schemas.microsoft.com/office/powerpoint/2010/main" val="4055959340"/>
+        <p14:creationId xmlns:p14="http://schemas.microsoft.com/office/powerpoint/2010/main" val="2338333680"/>
       </p:ext>
     </p:extLst>
   </p:cSld>
@@ -1165,7 +1376,65 @@
           <a:bodyPr/>
           <a:lstStyle/>
           <a:p>
+            <a:r>
+              <a:rPr lang="fr-FR" dirty="0"/>
+              <a:t>On s’intéresse ici aux questions 1 à 3 ; </a:t>
+            </a:r>
+          </a:p>
+          <a:p>
+            <a:r>
+              <a:rPr lang="fr-FR" dirty="0"/>
+              <a:t>On commence par paramétrer notre </a:t>
+            </a:r>
+            <a:r>
+              <a:rPr lang="fr-FR" dirty="0" err="1"/>
+              <a:t>pj</a:t>
+            </a:r>
+            <a:r>
+              <a:rPr lang="fr-FR" dirty="0"/>
+              <a:t> (</a:t>
+            </a:r>
+            <a:r>
+              <a:rPr lang="fr-FR" dirty="0" err="1"/>
+              <a:t>rho_j</a:t>
+            </a:r>
+            <a:r>
+              <a:rPr lang="fr-FR" dirty="0"/>
+              <a:t>), notre nbr de quantiles et n</a:t>
+            </a:r>
+          </a:p>
+          <a:p>
             <a:endParaRPr lang="fr-FR" dirty="0"/>
+          </a:p>
+          <a:p>
+            <a:r>
+              <a:rPr lang="fr-FR" dirty="0"/>
+              <a:t>On utilise ensuite la fonction </a:t>
+            </a:r>
+            <a:r>
+              <a:rPr lang="fr-FR" dirty="0" err="1"/>
+              <a:t>generate_income</a:t>
+            </a:r>
+            <a:r>
+              <a:rPr lang="fr-FR" dirty="0"/>
+              <a:t> qui va nous donner </a:t>
+            </a:r>
+            <a:r>
+              <a:rPr lang="fr-FR" dirty="0" err="1"/>
+              <a:t>y_child</a:t>
+            </a:r>
+            <a:r>
+              <a:rPr lang="fr-FR" dirty="0"/>
+              <a:t> et </a:t>
+            </a:r>
+            <a:r>
+              <a:rPr lang="fr-FR" dirty="0" err="1"/>
+              <a:t>y_parents</a:t>
+            </a:r>
+            <a:r>
+              <a:rPr lang="fr-FR" dirty="0"/>
+              <a:t> </a:t>
+            </a:r>
           </a:p>
         </p:txBody>
       </p:sp>
@@ -1195,7 +1464,7 @@
     </p:spTree>
     <p:extLst>
       <p:ext uri="{BB962C8B-B14F-4D97-AF65-F5344CB8AC3E}">
-        <p14:creationId xmlns:p14="http://schemas.microsoft.com/office/powerpoint/2010/main" val="3870553485"/>
+        <p14:creationId xmlns:p14="http://schemas.microsoft.com/office/powerpoint/2010/main" val="854861499"/>
       </p:ext>
     </p:extLst>
   </p:cSld>
@@ -1249,7 +1518,111 @@
           <a:bodyPr/>
           <a:lstStyle/>
           <a:p>
+            <a:r>
+              <a:rPr lang="fr-FR" dirty="0"/>
+              <a:t>Deux fonctions ici pour cette question 5 : </a:t>
+            </a:r>
+          </a:p>
+          <a:p>
+            <a:r>
+              <a:rPr lang="fr-FR" dirty="0"/>
+              <a:t>D’abord </a:t>
+            </a:r>
+            <a:r>
+              <a:rPr lang="fr-FR" dirty="0" err="1"/>
+              <a:t>compute_quantiles</a:t>
+            </a:r>
+            <a:r>
+              <a:rPr lang="fr-FR" dirty="0"/>
+              <a:t>.</a:t>
+            </a:r>
+            <a:br>
+              <a:rPr lang="fr-FR" dirty="0"/>
+            </a:br>
+            <a:r>
+              <a:rPr lang="fr-FR" dirty="0"/>
+              <a:t>[CLICK]</a:t>
+            </a:r>
+          </a:p>
+          <a:p>
             <a:endParaRPr lang="fr-FR" dirty="0"/>
+          </a:p>
+          <a:p>
+            <a:r>
+              <a:rPr lang="fr-FR" dirty="0"/>
+              <a:t>Cette fonction va nous permettre de savoir dans quel quantile se situent </a:t>
+            </a:r>
+            <a:r>
+              <a:rPr lang="fr-FR" dirty="0" err="1"/>
+              <a:t>y_child</a:t>
+            </a:r>
+            <a:r>
+              <a:rPr lang="fr-FR" dirty="0"/>
+              <a:t> et </a:t>
+            </a:r>
+            <a:r>
+              <a:rPr lang="fr-FR" dirty="0" err="1"/>
+              <a:t>y_parents</a:t>
+            </a:r>
+            <a:r>
+              <a:rPr lang="fr-FR" dirty="0"/>
+              <a:t> ; </a:t>
+            </a:r>
+          </a:p>
+          <a:p>
+            <a:r>
+              <a:rPr lang="fr-FR" dirty="0"/>
+              <a:t>Elle fait pour cela appel à la fonction quantile [CLICK] qui détermine le quantile de l (ici notre </a:t>
+            </a:r>
+            <a:r>
+              <a:rPr lang="fr-FR" dirty="0" err="1"/>
+              <a:t>y_child</a:t>
+            </a:r>
+            <a:r>
+              <a:rPr lang="fr-FR" dirty="0"/>
+              <a:t> ou notre </a:t>
+            </a:r>
+            <a:r>
+              <a:rPr lang="fr-FR" dirty="0" err="1"/>
+              <a:t>y_parents</a:t>
+            </a:r>
+            <a:r>
+              <a:rPr lang="fr-FR" dirty="0"/>
+              <a:t>) et du nombre de quantile voulu</a:t>
+            </a:r>
+          </a:p>
+          <a:p>
+            <a:endParaRPr lang="fr-FR" dirty="0"/>
+          </a:p>
+          <a:p>
+            <a:r>
+              <a:rPr lang="fr-FR" dirty="0"/>
+              <a:t>En sortie nous aurons « </a:t>
+            </a:r>
+            <a:r>
+              <a:rPr lang="fr-FR" dirty="0" err="1"/>
+              <a:t>sample</a:t>
+            </a:r>
+            <a:r>
+              <a:rPr lang="fr-FR" dirty="0"/>
+              <a:t> » composé de la valeur de </a:t>
+            </a:r>
+            <a:r>
+              <a:rPr lang="fr-FR" dirty="0" err="1"/>
+              <a:t>y_child</a:t>
+            </a:r>
+            <a:r>
+              <a:rPr lang="fr-FR" dirty="0"/>
+              <a:t> et </a:t>
+            </a:r>
+            <a:r>
+              <a:rPr lang="fr-FR" dirty="0" err="1"/>
+              <a:t>y_parents</a:t>
+            </a:r>
+            <a:r>
+              <a:rPr lang="fr-FR" dirty="0"/>
+              <a:t> ainsi que de leurs quantiles respectifs</a:t>
+            </a:r>
           </a:p>
         </p:txBody>
       </p:sp>
@@ -1268,7 +1641,7 @@
           <a:bodyPr/>
           <a:lstStyle/>
           <a:p>
-            <a:fld id="{F44DFA25-216B-4048-9E14-17772AFFB9C9}" type="slidenum">
+            <a:fld id="{5F05756B-5F5C-4EED-907C-E25857D58D0B}" type="slidenum">
               <a:rPr lang="fr-FR" smtClean="0"/>
               <a:t>18</a:t>
             </a:fld>
@@ -1279,7 +1652,7 @@
     </p:spTree>
     <p:extLst>
       <p:ext uri="{BB962C8B-B14F-4D97-AF65-F5344CB8AC3E}">
-        <p14:creationId xmlns:p14="http://schemas.microsoft.com/office/powerpoint/2010/main" val="2356673082"/>
+        <p14:creationId xmlns:p14="http://schemas.microsoft.com/office/powerpoint/2010/main" val="4055959340"/>
       </p:ext>
     </p:extLst>
   </p:cSld>
@@ -1335,7 +1708,91 @@
           <a:p>
             <a:r>
               <a:rPr lang="fr-FR" dirty="0"/>
-              <a:t>FAIT</a:t>
+              <a:t>Pour cette question 5, encore une fois deux fonctions : </a:t>
+            </a:r>
+          </a:p>
+          <a:p>
+            <a:endParaRPr lang="fr-FR" dirty="0"/>
+          </a:p>
+          <a:p>
+            <a:r>
+              <a:rPr lang="fr-FR" dirty="0"/>
+              <a:t>D’abord </a:t>
+            </a:r>
+            <a:r>
+              <a:rPr lang="fr-FR" dirty="0" err="1"/>
+              <a:t>conditional_distributions</a:t>
+            </a:r>
+            <a:r>
+              <a:rPr lang="fr-FR" dirty="0"/>
+              <a:t> </a:t>
+            </a:r>
+          </a:p>
+          <a:p>
+            <a:r>
+              <a:rPr lang="fr-FR" dirty="0"/>
+              <a:t>[CLICK]</a:t>
+            </a:r>
+          </a:p>
+          <a:p>
+            <a:r>
+              <a:rPr lang="fr-FR" dirty="0"/>
+              <a:t>Cette fonction nous permet de calculer la distribution conditionnelle via le nombre de quantile </a:t>
+            </a:r>
+            <a:r>
+              <a:rPr lang="fr-FR" dirty="0" err="1"/>
+              <a:t>c_i_parents</a:t>
+            </a:r>
+            <a:r>
+              <a:rPr lang="fr-FR" dirty="0"/>
+              <a:t> et </a:t>
+            </a:r>
+            <a:r>
+              <a:rPr lang="fr-FR" dirty="0" err="1"/>
+              <a:t>c_i_child</a:t>
+            </a:r>
+            <a:r>
+              <a:rPr lang="fr-FR" dirty="0"/>
+              <a:t> </a:t>
+            </a:r>
+          </a:p>
+          <a:p>
+            <a:endParaRPr lang="fr-FR" dirty="0"/>
+          </a:p>
+          <a:p>
+            <a:r>
+              <a:rPr lang="fr-FR" dirty="0"/>
+              <a:t>Elle fait appel à la fonction distribution :</a:t>
+            </a:r>
+          </a:p>
+          <a:p>
+            <a:r>
+              <a:rPr lang="fr-FR" dirty="0"/>
+              <a:t>[CLICK] </a:t>
+            </a:r>
+          </a:p>
+          <a:p>
+            <a:r>
+              <a:rPr lang="fr-FR" dirty="0"/>
+              <a:t>Pour calculer la valeur « Mat » </a:t>
+            </a:r>
+          </a:p>
+          <a:p>
+            <a:endParaRPr lang="fr-FR" dirty="0"/>
+          </a:p>
+          <a:p>
+            <a:r>
+              <a:rPr lang="fr-FR" dirty="0"/>
+              <a:t>On obtient à la fin une distribution conditionnelle sous forme de tableau de x lignes et x colonnes (x étant le nombre de quantiles indiqué en début de fonction)</a:t>
+            </a:r>
+          </a:p>
+          <a:p>
+            <a:endParaRPr lang="fr-FR" dirty="0"/>
+          </a:p>
+          <a:p>
+            <a:r>
+              <a:rPr lang="fr-FR" dirty="0"/>
+              <a:t>Revoir un peu l’explication du fonctionnement de la fonction</a:t>
             </a:r>
           </a:p>
         </p:txBody>
@@ -1366,7 +1823,7 @@
     </p:spTree>
     <p:extLst>
       <p:ext uri="{BB962C8B-B14F-4D97-AF65-F5344CB8AC3E}">
-        <p14:creationId xmlns:p14="http://schemas.microsoft.com/office/powerpoint/2010/main" val="3080199602"/>
+        <p14:creationId xmlns:p14="http://schemas.microsoft.com/office/powerpoint/2010/main" val="3191555761"/>
       </p:ext>
     </p:extLst>
   </p:cSld>
@@ -1420,6 +1877,91 @@
           <a:bodyPr/>
           <a:lstStyle/>
           <a:p>
+            <a:r>
+              <a:rPr lang="fr-FR" dirty="0"/>
+              <a:t>Enfin pour cette question 5, nous utilisons la fonction proba </a:t>
+            </a:r>
+            <a:r>
+              <a:rPr lang="fr-FR" dirty="0" err="1"/>
+              <a:t>cond</a:t>
+            </a:r>
+            <a:r>
+              <a:rPr lang="fr-FR" dirty="0"/>
+              <a:t>,</a:t>
+            </a:r>
+          </a:p>
+          <a:p>
+            <a:r>
+              <a:rPr lang="fr-FR" dirty="0"/>
+              <a:t>[CLICK]</a:t>
+            </a:r>
+          </a:p>
+          <a:p>
+            <a:r>
+              <a:rPr lang="fr-FR" dirty="0"/>
+              <a:t>qui utilise « mat » retourné dans la fonction précédente pour calculer la probabilité conditionnelle demandé </a:t>
+            </a:r>
+          </a:p>
+          <a:p>
+            <a:endParaRPr lang="fr-FR" dirty="0"/>
+          </a:p>
+          <a:p>
+            <a:r>
+              <a:rPr lang="fr-FR" dirty="0"/>
+              <a:t>[CLICK]</a:t>
+            </a:r>
+          </a:p>
+          <a:p>
+            <a:r>
+              <a:rPr lang="fr-FR" dirty="0"/>
+              <a:t>(ici </a:t>
+            </a:r>
+            <a:r>
+              <a:rPr lang="fr-FR" dirty="0" err="1"/>
+              <a:t>c_i_parent</a:t>
+            </a:r>
+            <a:r>
+              <a:rPr lang="fr-FR" dirty="0"/>
+              <a:t> = 8 et </a:t>
+            </a:r>
+            <a:r>
+              <a:rPr lang="fr-FR" dirty="0" err="1"/>
+              <a:t>c_i_child</a:t>
+            </a:r>
+            <a:r>
+              <a:rPr lang="fr-FR" dirty="0"/>
+              <a:t> = 5) ce qui nous donne 0.024</a:t>
+            </a:r>
+          </a:p>
+          <a:p>
+            <a:endParaRPr lang="fr-FR" dirty="0"/>
+          </a:p>
+          <a:p>
+            <a:r>
+              <a:rPr lang="fr-FR" dirty="0"/>
+              <a:t>En fait cette fonction va juste chercher dans le tableau la ligne et la colonne correspondant au </a:t>
+            </a:r>
+            <a:r>
+              <a:rPr lang="fr-FR" dirty="0" err="1"/>
+              <a:t>c_i_parent</a:t>
+            </a:r>
+            <a:r>
+              <a:rPr lang="fr-FR" dirty="0"/>
+              <a:t> et </a:t>
+            </a:r>
+            <a:r>
+              <a:rPr lang="fr-FR" dirty="0" err="1"/>
+              <a:t>c_i_child</a:t>
+            </a:r>
+            <a:r>
+              <a:rPr lang="fr-FR" dirty="0"/>
+              <a:t>.</a:t>
+            </a:r>
+          </a:p>
+          <a:p>
+            <a:endParaRPr lang="fr-FR" dirty="0"/>
+          </a:p>
+          <a:p>
             <a:endParaRPr lang="fr-FR" dirty="0"/>
           </a:p>
         </p:txBody>
@@ -1439,7 +1981,7 @@
           <a:bodyPr/>
           <a:lstStyle/>
           <a:p>
-            <a:fld id="{F44DFA25-216B-4048-9E14-17772AFFB9C9}" type="slidenum">
+            <a:fld id="{5F05756B-5F5C-4EED-907C-E25857D58D0B}" type="slidenum">
               <a:rPr lang="fr-FR" smtClean="0"/>
               <a:t>20</a:t>
             </a:fld>
@@ -1450,7 +1992,7 @@
     </p:spTree>
     <p:extLst>
       <p:ext uri="{BB962C8B-B14F-4D97-AF65-F5344CB8AC3E}">
-        <p14:creationId xmlns:p14="http://schemas.microsoft.com/office/powerpoint/2010/main" val="4275439610"/>
+        <p14:creationId xmlns:p14="http://schemas.microsoft.com/office/powerpoint/2010/main" val="3492297546"/>
       </p:ext>
     </p:extLst>
   </p:cSld>
@@ -1588,7 +2130,10 @@
           <a:bodyPr/>
           <a:lstStyle/>
           <a:p>
-            <a:endParaRPr lang="fr-FR" dirty="0"/>
+            <a:r>
+              <a:rPr lang="fr-FR" dirty="0"/>
+              <a:t>Ici en décile et non en centile (pour plus de lisibilité)</a:t>
+            </a:r>
           </a:p>
         </p:txBody>
       </p:sp>
@@ -1607,7 +2152,7 @@
           <a:bodyPr/>
           <a:lstStyle/>
           <a:p>
-            <a:fld id="{F44DFA25-216B-4048-9E14-17772AFFB9C9}" type="slidenum">
+            <a:fld id="{5F05756B-5F5C-4EED-907C-E25857D58D0B}" type="slidenum">
               <a:rPr lang="fr-FR" smtClean="0"/>
               <a:t>21</a:t>
             </a:fld>
@@ -1618,7 +2163,7 @@
     </p:spTree>
     <p:extLst>
       <p:ext uri="{BB962C8B-B14F-4D97-AF65-F5344CB8AC3E}">
-        <p14:creationId xmlns:p14="http://schemas.microsoft.com/office/powerpoint/2010/main" val="707866840"/>
+        <p14:creationId xmlns:p14="http://schemas.microsoft.com/office/powerpoint/2010/main" val="2345340053"/>
       </p:ext>
     </p:extLst>
   </p:cSld>
@@ -1672,7 +2217,24 @@
           <a:bodyPr/>
           <a:lstStyle/>
           <a:p>
-            <a:endParaRPr lang="fr-FR" dirty="0"/>
+            <a:r>
+              <a:rPr lang="fr-FR" dirty="0"/>
+              <a:t>On commence par créer 499 clones de notre </a:t>
+            </a:r>
+            <a:r>
+              <a:rPr lang="fr-FR" dirty="0" err="1"/>
+              <a:t>df</a:t>
+            </a:r>
+            <a:r>
+              <a:rPr lang="fr-FR" dirty="0"/>
+              <a:t>, voici le résultat: </a:t>
+            </a:r>
+          </a:p>
+          <a:p>
+            <a:r>
+              <a:rPr lang="fr-FR" dirty="0"/>
+              <a:t>CLICK</a:t>
+            </a:r>
           </a:p>
         </p:txBody>
       </p:sp>
@@ -1702,7 +2264,990 @@
     </p:spTree>
     <p:extLst>
       <p:ext uri="{BB962C8B-B14F-4D97-AF65-F5344CB8AC3E}">
-        <p14:creationId xmlns:p14="http://schemas.microsoft.com/office/powerpoint/2010/main" val="51407293"/>
+        <p14:creationId xmlns:p14="http://schemas.microsoft.com/office/powerpoint/2010/main" val="3870553485"/>
+      </p:ext>
+    </p:extLst>
+  </p:cSld>
+  <p:clrMapOvr>
+    <a:masterClrMapping/>
+  </p:clrMapOvr>
+</p:notes>
+</file>
+
+<file path=ppt/notesSlides/notesSlide22.xml><?xml version="1.0" encoding="utf-8"?>
+<p:notes xmlns:a="http://schemas.openxmlformats.org/drawingml/2006/main" xmlns:r="http://schemas.openxmlformats.org/officeDocument/2006/relationships" xmlns:p="http://schemas.openxmlformats.org/presentationml/2006/main">
+  <p:cSld>
+    <p:spTree>
+      <p:nvGrpSpPr>
+        <p:cNvPr id="1" name=""/>
+        <p:cNvGrpSpPr/>
+        <p:nvPr/>
+      </p:nvGrpSpPr>
+      <p:grpSpPr>
+        <a:xfrm>
+          <a:off x="0" y="0"/>
+          <a:ext cx="0" cy="0"/>
+          <a:chOff x="0" y="0"/>
+          <a:chExt cx="0" cy="0"/>
+        </a:xfrm>
+      </p:grpSpPr>
+      <p:sp>
+        <p:nvSpPr>
+          <p:cNvPr id="2" name="Espace réservé de l'image des diapositives 1"/>
+          <p:cNvSpPr>
+            <a:spLocks noGrp="1" noRot="1" noChangeAspect="1"/>
+          </p:cNvSpPr>
+          <p:nvPr>
+            <p:ph type="sldImg"/>
+          </p:nvPr>
+        </p:nvSpPr>
+        <p:spPr/>
+      </p:sp>
+      <p:sp>
+        <p:nvSpPr>
+          <p:cNvPr id="3" name="Espace réservé des notes 2"/>
+          <p:cNvSpPr>
+            <a:spLocks noGrp="1"/>
+          </p:cNvSpPr>
+          <p:nvPr>
+            <p:ph type="body" idx="1"/>
+          </p:nvPr>
+        </p:nvSpPr>
+        <p:spPr/>
+        <p:txBody>
+          <a:bodyPr/>
+          <a:lstStyle/>
+          <a:p>
+            <a:r>
+              <a:rPr lang="fr-FR" dirty="0"/>
+              <a:t>On va désormais attribuer à chaque </a:t>
+            </a:r>
+            <a:r>
+              <a:rPr lang="fr-FR" dirty="0" err="1"/>
+              <a:t>c_i_child</a:t>
+            </a:r>
+            <a:r>
+              <a:rPr lang="fr-FR" dirty="0"/>
+              <a:t> sont </a:t>
+            </a:r>
+            <a:r>
+              <a:rPr lang="fr-FR" dirty="0" err="1"/>
+              <a:t>c_i_parent</a:t>
+            </a:r>
+            <a:r>
+              <a:rPr lang="fr-FR" dirty="0"/>
+              <a:t> correspondant, selon la distribution. </a:t>
+            </a:r>
+          </a:p>
+          <a:p>
+            <a:endParaRPr lang="fr-FR" dirty="0"/>
+          </a:p>
+          <a:p>
+            <a:r>
+              <a:rPr lang="fr-FR" dirty="0"/>
+              <a:t>Premièrement, il va falloir calculer chaque distribution pour les </a:t>
+            </a:r>
+            <a:r>
+              <a:rPr lang="fr-FR" dirty="0" err="1"/>
+              <a:t>pj</a:t>
+            </a:r>
+            <a:r>
+              <a:rPr lang="fr-FR" dirty="0"/>
+              <a:t> de nos pays [CLICK]</a:t>
+            </a:r>
+          </a:p>
+          <a:p>
+            <a:endParaRPr lang="fr-FR" dirty="0"/>
+          </a:p>
+          <a:p>
+            <a:r>
+              <a:rPr lang="fr-FR" dirty="0"/>
+              <a:t>Le (t1-t0)/60 permet de savoir combien de temps prend la fonction pour s’effectuer [CLICK]</a:t>
+            </a:r>
+            <a:br>
+              <a:rPr lang="fr-FR" dirty="0"/>
+            </a:br>
+            <a:br>
+              <a:rPr lang="fr-FR" dirty="0"/>
+            </a:br>
+            <a:r>
+              <a:rPr lang="fr-FR" dirty="0"/>
+              <a:t>Ici la fonction prend 23min.</a:t>
+            </a:r>
+          </a:p>
+          <a:p>
+            <a:endParaRPr lang="fr-FR" dirty="0"/>
+          </a:p>
+          <a:p>
+            <a:r>
+              <a:rPr lang="fr-FR" dirty="0"/>
+              <a:t>On a désormais notre distribution (multiplier par 500 – nous avons 500 individus à chaque fois).</a:t>
+            </a:r>
+          </a:p>
+          <a:p>
+            <a:endParaRPr lang="fr-FR" dirty="0"/>
+          </a:p>
+          <a:p>
+            <a:r>
+              <a:rPr lang="fr-FR" dirty="0"/>
+              <a:t>Nous allons devoir mettre en place une autre boucle pour attribuer à chaque individus sa valeur correspondante.</a:t>
+            </a:r>
+          </a:p>
+        </p:txBody>
+      </p:sp>
+      <p:sp>
+        <p:nvSpPr>
+          <p:cNvPr id="4" name="Espace réservé du numéro de diapositive 3"/>
+          <p:cNvSpPr>
+            <a:spLocks noGrp="1"/>
+          </p:cNvSpPr>
+          <p:nvPr>
+            <p:ph type="sldNum" sz="quarter" idx="5"/>
+          </p:nvPr>
+        </p:nvSpPr>
+        <p:spPr/>
+        <p:txBody>
+          <a:bodyPr/>
+          <a:lstStyle/>
+          <a:p>
+            <a:fld id="{F44DFA25-216B-4048-9E14-17772AFFB9C9}" type="slidenum">
+              <a:rPr lang="fr-FR" smtClean="0"/>
+              <a:t>23</a:t>
+            </a:fld>
+            <a:endParaRPr lang="fr-FR"/>
+          </a:p>
+        </p:txBody>
+      </p:sp>
+    </p:spTree>
+    <p:extLst>
+      <p:ext uri="{BB962C8B-B14F-4D97-AF65-F5344CB8AC3E}">
+        <p14:creationId xmlns:p14="http://schemas.microsoft.com/office/powerpoint/2010/main" val="2356673082"/>
+      </p:ext>
+    </p:extLst>
+  </p:cSld>
+  <p:clrMapOvr>
+    <a:masterClrMapping/>
+  </p:clrMapOvr>
+</p:notes>
+</file>
+
+<file path=ppt/notesSlides/notesSlide23.xml><?xml version="1.0" encoding="utf-8"?>
+<p:notes xmlns:a="http://schemas.openxmlformats.org/drawingml/2006/main" xmlns:r="http://schemas.openxmlformats.org/officeDocument/2006/relationships" xmlns:p="http://schemas.openxmlformats.org/presentationml/2006/main">
+  <p:cSld>
+    <p:spTree>
+      <p:nvGrpSpPr>
+        <p:cNvPr id="1" name=""/>
+        <p:cNvGrpSpPr/>
+        <p:nvPr/>
+      </p:nvGrpSpPr>
+      <p:grpSpPr>
+        <a:xfrm>
+          <a:off x="0" y="0"/>
+          <a:ext cx="0" cy="0"/>
+          <a:chOff x="0" y="0"/>
+          <a:chExt cx="0" cy="0"/>
+        </a:xfrm>
+      </p:grpSpPr>
+      <p:sp>
+        <p:nvSpPr>
+          <p:cNvPr id="2" name="Espace réservé de l'image des diapositives 1"/>
+          <p:cNvSpPr>
+            <a:spLocks noGrp="1" noRot="1" noChangeAspect="1"/>
+          </p:cNvSpPr>
+          <p:nvPr>
+            <p:ph type="sldImg"/>
+          </p:nvPr>
+        </p:nvSpPr>
+        <p:spPr/>
+      </p:sp>
+      <p:sp>
+        <p:nvSpPr>
+          <p:cNvPr id="3" name="Espace réservé des notes 2"/>
+          <p:cNvSpPr>
+            <a:spLocks noGrp="1"/>
+          </p:cNvSpPr>
+          <p:nvPr>
+            <p:ph type="body" idx="1"/>
+          </p:nvPr>
+        </p:nvSpPr>
+        <p:spPr/>
+        <p:txBody>
+          <a:bodyPr/>
+          <a:lstStyle/>
+          <a:p>
+            <a:r>
+              <a:rPr lang="fr-FR" dirty="0"/>
+              <a:t>Voici la boucle : </a:t>
+            </a:r>
+          </a:p>
+          <a:p>
+            <a:endParaRPr lang="fr-FR" dirty="0"/>
+          </a:p>
+          <a:p>
+            <a:r>
+              <a:rPr lang="fr-FR" dirty="0"/>
+              <a:t>La boucle est assez longue, je vais donc détailler.</a:t>
+            </a:r>
+          </a:p>
+          <a:p>
+            <a:endParaRPr lang="fr-FR" dirty="0"/>
+          </a:p>
+          <a:p>
+            <a:endParaRPr lang="fr-FR" dirty="0"/>
+          </a:p>
+        </p:txBody>
+      </p:sp>
+      <p:sp>
+        <p:nvSpPr>
+          <p:cNvPr id="4" name="Espace réservé du numéro de diapositive 3"/>
+          <p:cNvSpPr>
+            <a:spLocks noGrp="1"/>
+          </p:cNvSpPr>
+          <p:nvPr>
+            <p:ph type="sldNum" sz="quarter" idx="5"/>
+          </p:nvPr>
+        </p:nvSpPr>
+        <p:spPr/>
+        <p:txBody>
+          <a:bodyPr/>
+          <a:lstStyle/>
+          <a:p>
+            <a:fld id="{F44DFA25-216B-4048-9E14-17772AFFB9C9}" type="slidenum">
+              <a:rPr lang="fr-FR" smtClean="0"/>
+              <a:t>24</a:t>
+            </a:fld>
+            <a:endParaRPr lang="fr-FR"/>
+          </a:p>
+        </p:txBody>
+      </p:sp>
+    </p:spTree>
+    <p:extLst>
+      <p:ext uri="{BB962C8B-B14F-4D97-AF65-F5344CB8AC3E}">
+        <p14:creationId xmlns:p14="http://schemas.microsoft.com/office/powerpoint/2010/main" val="2828724116"/>
+      </p:ext>
+    </p:extLst>
+  </p:cSld>
+  <p:clrMapOvr>
+    <a:masterClrMapping/>
+  </p:clrMapOvr>
+</p:notes>
+</file>
+
+<file path=ppt/notesSlides/notesSlide24.xml><?xml version="1.0" encoding="utf-8"?>
+<p:notes xmlns:a="http://schemas.openxmlformats.org/drawingml/2006/main" xmlns:r="http://schemas.openxmlformats.org/officeDocument/2006/relationships" xmlns:p="http://schemas.openxmlformats.org/presentationml/2006/main">
+  <p:cSld>
+    <p:spTree>
+      <p:nvGrpSpPr>
+        <p:cNvPr id="1" name=""/>
+        <p:cNvGrpSpPr/>
+        <p:nvPr/>
+      </p:nvGrpSpPr>
+      <p:grpSpPr>
+        <a:xfrm>
+          <a:off x="0" y="0"/>
+          <a:ext cx="0" cy="0"/>
+          <a:chOff x="0" y="0"/>
+          <a:chExt cx="0" cy="0"/>
+        </a:xfrm>
+      </p:grpSpPr>
+      <p:sp>
+        <p:nvSpPr>
+          <p:cNvPr id="2" name="Espace réservé de l'image des diapositives 1"/>
+          <p:cNvSpPr>
+            <a:spLocks noGrp="1" noRot="1" noChangeAspect="1"/>
+          </p:cNvSpPr>
+          <p:nvPr>
+            <p:ph type="sldImg"/>
+          </p:nvPr>
+        </p:nvSpPr>
+        <p:spPr/>
+      </p:sp>
+      <p:sp>
+        <p:nvSpPr>
+          <p:cNvPr id="3" name="Espace réservé des notes 2"/>
+          <p:cNvSpPr>
+            <a:spLocks noGrp="1"/>
+          </p:cNvSpPr>
+          <p:nvPr>
+            <p:ph type="body" idx="1"/>
+          </p:nvPr>
+        </p:nvSpPr>
+        <p:spPr/>
+        <p:txBody>
+          <a:bodyPr/>
+          <a:lstStyle/>
+          <a:p>
+            <a:r>
+              <a:rPr lang="fr-FR" dirty="0"/>
+              <a:t>Voici la première boucle qui a été construite, elle permet d’attribuer la valeur </a:t>
+            </a:r>
+            <a:r>
+              <a:rPr lang="fr-FR" dirty="0" err="1"/>
+              <a:t>c_i_parents</a:t>
+            </a:r>
+            <a:r>
+              <a:rPr lang="fr-FR" dirty="0"/>
+              <a:t> pour le quantile 1 du pays Albanie</a:t>
+            </a:r>
+          </a:p>
+          <a:p>
+            <a:r>
+              <a:rPr lang="fr-FR" dirty="0"/>
+              <a:t>On a donc une boucle qui agit sur 1 pays et 1 quantile.</a:t>
+            </a:r>
+          </a:p>
+          <a:p>
+            <a:endParaRPr lang="fr-FR" dirty="0"/>
+          </a:p>
+          <a:p>
+            <a:r>
+              <a:rPr lang="fr-FR" dirty="0"/>
+              <a:t>Lors de la multiplication de la distribution par 500 dans la partie précédente, nous nous retrouvions avec des valeurs en 0.5. Ce qui pose problème pour la répartition.</a:t>
+            </a:r>
+          </a:p>
+          <a:p>
+            <a:endParaRPr lang="fr-FR" dirty="0"/>
+          </a:p>
+          <a:p>
+            <a:r>
+              <a:rPr lang="fr-FR" dirty="0"/>
+              <a:t>J’ai donc utilisé une méthode de balance entre 0 et 1 pour attribuer correctement les </a:t>
+            </a:r>
+            <a:r>
+              <a:rPr lang="fr-FR" dirty="0" err="1"/>
+              <a:t>c_i_parents</a:t>
+            </a:r>
+            <a:r>
+              <a:rPr lang="fr-FR" dirty="0"/>
+              <a:t>. C’est ce que l’on voit ici : </a:t>
+            </a:r>
+          </a:p>
+          <a:p>
+            <a:r>
+              <a:rPr lang="fr-FR" dirty="0"/>
+              <a:t>[CLICK]</a:t>
+            </a:r>
+          </a:p>
+          <a:p>
+            <a:endParaRPr lang="fr-FR" dirty="0"/>
+          </a:p>
+          <a:p>
+            <a:r>
+              <a:rPr lang="fr-FR" dirty="0"/>
+              <a:t>Pour avoir un résultat correct, il faut aussi que </a:t>
+            </a:r>
+            <a:r>
+              <a:rPr lang="fr-FR" dirty="0" err="1"/>
+              <a:t>pair_impair</a:t>
+            </a:r>
+            <a:r>
+              <a:rPr lang="fr-FR" dirty="0"/>
+              <a:t> ne s’additionne que lorsque le chiffre est en 0.5, ici j’utilise cette méthode [CLICK] pour vérifier si le chiffre est bien en 0.5</a:t>
+            </a:r>
+          </a:p>
+          <a:p>
+            <a:endParaRPr lang="fr-FR" dirty="0"/>
+          </a:p>
+          <a:p>
+            <a:r>
+              <a:rPr lang="fr-FR" dirty="0"/>
+              <a:t>Pour le reste de la boucle, c’est assez simple : On va de la base (commençant à 0) jusqu’au up (le chiffre correspondant dans la distribution, et on attribue la valeur du quantile à cette liste.</a:t>
+            </a:r>
+          </a:p>
+          <a:p>
+            <a:endParaRPr lang="fr-FR" dirty="0"/>
+          </a:p>
+          <a:p>
+            <a:r>
+              <a:rPr lang="fr-FR" dirty="0"/>
+              <a:t>Voyons maintenant la deuxième partie de la boucle.</a:t>
+            </a:r>
+          </a:p>
+          <a:p>
+            <a:endParaRPr lang="fr-FR" dirty="0"/>
+          </a:p>
+        </p:txBody>
+      </p:sp>
+      <p:sp>
+        <p:nvSpPr>
+          <p:cNvPr id="4" name="Espace réservé du numéro de diapositive 3"/>
+          <p:cNvSpPr>
+            <a:spLocks noGrp="1"/>
+          </p:cNvSpPr>
+          <p:nvPr>
+            <p:ph type="sldNum" sz="quarter" idx="5"/>
+          </p:nvPr>
+        </p:nvSpPr>
+        <p:spPr/>
+        <p:txBody>
+          <a:bodyPr/>
+          <a:lstStyle/>
+          <a:p>
+            <a:fld id="{F44DFA25-216B-4048-9E14-17772AFFB9C9}" type="slidenum">
+              <a:rPr lang="fr-FR" smtClean="0"/>
+              <a:t>25</a:t>
+            </a:fld>
+            <a:endParaRPr lang="fr-FR"/>
+          </a:p>
+        </p:txBody>
+      </p:sp>
+    </p:spTree>
+    <p:extLst>
+      <p:ext uri="{BB962C8B-B14F-4D97-AF65-F5344CB8AC3E}">
+        <p14:creationId xmlns:p14="http://schemas.microsoft.com/office/powerpoint/2010/main" val="3859524647"/>
+      </p:ext>
+    </p:extLst>
+  </p:cSld>
+  <p:clrMapOvr>
+    <a:masterClrMapping/>
+  </p:clrMapOvr>
+</p:notes>
+</file>
+
+<file path=ppt/notesSlides/notesSlide25.xml><?xml version="1.0" encoding="utf-8"?>
+<p:notes xmlns:a="http://schemas.openxmlformats.org/drawingml/2006/main" xmlns:r="http://schemas.openxmlformats.org/officeDocument/2006/relationships" xmlns:p="http://schemas.openxmlformats.org/presentationml/2006/main">
+  <p:cSld>
+    <p:spTree>
+      <p:nvGrpSpPr>
+        <p:cNvPr id="1" name=""/>
+        <p:cNvGrpSpPr/>
+        <p:nvPr/>
+      </p:nvGrpSpPr>
+      <p:grpSpPr>
+        <a:xfrm>
+          <a:off x="0" y="0"/>
+          <a:ext cx="0" cy="0"/>
+          <a:chOff x="0" y="0"/>
+          <a:chExt cx="0" cy="0"/>
+        </a:xfrm>
+      </p:grpSpPr>
+      <p:sp>
+        <p:nvSpPr>
+          <p:cNvPr id="2" name="Espace réservé de l'image des diapositives 1"/>
+          <p:cNvSpPr>
+            <a:spLocks noGrp="1" noRot="1" noChangeAspect="1"/>
+          </p:cNvSpPr>
+          <p:nvPr>
+            <p:ph type="sldImg"/>
+          </p:nvPr>
+        </p:nvSpPr>
+        <p:spPr/>
+      </p:sp>
+      <p:sp>
+        <p:nvSpPr>
+          <p:cNvPr id="3" name="Espace réservé des notes 2"/>
+          <p:cNvSpPr>
+            <a:spLocks noGrp="1"/>
+          </p:cNvSpPr>
+          <p:nvPr>
+            <p:ph type="body" idx="1"/>
+          </p:nvPr>
+        </p:nvSpPr>
+        <p:spPr/>
+        <p:txBody>
+          <a:bodyPr/>
+          <a:lstStyle/>
+          <a:p>
+            <a:r>
+              <a:rPr lang="fr-FR" dirty="0"/>
+              <a:t>Pour la deuxième partie, on va désormais attribuer la bonne valeur </a:t>
+            </a:r>
+            <a:r>
+              <a:rPr lang="fr-FR" dirty="0" err="1"/>
+              <a:t>c_i_parents</a:t>
+            </a:r>
+            <a:r>
+              <a:rPr lang="fr-FR" dirty="0"/>
+              <a:t> à chaque centile d’un pays.</a:t>
+            </a:r>
+          </a:p>
+          <a:p>
+            <a:endParaRPr lang="fr-FR" dirty="0"/>
+          </a:p>
+          <a:p>
+            <a:r>
+              <a:rPr lang="fr-FR" dirty="0"/>
+              <a:t>On a donc les 100 centiles pour 1 pays.</a:t>
+            </a:r>
+          </a:p>
+          <a:p>
+            <a:endParaRPr lang="fr-FR" dirty="0"/>
+          </a:p>
+          <a:p>
+            <a:r>
+              <a:rPr lang="fr-FR" dirty="0"/>
+              <a:t>Ici le boucle reprend la première boucle, et va juste changer de centile à chaque fois que la première boucle a fini ses 100 centiles.</a:t>
+            </a:r>
+          </a:p>
+          <a:p>
+            <a:endParaRPr lang="fr-FR" dirty="0"/>
+          </a:p>
+          <a:p>
+            <a:r>
+              <a:rPr lang="fr-FR" dirty="0"/>
+              <a:t>Enfin, voyons la 3 </a:t>
+            </a:r>
+            <a:r>
+              <a:rPr lang="fr-FR" dirty="0" err="1"/>
+              <a:t>ème</a:t>
+            </a:r>
+            <a:r>
+              <a:rPr lang="fr-FR" dirty="0"/>
+              <a:t> partie</a:t>
+            </a:r>
+          </a:p>
+        </p:txBody>
+      </p:sp>
+      <p:sp>
+        <p:nvSpPr>
+          <p:cNvPr id="4" name="Espace réservé du numéro de diapositive 3"/>
+          <p:cNvSpPr>
+            <a:spLocks noGrp="1"/>
+          </p:cNvSpPr>
+          <p:nvPr>
+            <p:ph type="sldNum" sz="quarter" idx="5"/>
+          </p:nvPr>
+        </p:nvSpPr>
+        <p:spPr/>
+        <p:txBody>
+          <a:bodyPr/>
+          <a:lstStyle/>
+          <a:p>
+            <a:fld id="{F44DFA25-216B-4048-9E14-17772AFFB9C9}" type="slidenum">
+              <a:rPr lang="fr-FR" smtClean="0"/>
+              <a:t>26</a:t>
+            </a:fld>
+            <a:endParaRPr lang="fr-FR"/>
+          </a:p>
+        </p:txBody>
+      </p:sp>
+    </p:spTree>
+    <p:extLst>
+      <p:ext uri="{BB962C8B-B14F-4D97-AF65-F5344CB8AC3E}">
+        <p14:creationId xmlns:p14="http://schemas.microsoft.com/office/powerpoint/2010/main" val="4149172577"/>
+      </p:ext>
+    </p:extLst>
+  </p:cSld>
+  <p:clrMapOvr>
+    <a:masterClrMapping/>
+  </p:clrMapOvr>
+</p:notes>
+</file>
+
+<file path=ppt/notesSlides/notesSlide26.xml><?xml version="1.0" encoding="utf-8"?>
+<p:notes xmlns:a="http://schemas.openxmlformats.org/drawingml/2006/main" xmlns:r="http://schemas.openxmlformats.org/officeDocument/2006/relationships" xmlns:p="http://schemas.openxmlformats.org/presentationml/2006/main">
+  <p:cSld>
+    <p:spTree>
+      <p:nvGrpSpPr>
+        <p:cNvPr id="1" name=""/>
+        <p:cNvGrpSpPr/>
+        <p:nvPr/>
+      </p:nvGrpSpPr>
+      <p:grpSpPr>
+        <a:xfrm>
+          <a:off x="0" y="0"/>
+          <a:ext cx="0" cy="0"/>
+          <a:chOff x="0" y="0"/>
+          <a:chExt cx="0" cy="0"/>
+        </a:xfrm>
+      </p:grpSpPr>
+      <p:sp>
+        <p:nvSpPr>
+          <p:cNvPr id="2" name="Espace réservé de l'image des diapositives 1"/>
+          <p:cNvSpPr>
+            <a:spLocks noGrp="1" noRot="1" noChangeAspect="1"/>
+          </p:cNvSpPr>
+          <p:nvPr>
+            <p:ph type="sldImg"/>
+          </p:nvPr>
+        </p:nvSpPr>
+        <p:spPr/>
+      </p:sp>
+      <p:sp>
+        <p:nvSpPr>
+          <p:cNvPr id="3" name="Espace réservé des notes 2"/>
+          <p:cNvSpPr>
+            <a:spLocks noGrp="1"/>
+          </p:cNvSpPr>
+          <p:nvPr>
+            <p:ph type="body" idx="1"/>
+          </p:nvPr>
+        </p:nvSpPr>
+        <p:spPr/>
+        <p:txBody>
+          <a:bodyPr/>
+          <a:lstStyle/>
+          <a:p>
+            <a:r>
+              <a:rPr lang="fr-FR" dirty="0"/>
+              <a:t>C’est la boucle vue tout à l’heure.</a:t>
+            </a:r>
+          </a:p>
+          <a:p>
+            <a:r>
+              <a:rPr lang="fr-FR" dirty="0"/>
+              <a:t>On a juste ici rajouté une boucle sur les pays. </a:t>
+            </a:r>
+          </a:p>
+          <a:p>
+            <a:endParaRPr lang="fr-FR" dirty="0"/>
+          </a:p>
+          <a:p>
+            <a:r>
+              <a:rPr lang="fr-FR" dirty="0"/>
+              <a:t>Fonctionnement :</a:t>
+            </a:r>
+          </a:p>
+          <a:p>
+            <a:r>
+              <a:rPr lang="fr-FR" dirty="0"/>
+              <a:t>1 premier pays est choisi, ainsi qu’un premier centile. </a:t>
+            </a:r>
+          </a:p>
+          <a:p>
+            <a:r>
+              <a:rPr lang="fr-FR" dirty="0"/>
+              <a:t>La boucle </a:t>
+            </a:r>
+            <a:r>
+              <a:rPr lang="fr-FR" dirty="0" err="1"/>
+              <a:t>iter</a:t>
+            </a:r>
+            <a:r>
+              <a:rPr lang="fr-FR" dirty="0"/>
+              <a:t> pour attribuer au 500 clones le </a:t>
+            </a:r>
+            <a:r>
+              <a:rPr lang="fr-FR" dirty="0" err="1"/>
+              <a:t>c_i_parents</a:t>
+            </a:r>
+            <a:r>
+              <a:rPr lang="fr-FR" dirty="0"/>
+              <a:t>.</a:t>
+            </a:r>
+          </a:p>
+          <a:p>
+            <a:r>
+              <a:rPr lang="fr-FR" dirty="0"/>
+              <a:t>Une fois terminé, elle va passer au centile n+1</a:t>
+            </a:r>
+          </a:p>
+          <a:p>
+            <a:r>
+              <a:rPr lang="fr-FR" dirty="0"/>
+              <a:t>Une fois les 100 centiles du pays fait, elle passera au deuxième pays</a:t>
+            </a:r>
+          </a:p>
+          <a:p>
+            <a:endParaRPr lang="fr-FR" dirty="0"/>
+          </a:p>
+          <a:p>
+            <a:r>
+              <a:rPr lang="fr-FR" dirty="0"/>
+              <a:t>Ici, la boucle prend 10minutes pour s’effectuer.</a:t>
+            </a:r>
+          </a:p>
+          <a:p>
+            <a:endParaRPr lang="fr-FR" dirty="0"/>
+          </a:p>
+          <a:p>
+            <a:r>
+              <a:rPr lang="fr-FR" dirty="0"/>
+              <a:t>On obtient alors nos </a:t>
+            </a:r>
+            <a:r>
+              <a:rPr lang="fr-FR" dirty="0" err="1"/>
+              <a:t>c_i_parents</a:t>
+            </a:r>
+            <a:r>
+              <a:rPr lang="fr-FR" dirty="0"/>
+              <a:t> pour les 100 centiles des 76 pays.</a:t>
+            </a:r>
+          </a:p>
+        </p:txBody>
+      </p:sp>
+      <p:sp>
+        <p:nvSpPr>
+          <p:cNvPr id="4" name="Espace réservé du numéro de diapositive 3"/>
+          <p:cNvSpPr>
+            <a:spLocks noGrp="1"/>
+          </p:cNvSpPr>
+          <p:nvPr>
+            <p:ph type="sldNum" sz="quarter" idx="5"/>
+          </p:nvPr>
+        </p:nvSpPr>
+        <p:spPr/>
+        <p:txBody>
+          <a:bodyPr/>
+          <a:lstStyle/>
+          <a:p>
+            <a:fld id="{F44DFA25-216B-4048-9E14-17772AFFB9C9}" type="slidenum">
+              <a:rPr lang="fr-FR" smtClean="0"/>
+              <a:t>27</a:t>
+            </a:fld>
+            <a:endParaRPr lang="fr-FR"/>
+          </a:p>
+        </p:txBody>
+      </p:sp>
+    </p:spTree>
+    <p:extLst>
+      <p:ext uri="{BB962C8B-B14F-4D97-AF65-F5344CB8AC3E}">
+        <p14:creationId xmlns:p14="http://schemas.microsoft.com/office/powerpoint/2010/main" val="1057334286"/>
+      </p:ext>
+    </p:extLst>
+  </p:cSld>
+  <p:clrMapOvr>
+    <a:masterClrMapping/>
+  </p:clrMapOvr>
+</p:notes>
+</file>
+
+<file path=ppt/notesSlides/notesSlide27.xml><?xml version="1.0" encoding="utf-8"?>
+<p:notes xmlns:a="http://schemas.openxmlformats.org/drawingml/2006/main" xmlns:r="http://schemas.openxmlformats.org/officeDocument/2006/relationships" xmlns:p="http://schemas.openxmlformats.org/presentationml/2006/main">
+  <p:cSld>
+    <p:spTree>
+      <p:nvGrpSpPr>
+        <p:cNvPr id="1" name=""/>
+        <p:cNvGrpSpPr/>
+        <p:nvPr/>
+      </p:nvGrpSpPr>
+      <p:grpSpPr>
+        <a:xfrm>
+          <a:off x="0" y="0"/>
+          <a:ext cx="0" cy="0"/>
+          <a:chOff x="0" y="0"/>
+          <a:chExt cx="0" cy="0"/>
+        </a:xfrm>
+      </p:grpSpPr>
+      <p:sp>
+        <p:nvSpPr>
+          <p:cNvPr id="2" name="Espace réservé de l'image des diapositives 1"/>
+          <p:cNvSpPr>
+            <a:spLocks noGrp="1" noRot="1" noChangeAspect="1"/>
+          </p:cNvSpPr>
+          <p:nvPr>
+            <p:ph type="sldImg"/>
+          </p:nvPr>
+        </p:nvSpPr>
+        <p:spPr/>
+      </p:sp>
+      <p:sp>
+        <p:nvSpPr>
+          <p:cNvPr id="3" name="Espace réservé des notes 2"/>
+          <p:cNvSpPr>
+            <a:spLocks noGrp="1"/>
+          </p:cNvSpPr>
+          <p:nvPr>
+            <p:ph type="body" idx="1"/>
+          </p:nvPr>
+        </p:nvSpPr>
+        <p:spPr/>
+        <p:txBody>
+          <a:bodyPr/>
+          <a:lstStyle/>
+          <a:p>
+            <a:r>
+              <a:rPr lang="fr-FR" dirty="0"/>
+              <a:t>FAIT</a:t>
+            </a:r>
+          </a:p>
+        </p:txBody>
+      </p:sp>
+      <p:sp>
+        <p:nvSpPr>
+          <p:cNvPr id="4" name="Espace réservé du numéro de diapositive 3"/>
+          <p:cNvSpPr>
+            <a:spLocks noGrp="1"/>
+          </p:cNvSpPr>
+          <p:nvPr>
+            <p:ph type="sldNum" sz="quarter" idx="5"/>
+          </p:nvPr>
+        </p:nvSpPr>
+        <p:spPr/>
+        <p:txBody>
+          <a:bodyPr/>
+          <a:lstStyle/>
+          <a:p>
+            <a:fld id="{5F05756B-5F5C-4EED-907C-E25857D58D0B}" type="slidenum">
+              <a:rPr lang="fr-FR" smtClean="0"/>
+              <a:t>28</a:t>
+            </a:fld>
+            <a:endParaRPr lang="fr-FR"/>
+          </a:p>
+        </p:txBody>
+      </p:sp>
+    </p:spTree>
+    <p:extLst>
+      <p:ext uri="{BB962C8B-B14F-4D97-AF65-F5344CB8AC3E}">
+        <p14:creationId xmlns:p14="http://schemas.microsoft.com/office/powerpoint/2010/main" val="3080199602"/>
+      </p:ext>
+    </p:extLst>
+  </p:cSld>
+  <p:clrMapOvr>
+    <a:masterClrMapping/>
+  </p:clrMapOvr>
+</p:notes>
+</file>
+
+<file path=ppt/notesSlides/notesSlide28.xml><?xml version="1.0" encoding="utf-8"?>
+<p:notes xmlns:a="http://schemas.openxmlformats.org/drawingml/2006/main" xmlns:r="http://schemas.openxmlformats.org/officeDocument/2006/relationships" xmlns:p="http://schemas.openxmlformats.org/presentationml/2006/main">
+  <p:cSld>
+    <p:spTree>
+      <p:nvGrpSpPr>
+        <p:cNvPr id="1" name=""/>
+        <p:cNvGrpSpPr/>
+        <p:nvPr/>
+      </p:nvGrpSpPr>
+      <p:grpSpPr>
+        <a:xfrm>
+          <a:off x="0" y="0"/>
+          <a:ext cx="0" cy="0"/>
+          <a:chOff x="0" y="0"/>
+          <a:chExt cx="0" cy="0"/>
+        </a:xfrm>
+      </p:grpSpPr>
+      <p:sp>
+        <p:nvSpPr>
+          <p:cNvPr id="2" name="Espace réservé de l'image des diapositives 1"/>
+          <p:cNvSpPr>
+            <a:spLocks noGrp="1" noRot="1" noChangeAspect="1"/>
+          </p:cNvSpPr>
+          <p:nvPr>
+            <p:ph type="sldImg"/>
+          </p:nvPr>
+        </p:nvSpPr>
+        <p:spPr/>
+      </p:sp>
+      <p:sp>
+        <p:nvSpPr>
+          <p:cNvPr id="3" name="Espace réservé des notes 2"/>
+          <p:cNvSpPr>
+            <a:spLocks noGrp="1"/>
+          </p:cNvSpPr>
+          <p:nvPr>
+            <p:ph type="body" idx="1"/>
+          </p:nvPr>
+        </p:nvSpPr>
+        <p:spPr/>
+        <p:txBody>
+          <a:bodyPr/>
+          <a:lstStyle/>
+          <a:p>
+            <a:endParaRPr lang="fr-FR" dirty="0"/>
+          </a:p>
+        </p:txBody>
+      </p:sp>
+      <p:sp>
+        <p:nvSpPr>
+          <p:cNvPr id="4" name="Espace réservé du numéro de diapositive 3"/>
+          <p:cNvSpPr>
+            <a:spLocks noGrp="1"/>
+          </p:cNvSpPr>
+          <p:nvPr>
+            <p:ph type="sldNum" sz="quarter" idx="5"/>
+          </p:nvPr>
+        </p:nvSpPr>
+        <p:spPr/>
+        <p:txBody>
+          <a:bodyPr/>
+          <a:lstStyle/>
+          <a:p>
+            <a:fld id="{F44DFA25-216B-4048-9E14-17772AFFB9C9}" type="slidenum">
+              <a:rPr lang="fr-FR" smtClean="0"/>
+              <a:t>29</a:t>
+            </a:fld>
+            <a:endParaRPr lang="fr-FR"/>
+          </a:p>
+        </p:txBody>
+      </p:sp>
+    </p:spTree>
+    <p:extLst>
+      <p:ext uri="{BB962C8B-B14F-4D97-AF65-F5344CB8AC3E}">
+        <p14:creationId xmlns:p14="http://schemas.microsoft.com/office/powerpoint/2010/main" val="4275439610"/>
+      </p:ext>
+    </p:extLst>
+  </p:cSld>
+  <p:clrMapOvr>
+    <a:masterClrMapping/>
+  </p:clrMapOvr>
+</p:notes>
+</file>
+
+<file path=ppt/notesSlides/notesSlide29.xml><?xml version="1.0" encoding="utf-8"?>
+<p:notes xmlns:a="http://schemas.openxmlformats.org/drawingml/2006/main" xmlns:r="http://schemas.openxmlformats.org/officeDocument/2006/relationships" xmlns:p="http://schemas.openxmlformats.org/presentationml/2006/main">
+  <p:cSld>
+    <p:spTree>
+      <p:nvGrpSpPr>
+        <p:cNvPr id="1" name=""/>
+        <p:cNvGrpSpPr/>
+        <p:nvPr/>
+      </p:nvGrpSpPr>
+      <p:grpSpPr>
+        <a:xfrm>
+          <a:off x="0" y="0"/>
+          <a:ext cx="0" cy="0"/>
+          <a:chOff x="0" y="0"/>
+          <a:chExt cx="0" cy="0"/>
+        </a:xfrm>
+      </p:grpSpPr>
+      <p:sp>
+        <p:nvSpPr>
+          <p:cNvPr id="2" name="Espace réservé de l'image des diapositives 1"/>
+          <p:cNvSpPr>
+            <a:spLocks noGrp="1" noRot="1" noChangeAspect="1"/>
+          </p:cNvSpPr>
+          <p:nvPr>
+            <p:ph type="sldImg"/>
+          </p:nvPr>
+        </p:nvSpPr>
+        <p:spPr/>
+      </p:sp>
+      <p:sp>
+        <p:nvSpPr>
+          <p:cNvPr id="3" name="Espace réservé des notes 2"/>
+          <p:cNvSpPr>
+            <a:spLocks noGrp="1"/>
+          </p:cNvSpPr>
+          <p:nvPr>
+            <p:ph type="body" idx="1"/>
+          </p:nvPr>
+        </p:nvSpPr>
+        <p:spPr/>
+        <p:txBody>
+          <a:bodyPr/>
+          <a:lstStyle/>
+          <a:p>
+            <a:endParaRPr lang="fr-FR" dirty="0"/>
+          </a:p>
+        </p:txBody>
+      </p:sp>
+      <p:sp>
+        <p:nvSpPr>
+          <p:cNvPr id="4" name="Espace réservé du numéro de diapositive 3"/>
+          <p:cNvSpPr>
+            <a:spLocks noGrp="1"/>
+          </p:cNvSpPr>
+          <p:nvPr>
+            <p:ph type="sldNum" sz="quarter" idx="5"/>
+          </p:nvPr>
+        </p:nvSpPr>
+        <p:spPr/>
+        <p:txBody>
+          <a:bodyPr/>
+          <a:lstStyle/>
+          <a:p>
+            <a:fld id="{F44DFA25-216B-4048-9E14-17772AFFB9C9}" type="slidenum">
+              <a:rPr lang="fr-FR" smtClean="0"/>
+              <a:t>30</a:t>
+            </a:fld>
+            <a:endParaRPr lang="fr-FR"/>
+          </a:p>
+        </p:txBody>
+      </p:sp>
+    </p:spTree>
+    <p:extLst>
+      <p:ext uri="{BB962C8B-B14F-4D97-AF65-F5344CB8AC3E}">
+        <p14:creationId xmlns:p14="http://schemas.microsoft.com/office/powerpoint/2010/main" val="707866840"/>
       </p:ext>
     </p:extLst>
   </p:cSld>
@@ -1817,6 +3362,90 @@
     <p:extLst>
       <p:ext uri="{BB962C8B-B14F-4D97-AF65-F5344CB8AC3E}">
         <p14:creationId xmlns:p14="http://schemas.microsoft.com/office/powerpoint/2010/main" val="3768442902"/>
+      </p:ext>
+    </p:extLst>
+  </p:cSld>
+  <p:clrMapOvr>
+    <a:masterClrMapping/>
+  </p:clrMapOvr>
+</p:notes>
+</file>
+
+<file path=ppt/notesSlides/notesSlide30.xml><?xml version="1.0" encoding="utf-8"?>
+<p:notes xmlns:a="http://schemas.openxmlformats.org/drawingml/2006/main" xmlns:r="http://schemas.openxmlformats.org/officeDocument/2006/relationships" xmlns:p="http://schemas.openxmlformats.org/presentationml/2006/main">
+  <p:cSld>
+    <p:spTree>
+      <p:nvGrpSpPr>
+        <p:cNvPr id="1" name=""/>
+        <p:cNvGrpSpPr/>
+        <p:nvPr/>
+      </p:nvGrpSpPr>
+      <p:grpSpPr>
+        <a:xfrm>
+          <a:off x="0" y="0"/>
+          <a:ext cx="0" cy="0"/>
+          <a:chOff x="0" y="0"/>
+          <a:chExt cx="0" cy="0"/>
+        </a:xfrm>
+      </p:grpSpPr>
+      <p:sp>
+        <p:nvSpPr>
+          <p:cNvPr id="2" name="Espace réservé de l'image des diapositives 1"/>
+          <p:cNvSpPr>
+            <a:spLocks noGrp="1" noRot="1" noChangeAspect="1"/>
+          </p:cNvSpPr>
+          <p:nvPr>
+            <p:ph type="sldImg"/>
+          </p:nvPr>
+        </p:nvSpPr>
+        <p:spPr/>
+      </p:sp>
+      <p:sp>
+        <p:nvSpPr>
+          <p:cNvPr id="3" name="Espace réservé des notes 2"/>
+          <p:cNvSpPr>
+            <a:spLocks noGrp="1"/>
+          </p:cNvSpPr>
+          <p:nvPr>
+            <p:ph type="body" idx="1"/>
+          </p:nvPr>
+        </p:nvSpPr>
+        <p:spPr/>
+        <p:txBody>
+          <a:bodyPr/>
+          <a:lstStyle/>
+          <a:p>
+            <a:endParaRPr lang="fr-FR" dirty="0"/>
+          </a:p>
+        </p:txBody>
+      </p:sp>
+      <p:sp>
+        <p:nvSpPr>
+          <p:cNvPr id="4" name="Espace réservé du numéro de diapositive 3"/>
+          <p:cNvSpPr>
+            <a:spLocks noGrp="1"/>
+          </p:cNvSpPr>
+          <p:nvPr>
+            <p:ph type="sldNum" sz="quarter" idx="5"/>
+          </p:nvPr>
+        </p:nvSpPr>
+        <p:spPr/>
+        <p:txBody>
+          <a:bodyPr/>
+          <a:lstStyle/>
+          <a:p>
+            <a:fld id="{F44DFA25-216B-4048-9E14-17772AFFB9C9}" type="slidenum">
+              <a:rPr lang="fr-FR" smtClean="0"/>
+              <a:t>31</a:t>
+            </a:fld>
+            <a:endParaRPr lang="fr-FR"/>
+          </a:p>
+        </p:txBody>
+      </p:sp>
+    </p:spTree>
+    <p:extLst>
+      <p:ext uri="{BB962C8B-B14F-4D97-AF65-F5344CB8AC3E}">
+        <p14:creationId xmlns:p14="http://schemas.microsoft.com/office/powerpoint/2010/main" val="51407293"/>
       </p:ext>
     </p:extLst>
   </p:cSld>
@@ -2625,7 +4254,7 @@
           <a:p>
             <a:fld id="{D6A1C655-8375-4C41-9B67-B1C03E7EEC05}" type="datetimeFigureOut">
               <a:rPr lang="fr-FR" smtClean="0"/>
-              <a:t>27/06/2019</a:t>
+              <a:t>02/07/2019</a:t>
             </a:fld>
             <a:endParaRPr lang="fr-FR"/>
           </a:p>
@@ -2823,7 +4452,7 @@
           <a:p>
             <a:fld id="{D6A1C655-8375-4C41-9B67-B1C03E7EEC05}" type="datetimeFigureOut">
               <a:rPr lang="fr-FR" smtClean="0"/>
-              <a:t>27/06/2019</a:t>
+              <a:t>02/07/2019</a:t>
             </a:fld>
             <a:endParaRPr lang="fr-FR"/>
           </a:p>
@@ -3031,7 +4660,7 @@
           <a:p>
             <a:fld id="{D6A1C655-8375-4C41-9B67-B1C03E7EEC05}" type="datetimeFigureOut">
               <a:rPr lang="fr-FR" smtClean="0"/>
-              <a:t>27/06/2019</a:t>
+              <a:t>02/07/2019</a:t>
             </a:fld>
             <a:endParaRPr lang="fr-FR"/>
           </a:p>
@@ -3229,7 +4858,7 @@
           <a:p>
             <a:fld id="{D6A1C655-8375-4C41-9B67-B1C03E7EEC05}" type="datetimeFigureOut">
               <a:rPr lang="fr-FR" smtClean="0"/>
-              <a:t>27/06/2019</a:t>
+              <a:t>02/07/2019</a:t>
             </a:fld>
             <a:endParaRPr lang="fr-FR"/>
           </a:p>
@@ -3504,7 +5133,7 @@
           <a:p>
             <a:fld id="{D6A1C655-8375-4C41-9B67-B1C03E7EEC05}" type="datetimeFigureOut">
               <a:rPr lang="fr-FR" smtClean="0"/>
-              <a:t>27/06/2019</a:t>
+              <a:t>02/07/2019</a:t>
             </a:fld>
             <a:endParaRPr lang="fr-FR"/>
           </a:p>
@@ -3769,7 +5398,7 @@
           <a:p>
             <a:fld id="{D6A1C655-8375-4C41-9B67-B1C03E7EEC05}" type="datetimeFigureOut">
               <a:rPr lang="fr-FR" smtClean="0"/>
-              <a:t>27/06/2019</a:t>
+              <a:t>02/07/2019</a:t>
             </a:fld>
             <a:endParaRPr lang="fr-FR"/>
           </a:p>
@@ -4181,7 +5810,7 @@
           <a:p>
             <a:fld id="{D6A1C655-8375-4C41-9B67-B1C03E7EEC05}" type="datetimeFigureOut">
               <a:rPr lang="fr-FR" smtClean="0"/>
-              <a:t>27/06/2019</a:t>
+              <a:t>02/07/2019</a:t>
             </a:fld>
             <a:endParaRPr lang="fr-FR"/>
           </a:p>
@@ -4322,7 +5951,7 @@
           <a:p>
             <a:fld id="{D6A1C655-8375-4C41-9B67-B1C03E7EEC05}" type="datetimeFigureOut">
               <a:rPr lang="fr-FR" smtClean="0"/>
-              <a:t>27/06/2019</a:t>
+              <a:t>02/07/2019</a:t>
             </a:fld>
             <a:endParaRPr lang="fr-FR"/>
           </a:p>
@@ -4435,7 +6064,7 @@
           <a:p>
             <a:fld id="{D6A1C655-8375-4C41-9B67-B1C03E7EEC05}" type="datetimeFigureOut">
               <a:rPr lang="fr-FR" smtClean="0"/>
-              <a:t>27/06/2019</a:t>
+              <a:t>02/07/2019</a:t>
             </a:fld>
             <a:endParaRPr lang="fr-FR"/>
           </a:p>
@@ -4746,7 +6375,7 @@
           <a:p>
             <a:fld id="{D6A1C655-8375-4C41-9B67-B1C03E7EEC05}" type="datetimeFigureOut">
               <a:rPr lang="fr-FR" smtClean="0"/>
-              <a:t>27/06/2019</a:t>
+              <a:t>02/07/2019</a:t>
             </a:fld>
             <a:endParaRPr lang="fr-FR"/>
           </a:p>
@@ -5034,7 +6663,7 @@
           <a:p>
             <a:fld id="{D6A1C655-8375-4C41-9B67-B1C03E7EEC05}" type="datetimeFigureOut">
               <a:rPr lang="fr-FR" smtClean="0"/>
-              <a:t>27/06/2019</a:t>
+              <a:t>02/07/2019</a:t>
             </a:fld>
             <a:endParaRPr lang="fr-FR"/>
           </a:p>
@@ -5275,7 +6904,7 @@
           <a:p>
             <a:fld id="{D6A1C655-8375-4C41-9B67-B1C03E7EEC05}" type="datetimeFigureOut">
               <a:rPr lang="fr-FR" smtClean="0"/>
-              <a:t>27/06/2019</a:t>
+              <a:t>02/07/2019</a:t>
             </a:fld>
             <a:endParaRPr lang="fr-FR"/>
           </a:p>
@@ -6145,10 +7774,10 @@
       </p:pic>
       <p:pic>
         <p:nvPicPr>
-          <p:cNvPr id="3" name="Image 2">
-            <a:extLst>
-              <a:ext uri="{FF2B5EF4-FFF2-40B4-BE49-F238E27FC236}">
-                <a16:creationId xmlns:a16="http://schemas.microsoft.com/office/drawing/2014/main" id="{A0E2BDC2-6429-4E82-BF9A-27996F6DBC05}"/>
+          <p:cNvPr id="6" name="Image 5">
+            <a:extLst>
+              <a:ext uri="{FF2B5EF4-FFF2-40B4-BE49-F238E27FC236}">
+                <a16:creationId xmlns:a16="http://schemas.microsoft.com/office/drawing/2014/main" id="{4D915D98-1000-49A1-B70C-16E10F32DB28}"/>
               </a:ext>
             </a:extLst>
           </p:cNvPr>
@@ -6165,71 +7794,14 @@
         </p:blipFill>
         <p:spPr>
           <a:xfrm>
-            <a:off x="2519362" y="2378575"/>
-            <a:ext cx="7153275" cy="2628900"/>
+            <a:off x="2501580" y="2278424"/>
+            <a:ext cx="7188839" cy="2640149"/>
           </a:xfrm>
           <a:prstGeom prst="rect">
             <a:avLst/>
           </a:prstGeom>
         </p:spPr>
       </p:pic>
-      <p:sp>
-        <p:nvSpPr>
-          <p:cNvPr id="5" name="ZoneTexte 4">
-            <a:extLst>
-              <a:ext uri="{FF2B5EF4-FFF2-40B4-BE49-F238E27FC236}">
-                <a16:creationId xmlns:a16="http://schemas.microsoft.com/office/drawing/2014/main" id="{8AD4D5C2-24BA-471F-A007-07B9EDE0AE21}"/>
-              </a:ext>
-            </a:extLst>
-          </p:cNvPr>
-          <p:cNvSpPr txBox="1"/>
-          <p:nvPr/>
-        </p:nvSpPr>
-        <p:spPr>
-          <a:xfrm>
-            <a:off x="361627" y="1955259"/>
-            <a:ext cx="1787797" cy="646331"/>
-          </a:xfrm>
-          <a:prstGeom prst="rect">
-            <a:avLst/>
-          </a:prstGeom>
-          <a:noFill/>
-        </p:spPr>
-        <p:txBody>
-          <a:bodyPr wrap="none" rtlCol="0">
-            <a:spAutoFit/>
-          </a:bodyPr>
-          <a:lstStyle/>
-          <a:p>
-            <a:r>
-              <a:rPr lang="fr-FR" b="1" dirty="0" err="1">
-                <a:solidFill>
-                  <a:srgbClr val="FF0000"/>
-                </a:solidFill>
-              </a:rPr>
-              <a:t>Unknown</a:t>
-            </a:r>
-            <a:r>
-              <a:rPr lang="fr-FR" b="1" dirty="0">
-                <a:solidFill>
-                  <a:srgbClr val="FF0000"/>
-                </a:solidFill>
-              </a:rPr>
-              <a:t> ?</a:t>
-            </a:r>
-          </a:p>
-          <a:p>
-            <a:r>
-              <a:rPr lang="fr-FR" b="1" dirty="0">
-                <a:solidFill>
-                  <a:srgbClr val="FF0000"/>
-                </a:solidFill>
-              </a:rPr>
-              <a:t>Creuser ce point </a:t>
-            </a:r>
-          </a:p>
-        </p:txBody>
-      </p:sp>
     </p:spTree>
     <p:extLst>
       <p:ext uri="{BB962C8B-B14F-4D97-AF65-F5344CB8AC3E}">
@@ -6361,45 +7933,6 @@
           </a:prstGeom>
         </p:spPr>
       </p:pic>
-      <p:sp>
-        <p:nvSpPr>
-          <p:cNvPr id="6" name="ZoneTexte 5">
-            <a:extLst>
-              <a:ext uri="{FF2B5EF4-FFF2-40B4-BE49-F238E27FC236}">
-                <a16:creationId xmlns:a16="http://schemas.microsoft.com/office/drawing/2014/main" id="{708332EC-3E80-4359-BF87-B63A954F7329}"/>
-              </a:ext>
-            </a:extLst>
-          </p:cNvPr>
-          <p:cNvSpPr txBox="1"/>
-          <p:nvPr/>
-        </p:nvSpPr>
-        <p:spPr>
-          <a:xfrm>
-            <a:off x="311285" y="0"/>
-            <a:ext cx="566181" cy="923330"/>
-          </a:xfrm>
-          <a:prstGeom prst="rect">
-            <a:avLst/>
-          </a:prstGeom>
-          <a:noFill/>
-        </p:spPr>
-        <p:txBody>
-          <a:bodyPr wrap="none" rtlCol="0">
-            <a:spAutoFit/>
-          </a:bodyPr>
-          <a:lstStyle/>
-          <a:p>
-            <a:r>
-              <a:rPr lang="fr-FR" sz="5400" b="1" dirty="0">
-                <a:solidFill>
-                  <a:srgbClr val="FF0000"/>
-                </a:solidFill>
-              </a:rPr>
-              <a:t>X</a:t>
-            </a:r>
-          </a:p>
-        </p:txBody>
-      </p:sp>
     </p:spTree>
     <p:extLst>
       <p:ext uri="{BB962C8B-B14F-4D97-AF65-F5344CB8AC3E}">
@@ -6592,45 +8125,6 @@
             <a:r>
               <a:rPr lang="fr-FR" dirty="0"/>
               <a:t>La France est donc 40eme dans le classement (l’index commençant à 0)</a:t>
-            </a:r>
-          </a:p>
-        </p:txBody>
-      </p:sp>
-      <p:sp>
-        <p:nvSpPr>
-          <p:cNvPr id="7" name="ZoneTexte 6">
-            <a:extLst>
-              <a:ext uri="{FF2B5EF4-FFF2-40B4-BE49-F238E27FC236}">
-                <a16:creationId xmlns:a16="http://schemas.microsoft.com/office/drawing/2014/main" id="{FB578C88-E04A-41F4-BB81-66F7D4AB1EC2}"/>
-              </a:ext>
-            </a:extLst>
-          </p:cNvPr>
-          <p:cNvSpPr txBox="1"/>
-          <p:nvPr/>
-        </p:nvSpPr>
-        <p:spPr>
-          <a:xfrm>
-            <a:off x="311285" y="0"/>
-            <a:ext cx="566181" cy="923330"/>
-          </a:xfrm>
-          <a:prstGeom prst="rect">
-            <a:avLst/>
-          </a:prstGeom>
-          <a:noFill/>
-        </p:spPr>
-        <p:txBody>
-          <a:bodyPr wrap="none" rtlCol="0">
-            <a:spAutoFit/>
-          </a:bodyPr>
-          <a:lstStyle/>
-          <a:p>
-            <a:r>
-              <a:rPr lang="fr-FR" sz="5400" b="1" dirty="0">
-                <a:solidFill>
-                  <a:srgbClr val="FF0000"/>
-                </a:solidFill>
-              </a:rPr>
-              <a:t>X</a:t>
             </a:r>
           </a:p>
         </p:txBody>
@@ -7179,41 +8673,6 @@
           <a:chExt cx="0" cy="0"/>
         </a:xfrm>
       </p:grpSpPr>
-      <p:sp>
-        <p:nvSpPr>
-          <p:cNvPr id="2" name="Titre 1">
-            <a:extLst>
-              <a:ext uri="{FF2B5EF4-FFF2-40B4-BE49-F238E27FC236}">
-                <a16:creationId xmlns:a16="http://schemas.microsoft.com/office/drawing/2014/main" id="{465F4E1D-C2D1-48A3-87E1-EAA86D29F741}"/>
-              </a:ext>
-            </a:extLst>
-          </p:cNvPr>
-          <p:cNvSpPr>
-            <a:spLocks noGrp="1"/>
-          </p:cNvSpPr>
-          <p:nvPr>
-            <p:ph type="ctrTitle"/>
-          </p:nvPr>
-        </p:nvSpPr>
-        <p:spPr>
-          <a:xfrm>
-            <a:off x="1391920" y="396240"/>
-            <a:ext cx="9408160" cy="1046481"/>
-          </a:xfrm>
-        </p:spPr>
-        <p:txBody>
-          <a:bodyPr>
-            <a:normAutofit/>
-          </a:bodyPr>
-          <a:lstStyle/>
-          <a:p>
-            <a:r>
-              <a:rPr lang="fr-FR" dirty="0"/>
-              <a:t>Mise en place des fonctions</a:t>
-            </a:r>
-          </a:p>
-        </p:txBody>
-      </p:sp>
       <p:pic>
         <p:nvPicPr>
           <p:cNvPr id="4" name="Image 3">
@@ -7250,16 +8709,356 @@
           </a:prstGeom>
         </p:spPr>
       </p:pic>
+      <p:pic>
+        <p:nvPicPr>
+          <p:cNvPr id="8" name="Image 7">
+            <a:extLst>
+              <a:ext uri="{FF2B5EF4-FFF2-40B4-BE49-F238E27FC236}">
+                <a16:creationId xmlns:a16="http://schemas.microsoft.com/office/drawing/2014/main" id="{6EC1BCB0-3180-4551-9F5B-82F801DE2063}"/>
+              </a:ext>
+            </a:extLst>
+          </p:cNvPr>
+          <p:cNvPicPr>
+            <a:picLocks noChangeAspect="1"/>
+          </p:cNvPicPr>
+          <p:nvPr/>
+        </p:nvPicPr>
+        <p:blipFill>
+          <a:blip r:embed="rId4"/>
+          <a:stretch>
+            <a:fillRect/>
+          </a:stretch>
+        </p:blipFill>
+        <p:spPr>
+          <a:xfrm>
+            <a:off x="3024187" y="2019261"/>
+            <a:ext cx="5248275" cy="314325"/>
+          </a:xfrm>
+          <a:prstGeom prst="rect">
+            <a:avLst/>
+          </a:prstGeom>
+        </p:spPr>
+      </p:pic>
+      <p:pic>
+        <p:nvPicPr>
+          <p:cNvPr id="9" name="Image 8">
+            <a:extLst>
+              <a:ext uri="{FF2B5EF4-FFF2-40B4-BE49-F238E27FC236}">
+                <a16:creationId xmlns:a16="http://schemas.microsoft.com/office/drawing/2014/main" id="{B0FAB4F9-7271-41EA-9EB3-DD54B854CE01}"/>
+              </a:ext>
+            </a:extLst>
+          </p:cNvPr>
+          <p:cNvPicPr>
+            <a:picLocks noChangeAspect="1"/>
+          </p:cNvPicPr>
+          <p:nvPr/>
+        </p:nvPicPr>
+        <p:blipFill>
+          <a:blip r:embed="rId5"/>
+          <a:stretch>
+            <a:fillRect/>
+          </a:stretch>
+        </p:blipFill>
+        <p:spPr>
+          <a:xfrm>
+            <a:off x="847723" y="2944055"/>
+            <a:ext cx="9601200" cy="695325"/>
+          </a:xfrm>
+          <a:prstGeom prst="rect">
+            <a:avLst/>
+          </a:prstGeom>
+        </p:spPr>
+      </p:pic>
+      <p:pic>
+        <p:nvPicPr>
+          <p:cNvPr id="10" name="Image 9">
+            <a:extLst>
+              <a:ext uri="{FF2B5EF4-FFF2-40B4-BE49-F238E27FC236}">
+                <a16:creationId xmlns:a16="http://schemas.microsoft.com/office/drawing/2014/main" id="{5A746EC2-AAB1-4742-850E-16B6BC727615}"/>
+              </a:ext>
+            </a:extLst>
+          </p:cNvPr>
+          <p:cNvPicPr>
+            <a:picLocks noChangeAspect="1"/>
+          </p:cNvPicPr>
+          <p:nvPr/>
+        </p:nvPicPr>
+        <p:blipFill>
+          <a:blip r:embed="rId6"/>
+          <a:stretch>
+            <a:fillRect/>
+          </a:stretch>
+        </p:blipFill>
+        <p:spPr>
+          <a:xfrm>
+            <a:off x="4129086" y="4249850"/>
+            <a:ext cx="3038475" cy="600075"/>
+          </a:xfrm>
+          <a:prstGeom prst="rect">
+            <a:avLst/>
+          </a:prstGeom>
+        </p:spPr>
+      </p:pic>
+      <p:pic>
+        <p:nvPicPr>
+          <p:cNvPr id="11" name="Image 10">
+            <a:extLst>
+              <a:ext uri="{FF2B5EF4-FFF2-40B4-BE49-F238E27FC236}">
+                <a16:creationId xmlns:a16="http://schemas.microsoft.com/office/drawing/2014/main" id="{8ED7AEE1-00D2-42D1-A1F1-C9B656BDF13F}"/>
+              </a:ext>
+            </a:extLst>
+          </p:cNvPr>
+          <p:cNvPicPr>
+            <a:picLocks noChangeAspect="1"/>
+          </p:cNvPicPr>
+          <p:nvPr/>
+        </p:nvPicPr>
+        <p:blipFill>
+          <a:blip r:embed="rId7"/>
+          <a:stretch>
+            <a:fillRect/>
+          </a:stretch>
+        </p:blipFill>
+        <p:spPr>
+          <a:xfrm>
+            <a:off x="3305175" y="5460395"/>
+            <a:ext cx="5581650" cy="762000"/>
+          </a:xfrm>
+          <a:prstGeom prst="rect">
+            <a:avLst/>
+          </a:prstGeom>
+        </p:spPr>
+      </p:pic>
+      <p:sp>
+        <p:nvSpPr>
+          <p:cNvPr id="14" name="Titre 1">
+            <a:extLst>
+              <a:ext uri="{FF2B5EF4-FFF2-40B4-BE49-F238E27FC236}">
+                <a16:creationId xmlns:a16="http://schemas.microsoft.com/office/drawing/2014/main" id="{0CC0D5B2-F325-4D83-A12C-92A274D7FBB6}"/>
+              </a:ext>
+            </a:extLst>
+          </p:cNvPr>
+          <p:cNvSpPr txBox="1">
+            <a:spLocks/>
+          </p:cNvSpPr>
+          <p:nvPr/>
+        </p:nvSpPr>
+        <p:spPr>
+          <a:xfrm>
+            <a:off x="215630" y="258715"/>
+            <a:ext cx="11760740" cy="848900"/>
+          </a:xfrm>
+          <a:prstGeom prst="rect">
+            <a:avLst/>
+          </a:prstGeom>
+        </p:spPr>
+        <p:txBody>
+          <a:bodyPr vert="horz" lIns="91440" tIns="45720" rIns="91440" bIns="45720" rtlCol="0" anchor="b">
+            <a:normAutofit fontScale="90000"/>
+          </a:bodyPr>
+          <a:lstStyle>
+            <a:lvl1pPr algn="ctr" defTabSz="914400" rtl="0" eaLnBrk="1" latinLnBrk="0" hangingPunct="1">
+              <a:lnSpc>
+                <a:spcPct val="90000"/>
+              </a:lnSpc>
+              <a:spcBef>
+                <a:spcPct val="0"/>
+              </a:spcBef>
+              <a:buNone/>
+              <a:defRPr sz="6000" kern="1200">
+                <a:solidFill>
+                  <a:schemeClr val="tx1"/>
+                </a:solidFill>
+                <a:latin typeface="+mj-lt"/>
+                <a:ea typeface="+mj-ea"/>
+                <a:cs typeface="+mj-cs"/>
+              </a:defRPr>
+            </a:lvl1pPr>
+          </a:lstStyle>
+          <a:p>
+            <a:r>
+              <a:rPr lang="fr-FR"/>
+              <a:t>Mise en place du coefficient d’élasticité</a:t>
+            </a:r>
+            <a:endParaRPr lang="fr-FR" dirty="0"/>
+          </a:p>
+        </p:txBody>
+      </p:sp>
     </p:spTree>
     <p:extLst>
       <p:ext uri="{BB962C8B-B14F-4D97-AF65-F5344CB8AC3E}">
-        <p14:creationId xmlns:p14="http://schemas.microsoft.com/office/powerpoint/2010/main" val="1674127381"/>
+        <p14:creationId xmlns:p14="http://schemas.microsoft.com/office/powerpoint/2010/main" val="2727008683"/>
       </p:ext>
     </p:extLst>
   </p:cSld>
   <p:clrMapOvr>
     <a:masterClrMapping/>
   </p:clrMapOvr>
+  <p:timing>
+    <p:tnLst>
+      <p:par>
+        <p:cTn id="1" dur="indefinite" restart="never" nodeType="tmRoot">
+          <p:childTnLst>
+            <p:seq concurrent="1" nextAc="seek">
+              <p:cTn id="2" dur="indefinite" nodeType="mainSeq">
+                <p:childTnLst>
+                  <p:par>
+                    <p:cTn id="3" fill="hold">
+                      <p:stCondLst>
+                        <p:cond delay="indefinite"/>
+                      </p:stCondLst>
+                      <p:childTnLst>
+                        <p:par>
+                          <p:cTn id="4" fill="hold">
+                            <p:stCondLst>
+                              <p:cond delay="0"/>
+                            </p:stCondLst>
+                            <p:childTnLst>
+                              <p:par>
+                                <p:cTn id="5" presetID="1" presetClass="entr" presetSubtype="0" fill="hold" nodeType="clickEffect">
+                                  <p:stCondLst>
+                                    <p:cond delay="0"/>
+                                  </p:stCondLst>
+                                  <p:childTnLst>
+                                    <p:set>
+                                      <p:cBhvr>
+                                        <p:cTn id="6" dur="1" fill="hold">
+                                          <p:stCondLst>
+                                            <p:cond delay="0"/>
+                                          </p:stCondLst>
+                                        </p:cTn>
+                                        <p:tgtEl>
+                                          <p:spTgt spid="9"/>
+                                        </p:tgtEl>
+                                        <p:attrNameLst>
+                                          <p:attrName>style.visibility</p:attrName>
+                                        </p:attrNameLst>
+                                      </p:cBhvr>
+                                      <p:to>
+                                        <p:strVal val="visible"/>
+                                      </p:to>
+                                    </p:set>
+                                  </p:childTnLst>
+                                </p:cTn>
+                              </p:par>
+                            </p:childTnLst>
+                          </p:cTn>
+                        </p:par>
+                      </p:childTnLst>
+                    </p:cTn>
+                  </p:par>
+                  <p:par>
+                    <p:cTn id="7" fill="hold">
+                      <p:stCondLst>
+                        <p:cond delay="indefinite"/>
+                      </p:stCondLst>
+                      <p:childTnLst>
+                        <p:par>
+                          <p:cTn id="8" fill="hold">
+                            <p:stCondLst>
+                              <p:cond delay="0"/>
+                            </p:stCondLst>
+                            <p:childTnLst>
+                              <p:par>
+                                <p:cTn id="9" presetID="1" presetClass="entr" presetSubtype="0" fill="hold" nodeType="clickEffect">
+                                  <p:stCondLst>
+                                    <p:cond delay="0"/>
+                                  </p:stCondLst>
+                                  <p:childTnLst>
+                                    <p:set>
+                                      <p:cBhvr>
+                                        <p:cTn id="10" dur="1" fill="hold">
+                                          <p:stCondLst>
+                                            <p:cond delay="0"/>
+                                          </p:stCondLst>
+                                        </p:cTn>
+                                        <p:tgtEl>
+                                          <p:spTgt spid="10"/>
+                                        </p:tgtEl>
+                                        <p:attrNameLst>
+                                          <p:attrName>style.visibility</p:attrName>
+                                        </p:attrNameLst>
+                                      </p:cBhvr>
+                                      <p:to>
+                                        <p:strVal val="visible"/>
+                                      </p:to>
+                                    </p:set>
+                                  </p:childTnLst>
+                                </p:cTn>
+                              </p:par>
+                            </p:childTnLst>
+                          </p:cTn>
+                        </p:par>
+                      </p:childTnLst>
+                    </p:cTn>
+                  </p:par>
+                  <p:par>
+                    <p:cTn id="11" fill="hold">
+                      <p:stCondLst>
+                        <p:cond delay="indefinite"/>
+                      </p:stCondLst>
+                      <p:childTnLst>
+                        <p:par>
+                          <p:cTn id="12" fill="hold">
+                            <p:stCondLst>
+                              <p:cond delay="0"/>
+                            </p:stCondLst>
+                            <p:childTnLst>
+                              <p:par>
+                                <p:cTn id="13" presetID="1" presetClass="entr" presetSubtype="0" fill="hold" nodeType="clickEffect">
+                                  <p:stCondLst>
+                                    <p:cond delay="0"/>
+                                  </p:stCondLst>
+                                  <p:childTnLst>
+                                    <p:set>
+                                      <p:cBhvr>
+                                        <p:cTn id="14" dur="1" fill="hold">
+                                          <p:stCondLst>
+                                            <p:cond delay="0"/>
+                                          </p:stCondLst>
+                                        </p:cTn>
+                                        <p:tgtEl>
+                                          <p:spTgt spid="11"/>
+                                        </p:tgtEl>
+                                        <p:attrNameLst>
+                                          <p:attrName>style.visibility</p:attrName>
+                                        </p:attrNameLst>
+                                      </p:cBhvr>
+                                      <p:to>
+                                        <p:strVal val="visible"/>
+                                      </p:to>
+                                    </p:set>
+                                  </p:childTnLst>
+                                </p:cTn>
+                              </p:par>
+                            </p:childTnLst>
+                          </p:cTn>
+                        </p:par>
+                      </p:childTnLst>
+                    </p:cTn>
+                  </p:par>
+                </p:childTnLst>
+              </p:cTn>
+              <p:prevCondLst>
+                <p:cond evt="onPrev" delay="0">
+                  <p:tgtEl>
+                    <p:sldTgt/>
+                  </p:tgtEl>
+                </p:cond>
+              </p:prevCondLst>
+              <p:nextCondLst>
+                <p:cond evt="onNext" delay="0">
+                  <p:tgtEl>
+                    <p:sldTgt/>
+                  </p:tgtEl>
+                </p:cond>
+              </p:nextCondLst>
+            </p:seq>
+          </p:childTnLst>
+        </p:cTn>
+      </p:par>
+    </p:tnLst>
+  </p:timing>
 </p:sld>
 </file>
 
@@ -7298,19 +9097,19 @@
         </p:nvSpPr>
         <p:spPr>
           <a:xfrm>
-            <a:off x="1391920" y="396240"/>
-            <a:ext cx="9408160" cy="1046481"/>
+            <a:off x="215630" y="258715"/>
+            <a:ext cx="11760740" cy="848900"/>
           </a:xfrm>
         </p:spPr>
         <p:txBody>
           <a:bodyPr>
-            <a:normAutofit/>
+            <a:normAutofit fontScale="90000"/>
           </a:bodyPr>
           <a:lstStyle/>
           <a:p>
             <a:r>
               <a:rPr lang="fr-FR" dirty="0"/>
-              <a:t>Question 1 à 6</a:t>
+              <a:t>Mise en place du coefficient d’élasticité</a:t>
             </a:r>
           </a:p>
         </p:txBody>
@@ -7351,16 +9150,301 @@
           </a:prstGeom>
         </p:spPr>
       </p:pic>
+      <p:pic>
+        <p:nvPicPr>
+          <p:cNvPr id="3" name="Image 2">
+            <a:extLst>
+              <a:ext uri="{FF2B5EF4-FFF2-40B4-BE49-F238E27FC236}">
+                <a16:creationId xmlns:a16="http://schemas.microsoft.com/office/drawing/2014/main" id="{88B53B4D-1849-4AC9-81A8-17B535A09327}"/>
+              </a:ext>
+            </a:extLst>
+          </p:cNvPr>
+          <p:cNvPicPr>
+            <a:picLocks noChangeAspect="1"/>
+          </p:cNvPicPr>
+          <p:nvPr/>
+        </p:nvPicPr>
+        <p:blipFill>
+          <a:blip r:embed="rId4"/>
+          <a:stretch>
+            <a:fillRect/>
+          </a:stretch>
+        </p:blipFill>
+        <p:spPr>
+          <a:xfrm>
+            <a:off x="1624010" y="1200035"/>
+            <a:ext cx="8943975" cy="561975"/>
+          </a:xfrm>
+          <a:prstGeom prst="rect">
+            <a:avLst/>
+          </a:prstGeom>
+        </p:spPr>
+      </p:pic>
+      <p:pic>
+        <p:nvPicPr>
+          <p:cNvPr id="5" name="Image 4">
+            <a:extLst>
+              <a:ext uri="{FF2B5EF4-FFF2-40B4-BE49-F238E27FC236}">
+                <a16:creationId xmlns:a16="http://schemas.microsoft.com/office/drawing/2014/main" id="{F1BD97E1-DFB1-4029-8B2F-05B6FB16EBA8}"/>
+              </a:ext>
+            </a:extLst>
+          </p:cNvPr>
+          <p:cNvPicPr>
+            <a:picLocks noChangeAspect="1"/>
+          </p:cNvPicPr>
+          <p:nvPr/>
+        </p:nvPicPr>
+        <p:blipFill>
+          <a:blip r:embed="rId5"/>
+          <a:stretch>
+            <a:fillRect/>
+          </a:stretch>
+        </p:blipFill>
+        <p:spPr>
+          <a:xfrm>
+            <a:off x="3864815" y="1987395"/>
+            <a:ext cx="4167089" cy="1812158"/>
+          </a:xfrm>
+          <a:prstGeom prst="rect">
+            <a:avLst/>
+          </a:prstGeom>
+        </p:spPr>
+      </p:pic>
+      <p:pic>
+        <p:nvPicPr>
+          <p:cNvPr id="6" name="Image 5">
+            <a:extLst>
+              <a:ext uri="{FF2B5EF4-FFF2-40B4-BE49-F238E27FC236}">
+                <a16:creationId xmlns:a16="http://schemas.microsoft.com/office/drawing/2014/main" id="{BA8F031A-7DA5-409B-B893-735CE89E9798}"/>
+              </a:ext>
+            </a:extLst>
+          </p:cNvPr>
+          <p:cNvPicPr>
+            <a:picLocks noChangeAspect="1"/>
+          </p:cNvPicPr>
+          <p:nvPr/>
+        </p:nvPicPr>
+        <p:blipFill>
+          <a:blip r:embed="rId6"/>
+          <a:stretch>
+            <a:fillRect/>
+          </a:stretch>
+        </p:blipFill>
+        <p:spPr>
+          <a:xfrm>
+            <a:off x="2500309" y="4024938"/>
+            <a:ext cx="7191375" cy="333375"/>
+          </a:xfrm>
+          <a:prstGeom prst="rect">
+            <a:avLst/>
+          </a:prstGeom>
+        </p:spPr>
+      </p:pic>
+      <p:pic>
+        <p:nvPicPr>
+          <p:cNvPr id="7" name="Image 6">
+            <a:extLst>
+              <a:ext uri="{FF2B5EF4-FFF2-40B4-BE49-F238E27FC236}">
+                <a16:creationId xmlns:a16="http://schemas.microsoft.com/office/drawing/2014/main" id="{6084CA09-74F5-4CFA-A4DD-0FE343D7EA03}"/>
+              </a:ext>
+            </a:extLst>
+          </p:cNvPr>
+          <p:cNvPicPr>
+            <a:picLocks noChangeAspect="1"/>
+          </p:cNvPicPr>
+          <p:nvPr/>
+        </p:nvPicPr>
+        <p:blipFill>
+          <a:blip r:embed="rId7"/>
+          <a:stretch>
+            <a:fillRect/>
+          </a:stretch>
+        </p:blipFill>
+        <p:spPr>
+          <a:xfrm>
+            <a:off x="2135981" y="4583698"/>
+            <a:ext cx="7920038" cy="2012204"/>
+          </a:xfrm>
+          <a:prstGeom prst="rect">
+            <a:avLst/>
+          </a:prstGeom>
+        </p:spPr>
+      </p:pic>
     </p:spTree>
     <p:extLst>
       <p:ext uri="{BB962C8B-B14F-4D97-AF65-F5344CB8AC3E}">
-        <p14:creationId xmlns:p14="http://schemas.microsoft.com/office/powerpoint/2010/main" val="3816224127"/>
+        <p14:creationId xmlns:p14="http://schemas.microsoft.com/office/powerpoint/2010/main" val="954652905"/>
       </p:ext>
     </p:extLst>
   </p:cSld>
   <p:clrMapOvr>
     <a:masterClrMapping/>
   </p:clrMapOvr>
+  <p:timing>
+    <p:tnLst>
+      <p:par>
+        <p:cTn id="1" dur="indefinite" restart="never" nodeType="tmRoot">
+          <p:childTnLst>
+            <p:seq concurrent="1" nextAc="seek">
+              <p:cTn id="2" dur="indefinite" nodeType="mainSeq">
+                <p:childTnLst>
+                  <p:par>
+                    <p:cTn id="3" fill="hold">
+                      <p:stCondLst>
+                        <p:cond delay="indefinite"/>
+                      </p:stCondLst>
+                      <p:childTnLst>
+                        <p:par>
+                          <p:cTn id="4" fill="hold">
+                            <p:stCondLst>
+                              <p:cond delay="0"/>
+                            </p:stCondLst>
+                            <p:childTnLst>
+                              <p:par>
+                                <p:cTn id="5" presetID="1" presetClass="entr" presetSubtype="0" fill="hold" nodeType="clickEffect">
+                                  <p:stCondLst>
+                                    <p:cond delay="0"/>
+                                  </p:stCondLst>
+                                  <p:childTnLst>
+                                    <p:set>
+                                      <p:cBhvr>
+                                        <p:cTn id="6" dur="1" fill="hold">
+                                          <p:stCondLst>
+                                            <p:cond delay="0"/>
+                                          </p:stCondLst>
+                                        </p:cTn>
+                                        <p:tgtEl>
+                                          <p:spTgt spid="5"/>
+                                        </p:tgtEl>
+                                        <p:attrNameLst>
+                                          <p:attrName>style.visibility</p:attrName>
+                                        </p:attrNameLst>
+                                      </p:cBhvr>
+                                      <p:to>
+                                        <p:strVal val="visible"/>
+                                      </p:to>
+                                    </p:set>
+                                  </p:childTnLst>
+                                </p:cTn>
+                              </p:par>
+                            </p:childTnLst>
+                          </p:cTn>
+                        </p:par>
+                      </p:childTnLst>
+                    </p:cTn>
+                  </p:par>
+                  <p:par>
+                    <p:cTn id="7" fill="hold">
+                      <p:stCondLst>
+                        <p:cond delay="indefinite"/>
+                      </p:stCondLst>
+                      <p:childTnLst>
+                        <p:par>
+                          <p:cTn id="8" fill="hold">
+                            <p:stCondLst>
+                              <p:cond delay="0"/>
+                            </p:stCondLst>
+                            <p:childTnLst>
+                              <p:par>
+                                <p:cTn id="9" presetID="1" presetClass="entr" presetSubtype="0" fill="hold" nodeType="clickEffect">
+                                  <p:stCondLst>
+                                    <p:cond delay="0"/>
+                                  </p:stCondLst>
+                                  <p:childTnLst>
+                                    <p:set>
+                                      <p:cBhvr>
+                                        <p:cTn id="10" dur="1" fill="hold">
+                                          <p:stCondLst>
+                                            <p:cond delay="0"/>
+                                          </p:stCondLst>
+                                        </p:cTn>
+                                        <p:tgtEl>
+                                          <p:spTgt spid="6"/>
+                                        </p:tgtEl>
+                                        <p:attrNameLst>
+                                          <p:attrName>style.visibility</p:attrName>
+                                        </p:attrNameLst>
+                                      </p:cBhvr>
+                                      <p:to>
+                                        <p:strVal val="visible"/>
+                                      </p:to>
+                                    </p:set>
+                                  </p:childTnLst>
+                                </p:cTn>
+                              </p:par>
+                            </p:childTnLst>
+                          </p:cTn>
+                        </p:par>
+                      </p:childTnLst>
+                    </p:cTn>
+                  </p:par>
+                  <p:par>
+                    <p:cTn id="11" fill="hold">
+                      <p:stCondLst>
+                        <p:cond delay="indefinite"/>
+                      </p:stCondLst>
+                      <p:childTnLst>
+                        <p:par>
+                          <p:cTn id="12" fill="hold">
+                            <p:stCondLst>
+                              <p:cond delay="0"/>
+                            </p:stCondLst>
+                            <p:childTnLst>
+                              <p:par>
+                                <p:cTn id="13" presetID="1" presetClass="entr" presetSubtype="0" fill="hold" nodeType="clickEffect">
+                                  <p:stCondLst>
+                                    <p:cond delay="0"/>
+                                  </p:stCondLst>
+                                  <p:childTnLst>
+                                    <p:set>
+                                      <p:cBhvr>
+                                        <p:cTn id="14" dur="1" fill="hold">
+                                          <p:stCondLst>
+                                            <p:cond delay="0"/>
+                                          </p:stCondLst>
+                                        </p:cTn>
+                                        <p:tgtEl>
+                                          <p:spTgt spid="7"/>
+                                        </p:tgtEl>
+                                        <p:attrNameLst>
+                                          <p:attrName>style.visibility</p:attrName>
+                                        </p:attrNameLst>
+                                      </p:cBhvr>
+                                      <p:to>
+                                        <p:strVal val="visible"/>
+                                      </p:to>
+                                    </p:set>
+                                  </p:childTnLst>
+                                </p:cTn>
+                              </p:par>
+                            </p:childTnLst>
+                          </p:cTn>
+                        </p:par>
+                      </p:childTnLst>
+                    </p:cTn>
+                  </p:par>
+                </p:childTnLst>
+              </p:cTn>
+              <p:prevCondLst>
+                <p:cond evt="onPrev" delay="0">
+                  <p:tgtEl>
+                    <p:sldTgt/>
+                  </p:tgtEl>
+                </p:cond>
+              </p:prevCondLst>
+              <p:nextCondLst>
+                <p:cond evt="onNext" delay="0">
+                  <p:tgtEl>
+                    <p:sldTgt/>
+                  </p:tgtEl>
+                </p:cond>
+              </p:nextCondLst>
+            </p:seq>
+          </p:childTnLst>
+        </p:cTn>
+      </p:par>
+    </p:tnLst>
+  </p:timing>
 </p:sld>
 </file>
 
@@ -7386,7 +9470,7 @@
           <p:cNvPr id="2" name="Titre 1">
             <a:extLst>
               <a:ext uri="{FF2B5EF4-FFF2-40B4-BE49-F238E27FC236}">
-                <a16:creationId xmlns:a16="http://schemas.microsoft.com/office/drawing/2014/main" id="{612FA98D-5214-442A-97A7-973984024AE3}"/>
+                <a16:creationId xmlns:a16="http://schemas.microsoft.com/office/drawing/2014/main" id="{465F4E1D-C2D1-48A3-87E1-EAA86D29F741}"/>
               </a:ext>
             </a:extLst>
           </p:cNvPr>
@@ -7394,56 +9478,359 @@
             <a:spLocks noGrp="1"/>
           </p:cNvSpPr>
           <p:nvPr>
-            <p:ph type="title"/>
+            <p:ph type="ctrTitle"/>
           </p:nvPr>
         </p:nvSpPr>
         <p:spPr>
           <a:xfrm>
-            <a:off x="6746628" y="1783959"/>
-            <a:ext cx="4645250" cy="2889114"/>
+            <a:off x="215630" y="258715"/>
+            <a:ext cx="11760740" cy="848900"/>
           </a:xfrm>
         </p:spPr>
         <p:txBody>
-          <a:bodyPr vert="horz" lIns="91440" tIns="45720" rIns="91440" bIns="45720" rtlCol="0" anchor="b">
-            <a:normAutofit/>
+          <a:bodyPr>
+            <a:normAutofit fontScale="90000"/>
           </a:bodyPr>
           <a:lstStyle/>
           <a:p>
             <a:r>
-              <a:rPr lang="en-US" sz="6000" kern="1200" dirty="0" err="1">
-                <a:solidFill>
-                  <a:schemeClr val="bg1"/>
-                </a:solidFill>
-                <a:latin typeface="+mj-lt"/>
-                <a:ea typeface="+mj-ea"/>
-                <a:cs typeface="+mj-cs"/>
-              </a:rPr>
-              <a:t>Partie</a:t>
-            </a:r>
-            <a:r>
-              <a:rPr lang="en-US" sz="6000" kern="1200" dirty="0">
-                <a:solidFill>
-                  <a:schemeClr val="bg1"/>
-                </a:solidFill>
-                <a:latin typeface="+mj-lt"/>
-                <a:ea typeface="+mj-ea"/>
-                <a:cs typeface="+mj-cs"/>
-              </a:rPr>
-              <a:t> X : </a:t>
-            </a:r>
-          </a:p>
-        </p:txBody>
-      </p:sp>
+              <a:rPr lang="fr-FR" dirty="0"/>
+              <a:t>Mise en place du coefficient d’élasticité</a:t>
+            </a:r>
+          </a:p>
+        </p:txBody>
+      </p:sp>
+      <p:pic>
+        <p:nvPicPr>
+          <p:cNvPr id="4" name="Image 3">
+            <a:extLst>
+              <a:ext uri="{FF2B5EF4-FFF2-40B4-BE49-F238E27FC236}">
+                <a16:creationId xmlns:a16="http://schemas.microsoft.com/office/drawing/2014/main" id="{6D19BF79-1D71-48C5-80A2-A1D39A8C2714}"/>
+              </a:ext>
+            </a:extLst>
+          </p:cNvPr>
+          <p:cNvPicPr>
+            <a:picLocks noChangeAspect="1"/>
+          </p:cNvPicPr>
+          <p:nvPr/>
+        </p:nvPicPr>
+        <p:blipFill>
+          <a:blip r:embed="rId3">
+            <a:extLst>
+              <a:ext uri="{28A0092B-C50C-407E-A947-70E740481C1C}">
+                <a14:useLocalDpi xmlns:a14="http://schemas.microsoft.com/office/drawing/2010/main" val="0"/>
+              </a:ext>
+            </a:extLst>
+          </a:blip>
+          <a:stretch>
+            <a:fillRect/>
+          </a:stretch>
+        </p:blipFill>
+        <p:spPr>
+          <a:xfrm>
+            <a:off x="10769600" y="5435600"/>
+            <a:ext cx="1422400" cy="1422400"/>
+          </a:xfrm>
+          <a:prstGeom prst="rect">
+            <a:avLst/>
+          </a:prstGeom>
+        </p:spPr>
+      </p:pic>
+      <p:pic>
+        <p:nvPicPr>
+          <p:cNvPr id="8" name="Image 7">
+            <a:extLst>
+              <a:ext uri="{FF2B5EF4-FFF2-40B4-BE49-F238E27FC236}">
+                <a16:creationId xmlns:a16="http://schemas.microsoft.com/office/drawing/2014/main" id="{30A8E3E8-49A7-4619-9EFD-2F81E688839C}"/>
+              </a:ext>
+            </a:extLst>
+          </p:cNvPr>
+          <p:cNvPicPr>
+            <a:picLocks noChangeAspect="1"/>
+          </p:cNvPicPr>
+          <p:nvPr/>
+        </p:nvPicPr>
+        <p:blipFill>
+          <a:blip r:embed="rId4"/>
+          <a:stretch>
+            <a:fillRect/>
+          </a:stretch>
+        </p:blipFill>
+        <p:spPr>
+          <a:xfrm>
+            <a:off x="3162299" y="1296817"/>
+            <a:ext cx="5867400" cy="742950"/>
+          </a:xfrm>
+          <a:prstGeom prst="rect">
+            <a:avLst/>
+          </a:prstGeom>
+        </p:spPr>
+      </p:pic>
+      <p:pic>
+        <p:nvPicPr>
+          <p:cNvPr id="9" name="Image 8">
+            <a:extLst>
+              <a:ext uri="{FF2B5EF4-FFF2-40B4-BE49-F238E27FC236}">
+                <a16:creationId xmlns:a16="http://schemas.microsoft.com/office/drawing/2014/main" id="{12F42541-CA93-47CD-BB0C-19E0ECD2EFD6}"/>
+              </a:ext>
+            </a:extLst>
+          </p:cNvPr>
+          <p:cNvPicPr>
+            <a:picLocks noChangeAspect="1"/>
+          </p:cNvPicPr>
+          <p:nvPr/>
+        </p:nvPicPr>
+        <p:blipFill>
+          <a:blip r:embed="rId5"/>
+          <a:stretch>
+            <a:fillRect/>
+          </a:stretch>
+        </p:blipFill>
+        <p:spPr>
+          <a:xfrm>
+            <a:off x="4962524" y="2327240"/>
+            <a:ext cx="2266950" cy="2047875"/>
+          </a:xfrm>
+          <a:prstGeom prst="rect">
+            <a:avLst/>
+          </a:prstGeom>
+        </p:spPr>
+      </p:pic>
+      <p:pic>
+        <p:nvPicPr>
+          <p:cNvPr id="10" name="Image 9">
+            <a:extLst>
+              <a:ext uri="{FF2B5EF4-FFF2-40B4-BE49-F238E27FC236}">
+                <a16:creationId xmlns:a16="http://schemas.microsoft.com/office/drawing/2014/main" id="{71781427-2445-4F62-972C-8ED7BE387132}"/>
+              </a:ext>
+            </a:extLst>
+          </p:cNvPr>
+          <p:cNvPicPr>
+            <a:picLocks noChangeAspect="1"/>
+          </p:cNvPicPr>
+          <p:nvPr/>
+        </p:nvPicPr>
+        <p:blipFill>
+          <a:blip r:embed="rId6"/>
+          <a:stretch>
+            <a:fillRect/>
+          </a:stretch>
+        </p:blipFill>
+        <p:spPr>
+          <a:xfrm>
+            <a:off x="2228849" y="4662588"/>
+            <a:ext cx="7734300" cy="361950"/>
+          </a:xfrm>
+          <a:prstGeom prst="rect">
+            <a:avLst/>
+          </a:prstGeom>
+        </p:spPr>
+      </p:pic>
+      <p:pic>
+        <p:nvPicPr>
+          <p:cNvPr id="11" name="Image 10">
+            <a:extLst>
+              <a:ext uri="{FF2B5EF4-FFF2-40B4-BE49-F238E27FC236}">
+                <a16:creationId xmlns:a16="http://schemas.microsoft.com/office/drawing/2014/main" id="{9EE352E8-07FA-44C0-99A7-4E6BCDDE3280}"/>
+              </a:ext>
+            </a:extLst>
+          </p:cNvPr>
+          <p:cNvPicPr>
+            <a:picLocks noChangeAspect="1"/>
+          </p:cNvPicPr>
+          <p:nvPr/>
+        </p:nvPicPr>
+        <p:blipFill>
+          <a:blip r:embed="rId7"/>
+          <a:stretch>
+            <a:fillRect/>
+          </a:stretch>
+        </p:blipFill>
+        <p:spPr>
+          <a:xfrm>
+            <a:off x="1995487" y="5312011"/>
+            <a:ext cx="8201025" cy="962025"/>
+          </a:xfrm>
+          <a:prstGeom prst="rect">
+            <a:avLst/>
+          </a:prstGeom>
+        </p:spPr>
+      </p:pic>
     </p:spTree>
     <p:extLst>
       <p:ext uri="{BB962C8B-B14F-4D97-AF65-F5344CB8AC3E}">
-        <p14:creationId xmlns:p14="http://schemas.microsoft.com/office/powerpoint/2010/main" val="3406329921"/>
+        <p14:creationId xmlns:p14="http://schemas.microsoft.com/office/powerpoint/2010/main" val="2822633115"/>
       </p:ext>
     </p:extLst>
   </p:cSld>
   <p:clrMapOvr>
     <a:masterClrMapping/>
   </p:clrMapOvr>
+  <p:timing>
+    <p:tnLst>
+      <p:par>
+        <p:cTn id="1" dur="indefinite" restart="never" nodeType="tmRoot">
+          <p:childTnLst>
+            <p:seq concurrent="1" nextAc="seek">
+              <p:cTn id="2" dur="indefinite" nodeType="mainSeq">
+                <p:childTnLst>
+                  <p:par>
+                    <p:cTn id="3" fill="hold">
+                      <p:stCondLst>
+                        <p:cond delay="indefinite"/>
+                      </p:stCondLst>
+                      <p:childTnLst>
+                        <p:par>
+                          <p:cTn id="4" fill="hold">
+                            <p:stCondLst>
+                              <p:cond delay="0"/>
+                            </p:stCondLst>
+                            <p:childTnLst>
+                              <p:par>
+                                <p:cTn id="5" presetID="1" presetClass="entr" presetSubtype="0" fill="hold" nodeType="clickEffect">
+                                  <p:stCondLst>
+                                    <p:cond delay="0"/>
+                                  </p:stCondLst>
+                                  <p:childTnLst>
+                                    <p:set>
+                                      <p:cBhvr>
+                                        <p:cTn id="6" dur="1" fill="hold">
+                                          <p:stCondLst>
+                                            <p:cond delay="0"/>
+                                          </p:stCondLst>
+                                        </p:cTn>
+                                        <p:tgtEl>
+                                          <p:spTgt spid="9"/>
+                                        </p:tgtEl>
+                                        <p:attrNameLst>
+                                          <p:attrName>style.visibility</p:attrName>
+                                        </p:attrNameLst>
+                                      </p:cBhvr>
+                                      <p:to>
+                                        <p:strVal val="visible"/>
+                                      </p:to>
+                                    </p:set>
+                                  </p:childTnLst>
+                                </p:cTn>
+                              </p:par>
+                            </p:childTnLst>
+                          </p:cTn>
+                        </p:par>
+                      </p:childTnLst>
+                    </p:cTn>
+                  </p:par>
+                  <p:par>
+                    <p:cTn id="7" fill="hold">
+                      <p:stCondLst>
+                        <p:cond delay="indefinite"/>
+                      </p:stCondLst>
+                      <p:childTnLst>
+                        <p:par>
+                          <p:cTn id="8" fill="hold">
+                            <p:stCondLst>
+                              <p:cond delay="0"/>
+                            </p:stCondLst>
+                            <p:childTnLst>
+                              <p:par>
+                                <p:cTn id="9" presetID="1" presetClass="entr" presetSubtype="0" fill="hold" nodeType="clickEffect">
+                                  <p:stCondLst>
+                                    <p:cond delay="0"/>
+                                  </p:stCondLst>
+                                  <p:childTnLst>
+                                    <p:set>
+                                      <p:cBhvr>
+                                        <p:cTn id="10" dur="1" fill="hold">
+                                          <p:stCondLst>
+                                            <p:cond delay="0"/>
+                                          </p:stCondLst>
+                                        </p:cTn>
+                                        <p:tgtEl>
+                                          <p:spTgt spid="10"/>
+                                        </p:tgtEl>
+                                        <p:attrNameLst>
+                                          <p:attrName>style.visibility</p:attrName>
+                                        </p:attrNameLst>
+                                      </p:cBhvr>
+                                      <p:to>
+                                        <p:strVal val="visible"/>
+                                      </p:to>
+                                    </p:set>
+                                  </p:childTnLst>
+                                </p:cTn>
+                              </p:par>
+                            </p:childTnLst>
+                          </p:cTn>
+                        </p:par>
+                      </p:childTnLst>
+                    </p:cTn>
+                  </p:par>
+                  <p:par>
+                    <p:cTn id="11" fill="hold">
+                      <p:stCondLst>
+                        <p:cond delay="indefinite"/>
+                      </p:stCondLst>
+                      <p:childTnLst>
+                        <p:par>
+                          <p:cTn id="12" fill="hold">
+                            <p:stCondLst>
+                              <p:cond delay="0"/>
+                            </p:stCondLst>
+                            <p:childTnLst>
+                              <p:par>
+                                <p:cTn id="13" presetID="1" presetClass="entr" presetSubtype="0" fill="hold" nodeType="clickEffect">
+                                  <p:stCondLst>
+                                    <p:cond delay="0"/>
+                                  </p:stCondLst>
+                                  <p:childTnLst>
+                                    <p:set>
+                                      <p:cBhvr>
+                                        <p:cTn id="14" dur="1" fill="hold">
+                                          <p:stCondLst>
+                                            <p:cond delay="0"/>
+                                          </p:stCondLst>
+                                        </p:cTn>
+                                        <p:tgtEl>
+                                          <p:spTgt spid="11"/>
+                                        </p:tgtEl>
+                                        <p:attrNameLst>
+                                          <p:attrName>style.visibility</p:attrName>
+                                        </p:attrNameLst>
+                                      </p:cBhvr>
+                                      <p:to>
+                                        <p:strVal val="visible"/>
+                                      </p:to>
+                                    </p:set>
+                                  </p:childTnLst>
+                                </p:cTn>
+                              </p:par>
+                            </p:childTnLst>
+                          </p:cTn>
+                        </p:par>
+                      </p:childTnLst>
+                    </p:cTn>
+                  </p:par>
+                </p:childTnLst>
+              </p:cTn>
+              <p:prevCondLst>
+                <p:cond evt="onPrev" delay="0">
+                  <p:tgtEl>
+                    <p:sldTgt/>
+                  </p:tgtEl>
+                </p:cond>
+              </p:prevCondLst>
+              <p:nextCondLst>
+                <p:cond evt="onNext" delay="0">
+                  <p:tgtEl>
+                    <p:sldTgt/>
+                  </p:tgtEl>
+                </p:cond>
+              </p:nextCondLst>
+            </p:seq>
+          </p:childTnLst>
+        </p:cTn>
+      </p:par>
+    </p:tnLst>
+  </p:timing>
 </p:sld>
 </file>
 
@@ -7494,7 +9881,7 @@
           <a:p>
             <a:r>
               <a:rPr lang="fr-FR" dirty="0"/>
-              <a:t>Question 7 et 8</a:t>
+              <a:t>Question 1 à 3</a:t>
             </a:r>
           </a:p>
         </p:txBody>
@@ -7535,10 +9922,98 @@
           </a:prstGeom>
         </p:spPr>
       </p:pic>
+      <p:pic>
+        <p:nvPicPr>
+          <p:cNvPr id="3" name="Image 2">
+            <a:extLst>
+              <a:ext uri="{FF2B5EF4-FFF2-40B4-BE49-F238E27FC236}">
+                <a16:creationId xmlns:a16="http://schemas.microsoft.com/office/drawing/2014/main" id="{32CE4E9D-9530-428B-85C5-C80F69E7A3B3}"/>
+              </a:ext>
+            </a:extLst>
+          </p:cNvPr>
+          <p:cNvPicPr>
+            <a:picLocks noChangeAspect="1"/>
+          </p:cNvPicPr>
+          <p:nvPr/>
+        </p:nvPicPr>
+        <p:blipFill rotWithShape="1">
+          <a:blip r:embed="rId4"/>
+          <a:srcRect t="30408"/>
+          <a:stretch/>
+        </p:blipFill>
+        <p:spPr>
+          <a:xfrm>
+            <a:off x="4719635" y="2137272"/>
+            <a:ext cx="2752725" cy="768924"/>
+          </a:xfrm>
+          <a:prstGeom prst="rect">
+            <a:avLst/>
+          </a:prstGeom>
+        </p:spPr>
+      </p:pic>
+      <p:pic>
+        <p:nvPicPr>
+          <p:cNvPr id="5" name="Image 4">
+            <a:extLst>
+              <a:ext uri="{FF2B5EF4-FFF2-40B4-BE49-F238E27FC236}">
+                <a16:creationId xmlns:a16="http://schemas.microsoft.com/office/drawing/2014/main" id="{778485B0-2573-4DCD-BC3A-0C9C3301C9E2}"/>
+              </a:ext>
+            </a:extLst>
+          </p:cNvPr>
+          <p:cNvPicPr>
+            <a:picLocks noChangeAspect="1"/>
+          </p:cNvPicPr>
+          <p:nvPr/>
+        </p:nvPicPr>
+        <p:blipFill rotWithShape="1">
+          <a:blip r:embed="rId5"/>
+          <a:srcRect t="44526"/>
+          <a:stretch/>
+        </p:blipFill>
+        <p:spPr>
+          <a:xfrm>
+            <a:off x="3357561" y="3756752"/>
+            <a:ext cx="5476875" cy="311752"/>
+          </a:xfrm>
+          <a:prstGeom prst="rect">
+            <a:avLst/>
+          </a:prstGeom>
+        </p:spPr>
+      </p:pic>
+      <p:pic>
+        <p:nvPicPr>
+          <p:cNvPr id="9" name="Image 8">
+            <a:extLst>
+              <a:ext uri="{FF2B5EF4-FFF2-40B4-BE49-F238E27FC236}">
+                <a16:creationId xmlns:a16="http://schemas.microsoft.com/office/drawing/2014/main" id="{869D7A79-4034-4293-BAC2-704027C7E663}"/>
+              </a:ext>
+            </a:extLst>
+          </p:cNvPr>
+          <p:cNvPicPr>
+            <a:picLocks noChangeAspect="1"/>
+          </p:cNvPicPr>
+          <p:nvPr/>
+        </p:nvPicPr>
+        <p:blipFill>
+          <a:blip r:embed="rId6"/>
+          <a:stretch>
+            <a:fillRect/>
+          </a:stretch>
+        </p:blipFill>
+        <p:spPr>
+          <a:xfrm>
+            <a:off x="2143124" y="4668837"/>
+            <a:ext cx="7905750" cy="1533525"/>
+          </a:xfrm>
+          <a:prstGeom prst="rect">
+            <a:avLst/>
+          </a:prstGeom>
+        </p:spPr>
+      </p:pic>
     </p:spTree>
     <p:extLst>
       <p:ext uri="{BB962C8B-B14F-4D97-AF65-F5344CB8AC3E}">
-        <p14:creationId xmlns:p14="http://schemas.microsoft.com/office/powerpoint/2010/main" val="2616212178"/>
+        <p14:creationId xmlns:p14="http://schemas.microsoft.com/office/powerpoint/2010/main" val="3816224127"/>
       </p:ext>
     </p:extLst>
   </p:cSld>
@@ -7565,47 +10040,12 @@
           <a:chExt cx="0" cy="0"/>
         </a:xfrm>
       </p:grpSpPr>
-      <p:sp>
-        <p:nvSpPr>
-          <p:cNvPr id="2" name="Titre 1">
-            <a:extLst>
-              <a:ext uri="{FF2B5EF4-FFF2-40B4-BE49-F238E27FC236}">
-                <a16:creationId xmlns:a16="http://schemas.microsoft.com/office/drawing/2014/main" id="{465F4E1D-C2D1-48A3-87E1-EAA86D29F741}"/>
-              </a:ext>
-            </a:extLst>
-          </p:cNvPr>
-          <p:cNvSpPr>
-            <a:spLocks noGrp="1"/>
-          </p:cNvSpPr>
-          <p:nvPr>
-            <p:ph type="ctrTitle"/>
-          </p:nvPr>
-        </p:nvSpPr>
-        <p:spPr>
-          <a:xfrm>
-            <a:off x="1391920" y="396240"/>
-            <a:ext cx="9408160" cy="1046481"/>
-          </a:xfrm>
-        </p:spPr>
-        <p:txBody>
-          <a:bodyPr>
-            <a:normAutofit/>
-          </a:bodyPr>
-          <a:lstStyle/>
-          <a:p>
-            <a:r>
-              <a:rPr lang="fr-FR" dirty="0"/>
-              <a:t>Question 9 et 10</a:t>
-            </a:r>
-          </a:p>
-        </p:txBody>
-      </p:sp>
       <p:pic>
         <p:nvPicPr>
-          <p:cNvPr id="4" name="Image 3">
-            <a:extLst>
-              <a:ext uri="{FF2B5EF4-FFF2-40B4-BE49-F238E27FC236}">
-                <a16:creationId xmlns:a16="http://schemas.microsoft.com/office/drawing/2014/main" id="{6D19BF79-1D71-48C5-80A2-A1D39A8C2714}"/>
+          <p:cNvPr id="3" name="Image 2">
+            <a:extLst>
+              <a:ext uri="{FF2B5EF4-FFF2-40B4-BE49-F238E27FC236}">
+                <a16:creationId xmlns:a16="http://schemas.microsoft.com/office/drawing/2014/main" id="{365649E6-1999-4A25-85F7-AF7A69FBE1FF}"/>
               </a:ext>
             </a:extLst>
           </p:cNvPr>
@@ -7615,7 +10055,152 @@
           <p:nvPr/>
         </p:nvPicPr>
         <p:blipFill>
-          <a:blip r:embed="rId3">
+          <a:blip r:embed="rId3"/>
+          <a:stretch>
+            <a:fillRect/>
+          </a:stretch>
+        </p:blipFill>
+        <p:spPr>
+          <a:xfrm>
+            <a:off x="2443158" y="1591313"/>
+            <a:ext cx="7305675" cy="600075"/>
+          </a:xfrm>
+          <a:prstGeom prst="rect">
+            <a:avLst/>
+          </a:prstGeom>
+        </p:spPr>
+      </p:pic>
+      <p:sp>
+        <p:nvSpPr>
+          <p:cNvPr id="6" name="Titre 1">
+            <a:extLst>
+              <a:ext uri="{FF2B5EF4-FFF2-40B4-BE49-F238E27FC236}">
+                <a16:creationId xmlns:a16="http://schemas.microsoft.com/office/drawing/2014/main" id="{B4ED7A10-568C-4FFC-9B47-7683CE09292A}"/>
+              </a:ext>
+            </a:extLst>
+          </p:cNvPr>
+          <p:cNvSpPr txBox="1">
+            <a:spLocks/>
+          </p:cNvSpPr>
+          <p:nvPr/>
+        </p:nvSpPr>
+        <p:spPr>
+          <a:xfrm>
+            <a:off x="1391920" y="396240"/>
+            <a:ext cx="9408160" cy="1046481"/>
+          </a:xfrm>
+          <a:prstGeom prst="rect">
+            <a:avLst/>
+          </a:prstGeom>
+        </p:spPr>
+        <p:txBody>
+          <a:bodyPr vert="horz" lIns="91440" tIns="45720" rIns="91440" bIns="45720" rtlCol="0" anchor="ctr">
+            <a:normAutofit/>
+          </a:bodyPr>
+          <a:lstStyle>
+            <a:lvl1pPr algn="l" defTabSz="914400" rtl="0" eaLnBrk="1" latinLnBrk="0" hangingPunct="1">
+              <a:lnSpc>
+                <a:spcPct val="90000"/>
+              </a:lnSpc>
+              <a:spcBef>
+                <a:spcPct val="0"/>
+              </a:spcBef>
+              <a:buNone/>
+              <a:defRPr sz="4400" kern="1200">
+                <a:solidFill>
+                  <a:schemeClr val="tx1"/>
+                </a:solidFill>
+                <a:latin typeface="+mj-lt"/>
+                <a:ea typeface="+mj-ea"/>
+                <a:cs typeface="+mj-cs"/>
+              </a:defRPr>
+            </a:lvl1pPr>
+          </a:lstStyle>
+          <a:p>
+            <a:pPr algn="ctr"/>
+            <a:r>
+              <a:rPr lang="fr-FR" sz="6000" dirty="0"/>
+              <a:t>Question 4</a:t>
+            </a:r>
+          </a:p>
+        </p:txBody>
+      </p:sp>
+      <p:pic>
+        <p:nvPicPr>
+          <p:cNvPr id="9" name="Image 8">
+            <a:extLst>
+              <a:ext uri="{FF2B5EF4-FFF2-40B4-BE49-F238E27FC236}">
+                <a16:creationId xmlns:a16="http://schemas.microsoft.com/office/drawing/2014/main" id="{C2E0820B-25BE-49E6-B901-A2312B896591}"/>
+              </a:ext>
+            </a:extLst>
+          </p:cNvPr>
+          <p:cNvPicPr>
+            <a:picLocks noChangeAspect="1"/>
+          </p:cNvPicPr>
+          <p:nvPr/>
+        </p:nvPicPr>
+        <p:blipFill>
+          <a:blip r:embed="rId4"/>
+          <a:stretch>
+            <a:fillRect/>
+          </a:stretch>
+        </p:blipFill>
+        <p:spPr>
+          <a:xfrm>
+            <a:off x="1160008" y="2610527"/>
+            <a:ext cx="9871976" cy="1664616"/>
+          </a:xfrm>
+          <a:prstGeom prst="rect">
+            <a:avLst/>
+          </a:prstGeom>
+        </p:spPr>
+      </p:pic>
+      <p:pic>
+        <p:nvPicPr>
+          <p:cNvPr id="10" name="Image 9">
+            <a:extLst>
+              <a:ext uri="{FF2B5EF4-FFF2-40B4-BE49-F238E27FC236}">
+                <a16:creationId xmlns:a16="http://schemas.microsoft.com/office/drawing/2014/main" id="{FB25FBD6-DDA4-48D2-9827-FA5F533AE0D4}"/>
+              </a:ext>
+            </a:extLst>
+          </p:cNvPr>
+          <p:cNvPicPr>
+            <a:picLocks noChangeAspect="1"/>
+          </p:cNvPicPr>
+          <p:nvPr/>
+        </p:nvPicPr>
+        <p:blipFill>
+          <a:blip r:embed="rId5"/>
+          <a:stretch>
+            <a:fillRect/>
+          </a:stretch>
+        </p:blipFill>
+        <p:spPr>
+          <a:xfrm>
+            <a:off x="1966047" y="4694282"/>
+            <a:ext cx="8259898" cy="1767478"/>
+          </a:xfrm>
+          <a:prstGeom prst="rect">
+            <a:avLst/>
+          </a:prstGeom>
+        </p:spPr>
+      </p:pic>
+      <p:pic>
+        <p:nvPicPr>
+          <p:cNvPr id="11" name="Image 10">
+            <a:extLst>
+              <a:ext uri="{FF2B5EF4-FFF2-40B4-BE49-F238E27FC236}">
+                <a16:creationId xmlns:a16="http://schemas.microsoft.com/office/drawing/2014/main" id="{788E4003-B6CF-4D32-B60F-6EA549CB309F}"/>
+              </a:ext>
+            </a:extLst>
+          </p:cNvPr>
+          <p:cNvPicPr>
+            <a:picLocks noChangeAspect="1"/>
+          </p:cNvPicPr>
+          <p:nvPr/>
+        </p:nvPicPr>
+        <p:blipFill>
+          <a:blip r:embed="rId6">
             <a:extLst>
               <a:ext uri="{28A0092B-C50C-407E-A947-70E740481C1C}">
                 <a14:useLocalDpi xmlns:a14="http://schemas.microsoft.com/office/drawing/2010/main" val="0"/>
@@ -7639,27 +10224,139 @@
     </p:spTree>
     <p:extLst>
       <p:ext uri="{BB962C8B-B14F-4D97-AF65-F5344CB8AC3E}">
-        <p14:creationId xmlns:p14="http://schemas.microsoft.com/office/powerpoint/2010/main" val="2333610879"/>
+        <p14:creationId xmlns:p14="http://schemas.microsoft.com/office/powerpoint/2010/main" val="3406329921"/>
       </p:ext>
     </p:extLst>
   </p:cSld>
   <p:clrMapOvr>
     <a:masterClrMapping/>
   </p:clrMapOvr>
+  <p:timing>
+    <p:tnLst>
+      <p:par>
+        <p:cTn id="1" dur="indefinite" restart="never" nodeType="tmRoot">
+          <p:childTnLst>
+            <p:seq concurrent="1" nextAc="seek">
+              <p:cTn id="2" dur="indefinite" nodeType="mainSeq">
+                <p:childTnLst>
+                  <p:par>
+                    <p:cTn id="3" fill="hold">
+                      <p:stCondLst>
+                        <p:cond delay="indefinite"/>
+                      </p:stCondLst>
+                      <p:childTnLst>
+                        <p:par>
+                          <p:cTn id="4" fill="hold">
+                            <p:stCondLst>
+                              <p:cond delay="0"/>
+                            </p:stCondLst>
+                            <p:childTnLst>
+                              <p:par>
+                                <p:cTn id="5" presetID="1" presetClass="entr" presetSubtype="0" fill="hold" nodeType="clickEffect">
+                                  <p:stCondLst>
+                                    <p:cond delay="0"/>
+                                  </p:stCondLst>
+                                  <p:childTnLst>
+                                    <p:set>
+                                      <p:cBhvr>
+                                        <p:cTn id="6" dur="1" fill="hold">
+                                          <p:stCondLst>
+                                            <p:cond delay="0"/>
+                                          </p:stCondLst>
+                                        </p:cTn>
+                                        <p:tgtEl>
+                                          <p:spTgt spid="10"/>
+                                        </p:tgtEl>
+                                        <p:attrNameLst>
+                                          <p:attrName>style.visibility</p:attrName>
+                                        </p:attrNameLst>
+                                      </p:cBhvr>
+                                      <p:to>
+                                        <p:strVal val="visible"/>
+                                      </p:to>
+                                    </p:set>
+                                  </p:childTnLst>
+                                </p:cTn>
+                              </p:par>
+                            </p:childTnLst>
+                          </p:cTn>
+                        </p:par>
+                      </p:childTnLst>
+                    </p:cTn>
+                  </p:par>
+                  <p:par>
+                    <p:cTn id="7" fill="hold">
+                      <p:stCondLst>
+                        <p:cond delay="indefinite"/>
+                      </p:stCondLst>
+                      <p:childTnLst>
+                        <p:par>
+                          <p:cTn id="8" fill="hold">
+                            <p:stCondLst>
+                              <p:cond delay="0"/>
+                            </p:stCondLst>
+                            <p:childTnLst>
+                              <p:par>
+                                <p:cTn id="9" presetID="1" presetClass="entr" presetSubtype="0" fill="hold" nodeType="clickEffect">
+                                  <p:stCondLst>
+                                    <p:cond delay="0"/>
+                                  </p:stCondLst>
+                                  <p:childTnLst>
+                                    <p:set>
+                                      <p:cBhvr>
+                                        <p:cTn id="10" dur="1" fill="hold">
+                                          <p:stCondLst>
+                                            <p:cond delay="0"/>
+                                          </p:stCondLst>
+                                        </p:cTn>
+                                        <p:tgtEl>
+                                          <p:spTgt spid="9"/>
+                                        </p:tgtEl>
+                                        <p:attrNameLst>
+                                          <p:attrName>style.visibility</p:attrName>
+                                        </p:attrNameLst>
+                                      </p:cBhvr>
+                                      <p:to>
+                                        <p:strVal val="visible"/>
+                                      </p:to>
+                                    </p:set>
+                                  </p:childTnLst>
+                                </p:cTn>
+                              </p:par>
+                            </p:childTnLst>
+                          </p:cTn>
+                        </p:par>
+                      </p:childTnLst>
+                    </p:cTn>
+                  </p:par>
+                </p:childTnLst>
+              </p:cTn>
+              <p:prevCondLst>
+                <p:cond evt="onPrev" delay="0">
+                  <p:tgtEl>
+                    <p:sldTgt/>
+                  </p:tgtEl>
+                </p:cond>
+              </p:prevCondLst>
+              <p:nextCondLst>
+                <p:cond evt="onNext" delay="0">
+                  <p:tgtEl>
+                    <p:sldTgt/>
+                  </p:tgtEl>
+                </p:cond>
+              </p:nextCondLst>
+            </p:seq>
+          </p:childTnLst>
+        </p:cTn>
+      </p:par>
+    </p:tnLst>
+  </p:timing>
 </p:sld>
 </file>
 
 <file path=ppt/slides/slide19.xml><?xml version="1.0" encoding="utf-8"?>
 <p:sld xmlns:a="http://schemas.openxmlformats.org/drawingml/2006/main" xmlns:r="http://schemas.openxmlformats.org/officeDocument/2006/relationships" xmlns:p="http://schemas.openxmlformats.org/presentationml/2006/main">
   <p:cSld>
-    <p:bg>
-      <p:bgPr>
-        <a:solidFill>
-          <a:schemeClr val="bg1"/>
-        </a:solidFill>
-        <a:effectLst/>
-      </p:bgPr>
-    </p:bg>
     <p:spTree>
       <p:nvGrpSpPr>
         <p:cNvPr id="1" name=""/>
@@ -7674,452 +10371,12 @@
           <a:chExt cx="0" cy="0"/>
         </a:xfrm>
       </p:grpSpPr>
-      <p:sp>
-        <p:nvSpPr>
-          <p:cNvPr id="12" name="Rectangle 11">
-            <a:extLst>
-              <a:ext uri="{FF2B5EF4-FFF2-40B4-BE49-F238E27FC236}">
-                <a16:creationId xmlns:a16="http://schemas.microsoft.com/office/drawing/2014/main" id="{C0B27210-D0CA-4654-B3E3-9ABB4F178EA1}"/>
-              </a:ext>
-              <a:ext uri="{C183D7F6-B498-43B3-948B-1728B52AA6E4}">
-                <adec:decorative xmlns:adec="http://schemas.microsoft.com/office/drawing/2017/decorative" val="1"/>
-              </a:ext>
-            </a:extLst>
-          </p:cNvPr>
-          <p:cNvSpPr>
-            <a:spLocks noGrp="1" noRot="1" noChangeAspect="1" noMove="1" noResize="1" noEditPoints="1" noAdjustHandles="1" noChangeArrowheads="1" noChangeShapeType="1" noTextEdit="1"/>
-          </p:cNvSpPr>
-          <p:nvPr>
-            <p:extLst>
-              <p:ext uri="{386F3935-93C4-4BCD-93E2-E3B085C9AB24}">
-                <p16:designElem xmlns:p16="http://schemas.microsoft.com/office/powerpoint/2015/main" val="1"/>
-              </p:ext>
-            </p:extLst>
-          </p:nvPr>
-        </p:nvSpPr>
-        <p:spPr>
-          <a:xfrm>
-            <a:off x="0" y="0"/>
-            <a:ext cx="12192000" cy="6858000"/>
-          </a:xfrm>
-          <a:prstGeom prst="rect">
-            <a:avLst/>
-          </a:prstGeom>
-          <a:solidFill>
-            <a:schemeClr val="tx1">
-              <a:lumMod val="75000"/>
-              <a:lumOff val="25000"/>
-            </a:schemeClr>
-          </a:solidFill>
-          <a:ln>
-            <a:noFill/>
-          </a:ln>
-        </p:spPr>
-        <p:style>
-          <a:lnRef idx="2">
-            <a:schemeClr val="accent1">
-              <a:shade val="50000"/>
-            </a:schemeClr>
-          </a:lnRef>
-          <a:fillRef idx="1">
-            <a:schemeClr val="accent1"/>
-          </a:fillRef>
-          <a:effectRef idx="0">
-            <a:schemeClr val="accent1"/>
-          </a:effectRef>
-          <a:fontRef idx="minor">
-            <a:schemeClr val="lt1"/>
-          </a:fontRef>
-        </p:style>
-        <p:txBody>
-          <a:bodyPr rtlCol="0" anchor="ctr"/>
-          <a:lstStyle/>
-          <a:p>
-            <a:pPr algn="ctr"/>
-            <a:endParaRPr lang="en-US"/>
-          </a:p>
-        </p:txBody>
-      </p:sp>
-      <p:sp>
-        <p:nvSpPr>
-          <p:cNvPr id="2" name="Titre 1">
-            <a:extLst>
-              <a:ext uri="{FF2B5EF4-FFF2-40B4-BE49-F238E27FC236}">
-                <a16:creationId xmlns:a16="http://schemas.microsoft.com/office/drawing/2014/main" id="{612FA98D-5214-442A-97A7-973984024AE3}"/>
-              </a:ext>
-            </a:extLst>
-          </p:cNvPr>
-          <p:cNvSpPr>
-            <a:spLocks noGrp="1"/>
-          </p:cNvSpPr>
-          <p:nvPr>
-            <p:ph type="title"/>
-          </p:nvPr>
-        </p:nvSpPr>
-        <p:spPr>
-          <a:xfrm>
-            <a:off x="6746628" y="1783959"/>
-            <a:ext cx="4645250" cy="2889114"/>
-          </a:xfrm>
-        </p:spPr>
-        <p:txBody>
-          <a:bodyPr vert="horz" lIns="91440" tIns="45720" rIns="91440" bIns="45720" rtlCol="0" anchor="b">
-            <a:normAutofit/>
-          </a:bodyPr>
-          <a:lstStyle/>
-          <a:p>
-            <a:r>
-              <a:rPr lang="en-US" sz="6000" kern="1200" dirty="0">
-                <a:solidFill>
-                  <a:schemeClr val="bg1"/>
-                </a:solidFill>
-                <a:latin typeface="+mj-lt"/>
-                <a:ea typeface="+mj-ea"/>
-                <a:cs typeface="+mj-cs"/>
-              </a:rPr>
-              <a:t>Mission 4 : </a:t>
-            </a:r>
-          </a:p>
-        </p:txBody>
-      </p:sp>
-      <p:sp>
-        <p:nvSpPr>
-          <p:cNvPr id="14" name="Freeform: Shape 13">
-            <a:extLst>
-              <a:ext uri="{FF2B5EF4-FFF2-40B4-BE49-F238E27FC236}">
-                <a16:creationId xmlns:a16="http://schemas.microsoft.com/office/drawing/2014/main" id="{1DB7C82F-AB7E-4F0C-B829-FA1B9C415180}"/>
-              </a:ext>
-              <a:ext uri="{C183D7F6-B498-43B3-948B-1728B52AA6E4}">
-                <adec:decorative xmlns:adec="http://schemas.microsoft.com/office/drawing/2017/decorative" val="1"/>
-              </a:ext>
-            </a:extLst>
-          </p:cNvPr>
-          <p:cNvSpPr>
-            <a:spLocks noGrp="1" noRot="1" noChangeAspect="1" noMove="1" noResize="1" noEditPoints="1" noAdjustHandles="1" noChangeArrowheads="1" noChangeShapeType="1" noTextEdit="1"/>
-          </p:cNvSpPr>
-          <p:nvPr>
-            <p:extLst>
-              <p:ext uri="{386F3935-93C4-4BCD-93E2-E3B085C9AB24}">
-                <p16:designElem xmlns:p16="http://schemas.microsoft.com/office/powerpoint/2015/main" val="1"/>
-              </p:ext>
-            </p:extLst>
-          </p:nvPr>
-        </p:nvSpPr>
-        <p:spPr>
-          <a:xfrm flipH="1">
-            <a:off x="0" y="0"/>
-            <a:ext cx="6172782" cy="6858000"/>
-          </a:xfrm>
-          <a:custGeom>
-            <a:avLst/>
-            <a:gdLst>
-              <a:gd name="connsiteX0" fmla="*/ 6172782 w 6172782"/>
-              <a:gd name="connsiteY0" fmla="*/ 0 h 6858000"/>
-              <a:gd name="connsiteX1" fmla="*/ 69075 w 6172782"/>
-              <a:gd name="connsiteY1" fmla="*/ 0 h 6858000"/>
-              <a:gd name="connsiteX2" fmla="*/ 35131 w 6172782"/>
-              <a:gd name="connsiteY2" fmla="*/ 267128 h 6858000"/>
-              <a:gd name="connsiteX3" fmla="*/ 0 w 6172782"/>
-              <a:gd name="connsiteY3" fmla="*/ 962845 h 6858000"/>
-              <a:gd name="connsiteX4" fmla="*/ 3276103 w 6172782"/>
-              <a:gd name="connsiteY4" fmla="*/ 6782205 h 6858000"/>
-              <a:gd name="connsiteX5" fmla="*/ 3407923 w 6172782"/>
-              <a:gd name="connsiteY5" fmla="*/ 6858000 h 6858000"/>
-              <a:gd name="connsiteX6" fmla="*/ 6172782 w 6172782"/>
-              <a:gd name="connsiteY6" fmla="*/ 6858000 h 6858000"/>
-            </a:gdLst>
-            <a:ahLst/>
-            <a:cxnLst>
-              <a:cxn ang="0">
-                <a:pos x="connsiteX0" y="connsiteY0"/>
-              </a:cxn>
-              <a:cxn ang="0">
-                <a:pos x="connsiteX1" y="connsiteY1"/>
-              </a:cxn>
-              <a:cxn ang="0">
-                <a:pos x="connsiteX2" y="connsiteY2"/>
-              </a:cxn>
-              <a:cxn ang="0">
-                <a:pos x="connsiteX3" y="connsiteY3"/>
-              </a:cxn>
-              <a:cxn ang="0">
-                <a:pos x="connsiteX4" y="connsiteY4"/>
-              </a:cxn>
-              <a:cxn ang="0">
-                <a:pos x="connsiteX5" y="connsiteY5"/>
-              </a:cxn>
-              <a:cxn ang="0">
-                <a:pos x="connsiteX6" y="connsiteY6"/>
-              </a:cxn>
-            </a:cxnLst>
-            <a:rect l="l" t="t" r="r" b="b"/>
-            <a:pathLst>
-              <a:path w="6172782" h="6858000">
-                <a:moveTo>
-                  <a:pt x="6172782" y="0"/>
-                </a:moveTo>
-                <a:lnTo>
-                  <a:pt x="69075" y="0"/>
-                </a:lnTo>
-                <a:lnTo>
-                  <a:pt x="35131" y="267128"/>
-                </a:lnTo>
-                <a:cubicBezTo>
-                  <a:pt x="11901" y="495874"/>
-                  <a:pt x="0" y="727970"/>
-                  <a:pt x="0" y="962845"/>
-                </a:cubicBezTo>
-                <a:cubicBezTo>
-                  <a:pt x="0" y="3429034"/>
-                  <a:pt x="1312002" y="5588789"/>
-                  <a:pt x="3276103" y="6782205"/>
-                </a:cubicBezTo>
-                <a:lnTo>
-                  <a:pt x="3407923" y="6858000"/>
-                </a:lnTo>
-                <a:lnTo>
-                  <a:pt x="6172782" y="6858000"/>
-                </a:lnTo>
-                <a:close/>
-              </a:path>
-            </a:pathLst>
-          </a:custGeom>
-          <a:solidFill>
-            <a:schemeClr val="bg1">
-              <a:alpha val="80000"/>
-            </a:schemeClr>
-          </a:solidFill>
-          <a:ln>
-            <a:noFill/>
-          </a:ln>
-        </p:spPr>
-        <p:style>
-          <a:lnRef idx="2">
-            <a:schemeClr val="accent1">
-              <a:shade val="50000"/>
-            </a:schemeClr>
-          </a:lnRef>
-          <a:fillRef idx="1">
-            <a:schemeClr val="accent1"/>
-          </a:fillRef>
-          <a:effectRef idx="0">
-            <a:schemeClr val="accent1"/>
-          </a:effectRef>
-          <a:fontRef idx="minor">
-            <a:schemeClr val="lt1"/>
-          </a:fontRef>
-        </p:style>
-        <p:txBody>
-          <a:bodyPr wrap="square" rtlCol="0" anchor="ctr">
-            <a:noAutofit/>
-          </a:bodyPr>
-          <a:lstStyle/>
-          <a:p>
-            <a:pPr marL="0" marR="0" lvl="0" indent="0" algn="ctr" defTabSz="914400" rtl="0" eaLnBrk="1" fontAlgn="auto" latinLnBrk="0" hangingPunct="1">
-              <a:lnSpc>
-                <a:spcPct val="100000"/>
-              </a:lnSpc>
-              <a:spcBef>
-                <a:spcPts val="0"/>
-              </a:spcBef>
-              <a:spcAft>
-                <a:spcPts val="0"/>
-              </a:spcAft>
-              <a:buClrTx/>
-              <a:buSzTx/>
-              <a:buFontTx/>
-              <a:buNone/>
-              <a:tabLst/>
-              <a:defRPr/>
-            </a:pPr>
-            <a:endParaRPr kumimoji="0" lang="en-US" sz="1800" b="0" i="0" u="none" strike="noStrike" kern="1200" cap="none" spc="0" normalizeH="0" baseline="0" noProof="0">
-              <a:ln>
-                <a:noFill/>
-              </a:ln>
-              <a:solidFill>
-                <a:prstClr val="white"/>
-              </a:solidFill>
-              <a:effectLst/>
-              <a:uLnTx/>
-              <a:uFillTx/>
-              <a:latin typeface="Calibri" panose="020F0502020204030204"/>
-              <a:ea typeface="+mn-ea"/>
-              <a:cs typeface="+mn-cs"/>
-            </a:endParaRPr>
-          </a:p>
-        </p:txBody>
-      </p:sp>
-      <p:sp>
-        <p:nvSpPr>
-          <p:cNvPr id="16" name="Freeform: Shape 15">
-            <a:extLst>
-              <a:ext uri="{FF2B5EF4-FFF2-40B4-BE49-F238E27FC236}">
-                <a16:creationId xmlns:a16="http://schemas.microsoft.com/office/drawing/2014/main" id="{70B66945-4967-4040-926D-DCA44313CDAB}"/>
-              </a:ext>
-              <a:ext uri="{C183D7F6-B498-43B3-948B-1728B52AA6E4}">
-                <adec:decorative xmlns:adec="http://schemas.microsoft.com/office/drawing/2017/decorative" val="1"/>
-              </a:ext>
-            </a:extLst>
-          </p:cNvPr>
-          <p:cNvSpPr>
-            <a:spLocks noGrp="1" noRot="1" noChangeAspect="1" noMove="1" noResize="1" noEditPoints="1" noAdjustHandles="1" noChangeArrowheads="1" noChangeShapeType="1" noTextEdit="1"/>
-          </p:cNvSpPr>
-          <p:nvPr>
-            <p:extLst>
-              <p:ext uri="{386F3935-93C4-4BCD-93E2-E3B085C9AB24}">
-                <p16:designElem xmlns:p16="http://schemas.microsoft.com/office/powerpoint/2015/main" val="1"/>
-              </p:ext>
-            </p:extLst>
-          </p:nvPr>
-        </p:nvSpPr>
-        <p:spPr>
-          <a:xfrm>
-            <a:off x="0" y="0"/>
-            <a:ext cx="6024154" cy="6858000"/>
-          </a:xfrm>
-          <a:custGeom>
-            <a:avLst/>
-            <a:gdLst>
-              <a:gd name="connsiteX0" fmla="*/ 0 w 6024154"/>
-              <a:gd name="connsiteY0" fmla="*/ 0 h 6858000"/>
-              <a:gd name="connsiteX1" fmla="*/ 5953780 w 6024154"/>
-              <a:gd name="connsiteY1" fmla="*/ 0 h 6858000"/>
-              <a:gd name="connsiteX2" fmla="*/ 5989880 w 6024154"/>
-              <a:gd name="connsiteY2" fmla="*/ 284091 h 6858000"/>
-              <a:gd name="connsiteX3" fmla="*/ 6024154 w 6024154"/>
-              <a:gd name="connsiteY3" fmla="*/ 962844 h 6858000"/>
-              <a:gd name="connsiteX4" fmla="*/ 2549934 w 6024154"/>
-              <a:gd name="connsiteY4" fmla="*/ 6800152 h 6858000"/>
-              <a:gd name="connsiteX5" fmla="*/ 2436987 w 6024154"/>
-              <a:gd name="connsiteY5" fmla="*/ 6858000 h 6858000"/>
-              <a:gd name="connsiteX6" fmla="*/ 0 w 6024154"/>
-              <a:gd name="connsiteY6" fmla="*/ 6858000 h 6858000"/>
-            </a:gdLst>
-            <a:ahLst/>
-            <a:cxnLst>
-              <a:cxn ang="0">
-                <a:pos x="connsiteX0" y="connsiteY0"/>
-              </a:cxn>
-              <a:cxn ang="0">
-                <a:pos x="connsiteX1" y="connsiteY1"/>
-              </a:cxn>
-              <a:cxn ang="0">
-                <a:pos x="connsiteX2" y="connsiteY2"/>
-              </a:cxn>
-              <a:cxn ang="0">
-                <a:pos x="connsiteX3" y="connsiteY3"/>
-              </a:cxn>
-              <a:cxn ang="0">
-                <a:pos x="connsiteX4" y="connsiteY4"/>
-              </a:cxn>
-              <a:cxn ang="0">
-                <a:pos x="connsiteX5" y="connsiteY5"/>
-              </a:cxn>
-              <a:cxn ang="0">
-                <a:pos x="connsiteX6" y="connsiteY6"/>
-              </a:cxn>
-            </a:cxnLst>
-            <a:rect l="l" t="t" r="r" b="b"/>
-            <a:pathLst>
-              <a:path w="6024154" h="6858000">
-                <a:moveTo>
-                  <a:pt x="0" y="0"/>
-                </a:moveTo>
-                <a:lnTo>
-                  <a:pt x="5953780" y="0"/>
-                </a:lnTo>
-                <a:lnTo>
-                  <a:pt x="5989880" y="284091"/>
-                </a:lnTo>
-                <a:cubicBezTo>
-                  <a:pt x="6012544" y="507260"/>
-                  <a:pt x="6024154" y="733696"/>
-                  <a:pt x="6024154" y="962844"/>
-                </a:cubicBezTo>
-                <a:cubicBezTo>
-                  <a:pt x="6024154" y="3483472"/>
-                  <a:pt x="4619336" y="5675986"/>
-                  <a:pt x="2549934" y="6800152"/>
-                </a:cubicBezTo>
-                <a:lnTo>
-                  <a:pt x="2436987" y="6858000"/>
-                </a:lnTo>
-                <a:lnTo>
-                  <a:pt x="0" y="6858000"/>
-                </a:lnTo>
-                <a:close/>
-              </a:path>
-            </a:pathLst>
-          </a:custGeom>
-          <a:solidFill>
-            <a:schemeClr val="bg1"/>
-          </a:solidFill>
-          <a:ln>
-            <a:noFill/>
-          </a:ln>
-        </p:spPr>
-        <p:style>
-          <a:lnRef idx="2">
-            <a:schemeClr val="accent1">
-              <a:shade val="50000"/>
-            </a:schemeClr>
-          </a:lnRef>
-          <a:fillRef idx="1">
-            <a:schemeClr val="accent1"/>
-          </a:fillRef>
-          <a:effectRef idx="0">
-            <a:schemeClr val="accent1"/>
-          </a:effectRef>
-          <a:fontRef idx="minor">
-            <a:schemeClr val="lt1"/>
-          </a:fontRef>
-        </p:style>
-        <p:txBody>
-          <a:bodyPr wrap="square" rtlCol="0" anchor="ctr">
-            <a:noAutofit/>
-          </a:bodyPr>
-          <a:lstStyle/>
-          <a:p>
-            <a:pPr marL="0" marR="0" lvl="0" indent="0" algn="ctr" defTabSz="914400" rtl="0" eaLnBrk="1" fontAlgn="auto" latinLnBrk="0" hangingPunct="1">
-              <a:lnSpc>
-                <a:spcPct val="100000"/>
-              </a:lnSpc>
-              <a:spcBef>
-                <a:spcPts val="0"/>
-              </a:spcBef>
-              <a:spcAft>
-                <a:spcPts val="0"/>
-              </a:spcAft>
-              <a:buClrTx/>
-              <a:buSzTx/>
-              <a:buFontTx/>
-              <a:buNone/>
-              <a:tabLst/>
-              <a:defRPr/>
-            </a:pPr>
-            <a:endParaRPr kumimoji="0" lang="en-US" sz="1800" b="0" i="0" u="none" strike="noStrike" kern="1200" cap="none" spc="0" normalizeH="0" baseline="0" noProof="0">
-              <a:ln>
-                <a:noFill/>
-              </a:ln>
-              <a:solidFill>
-                <a:prstClr val="white"/>
-              </a:solidFill>
-              <a:effectLst/>
-              <a:uLnTx/>
-              <a:uFillTx/>
-              <a:latin typeface="Calibri" panose="020F0502020204030204"/>
-              <a:ea typeface="+mn-ea"/>
-              <a:cs typeface="+mn-cs"/>
-            </a:endParaRPr>
-          </a:p>
-        </p:txBody>
-      </p:sp>
       <p:pic>
         <p:nvPicPr>
-          <p:cNvPr id="7" name="Image 6">
-            <a:extLst>
-              <a:ext uri="{FF2B5EF4-FFF2-40B4-BE49-F238E27FC236}">
-                <a16:creationId xmlns:a16="http://schemas.microsoft.com/office/drawing/2014/main" id="{E369A546-1865-48AA-AB18-501F5D1AE863}"/>
+          <p:cNvPr id="5" name="Image 4">
+            <a:extLst>
+              <a:ext uri="{FF2B5EF4-FFF2-40B4-BE49-F238E27FC236}">
+                <a16:creationId xmlns:a16="http://schemas.microsoft.com/office/drawing/2014/main" id="{8A7BBE78-CA23-4B32-AACE-3A82A7A8E7D6}"/>
               </a:ext>
             </a:extLst>
           </p:cNvPr>
@@ -8129,7 +10386,92 @@
           <p:nvPr/>
         </p:nvPicPr>
         <p:blipFill>
-          <a:blip r:embed="rId3">
+          <a:blip r:embed="rId3"/>
+          <a:stretch>
+            <a:fillRect/>
+          </a:stretch>
+        </p:blipFill>
+        <p:spPr>
+          <a:xfrm>
+            <a:off x="264403" y="1851234"/>
+            <a:ext cx="6391275" cy="619125"/>
+          </a:xfrm>
+          <a:prstGeom prst="rect">
+            <a:avLst/>
+          </a:prstGeom>
+        </p:spPr>
+      </p:pic>
+      <p:sp>
+        <p:nvSpPr>
+          <p:cNvPr id="6" name="Titre 1">
+            <a:extLst>
+              <a:ext uri="{FF2B5EF4-FFF2-40B4-BE49-F238E27FC236}">
+                <a16:creationId xmlns:a16="http://schemas.microsoft.com/office/drawing/2014/main" id="{B4ED7A10-568C-4FFC-9B47-7683CE09292A}"/>
+              </a:ext>
+            </a:extLst>
+          </p:cNvPr>
+          <p:cNvSpPr txBox="1">
+            <a:spLocks/>
+          </p:cNvSpPr>
+          <p:nvPr/>
+        </p:nvSpPr>
+        <p:spPr>
+          <a:xfrm>
+            <a:off x="1391920" y="396240"/>
+            <a:ext cx="9408160" cy="1046481"/>
+          </a:xfrm>
+          <a:prstGeom prst="rect">
+            <a:avLst/>
+          </a:prstGeom>
+        </p:spPr>
+        <p:txBody>
+          <a:bodyPr vert="horz" lIns="91440" tIns="45720" rIns="91440" bIns="45720" rtlCol="0" anchor="ctr">
+            <a:normAutofit/>
+          </a:bodyPr>
+          <a:lstStyle>
+            <a:lvl1pPr algn="l" defTabSz="914400" rtl="0" eaLnBrk="1" latinLnBrk="0" hangingPunct="1">
+              <a:lnSpc>
+                <a:spcPct val="90000"/>
+              </a:lnSpc>
+              <a:spcBef>
+                <a:spcPct val="0"/>
+              </a:spcBef>
+              <a:buNone/>
+              <a:defRPr sz="4400" kern="1200">
+                <a:solidFill>
+                  <a:schemeClr val="tx1"/>
+                </a:solidFill>
+                <a:latin typeface="+mj-lt"/>
+                <a:ea typeface="+mj-ea"/>
+                <a:cs typeface="+mj-cs"/>
+              </a:defRPr>
+            </a:lvl1pPr>
+          </a:lstStyle>
+          <a:p>
+            <a:pPr algn="ctr"/>
+            <a:r>
+              <a:rPr lang="fr-FR" sz="6000" dirty="0"/>
+              <a:t>Question 5</a:t>
+            </a:r>
+          </a:p>
+        </p:txBody>
+      </p:sp>
+      <p:pic>
+        <p:nvPicPr>
+          <p:cNvPr id="9" name="Image 8">
+            <a:extLst>
+              <a:ext uri="{FF2B5EF4-FFF2-40B4-BE49-F238E27FC236}">
+                <a16:creationId xmlns:a16="http://schemas.microsoft.com/office/drawing/2014/main" id="{32B8D5C8-D37C-4007-8E3D-56C739477A77}"/>
+              </a:ext>
+            </a:extLst>
+          </p:cNvPr>
+          <p:cNvPicPr>
+            <a:picLocks noChangeAspect="1"/>
+          </p:cNvPicPr>
+          <p:nvPr/>
+        </p:nvPicPr>
+        <p:blipFill>
+          <a:blip r:embed="rId4">
             <a:extLst>
               <a:ext uri="{28A0092B-C50C-407E-A947-70E740481C1C}">
                 <a14:useLocalDpi xmlns:a14="http://schemas.microsoft.com/office/drawing/2010/main" val="0"/>
@@ -8142,18 +10484,117 @@
         </p:blipFill>
         <p:spPr>
           <a:xfrm>
-            <a:off x="419382" y="720993"/>
-            <a:ext cx="4047843" cy="4047843"/>
+            <a:off x="10769600" y="5435600"/>
+            <a:ext cx="1422400" cy="1422400"/>
           </a:xfrm>
           <a:prstGeom prst="rect">
             <a:avLst/>
           </a:prstGeom>
         </p:spPr>
       </p:pic>
+      <p:pic>
+        <p:nvPicPr>
+          <p:cNvPr id="10" name="Image 9">
+            <a:extLst>
+              <a:ext uri="{FF2B5EF4-FFF2-40B4-BE49-F238E27FC236}">
+                <a16:creationId xmlns:a16="http://schemas.microsoft.com/office/drawing/2014/main" id="{BB5E574F-4EF7-4644-863C-5EE8BCC70E40}"/>
+              </a:ext>
+            </a:extLst>
+          </p:cNvPr>
+          <p:cNvPicPr>
+            <a:picLocks noChangeAspect="1"/>
+          </p:cNvPicPr>
+          <p:nvPr/>
+        </p:nvPicPr>
+        <p:blipFill>
+          <a:blip r:embed="rId5"/>
+          <a:stretch>
+            <a:fillRect/>
+          </a:stretch>
+        </p:blipFill>
+        <p:spPr>
+          <a:xfrm>
+            <a:off x="264402" y="2897363"/>
+            <a:ext cx="6391275" cy="2113003"/>
+          </a:xfrm>
+          <a:prstGeom prst="rect">
+            <a:avLst/>
+          </a:prstGeom>
+        </p:spPr>
+      </p:pic>
+      <p:pic>
+        <p:nvPicPr>
+          <p:cNvPr id="11" name="Image 10">
+            <a:extLst>
+              <a:ext uri="{FF2B5EF4-FFF2-40B4-BE49-F238E27FC236}">
+                <a16:creationId xmlns:a16="http://schemas.microsoft.com/office/drawing/2014/main" id="{0F4EE99D-2CB7-4E93-9B54-4123ABC27E6B}"/>
+              </a:ext>
+            </a:extLst>
+          </p:cNvPr>
+          <p:cNvPicPr>
+            <a:picLocks noChangeAspect="1"/>
+          </p:cNvPicPr>
+          <p:nvPr/>
+        </p:nvPicPr>
+        <p:blipFill>
+          <a:blip r:embed="rId6"/>
+          <a:stretch>
+            <a:fillRect/>
+          </a:stretch>
+        </p:blipFill>
+        <p:spPr>
+          <a:xfrm>
+            <a:off x="7070821" y="1847634"/>
+            <a:ext cx="4856775" cy="3162732"/>
+          </a:xfrm>
+          <a:prstGeom prst="rect">
+            <a:avLst/>
+          </a:prstGeom>
+        </p:spPr>
+      </p:pic>
+      <p:sp>
+        <p:nvSpPr>
+          <p:cNvPr id="12" name="ZoneTexte 11">
+            <a:extLst>
+              <a:ext uri="{FF2B5EF4-FFF2-40B4-BE49-F238E27FC236}">
+                <a16:creationId xmlns:a16="http://schemas.microsoft.com/office/drawing/2014/main" id="{459C729E-85EC-4B31-BF95-9AAACFE8CBBF}"/>
+              </a:ext>
+            </a:extLst>
+          </p:cNvPr>
+          <p:cNvSpPr txBox="1"/>
+          <p:nvPr/>
+        </p:nvSpPr>
+        <p:spPr>
+          <a:xfrm>
+            <a:off x="311285" y="0"/>
+            <a:ext cx="505267" cy="923330"/>
+          </a:xfrm>
+          <a:prstGeom prst="rect">
+            <a:avLst/>
+          </a:prstGeom>
+          <a:noFill/>
+        </p:spPr>
+        <p:txBody>
+          <a:bodyPr wrap="none" rtlCol="0">
+            <a:spAutoFit/>
+          </a:bodyPr>
+          <a:lstStyle/>
+          <a:p>
+            <a:r>
+              <a:rPr lang="fr-FR" sz="5400" b="1" dirty="0">
+                <a:solidFill>
+                  <a:srgbClr val="FF0000"/>
+                </a:solidFill>
+              </a:rPr>
+              <a:t>?</a:t>
+            </a:r>
+          </a:p>
+        </p:txBody>
+      </p:sp>
     </p:spTree>
     <p:extLst>
       <p:ext uri="{BB962C8B-B14F-4D97-AF65-F5344CB8AC3E}">
-        <p14:creationId xmlns:p14="http://schemas.microsoft.com/office/powerpoint/2010/main" val="1650108150"/>
+        <p14:creationId xmlns:p14="http://schemas.microsoft.com/office/powerpoint/2010/main" val="3906468482"/>
       </p:ext>
     </p:extLst>
   </p:cSld>
@@ -8850,47 +11291,12 @@
           <a:chExt cx="0" cy="0"/>
         </a:xfrm>
       </p:grpSpPr>
-      <p:sp>
-        <p:nvSpPr>
-          <p:cNvPr id="2" name="Titre 1">
-            <a:extLst>
-              <a:ext uri="{FF2B5EF4-FFF2-40B4-BE49-F238E27FC236}">
-                <a16:creationId xmlns:a16="http://schemas.microsoft.com/office/drawing/2014/main" id="{465F4E1D-C2D1-48A3-87E1-EAA86D29F741}"/>
-              </a:ext>
-            </a:extLst>
-          </p:cNvPr>
-          <p:cNvSpPr>
-            <a:spLocks noGrp="1"/>
-          </p:cNvSpPr>
-          <p:nvPr>
-            <p:ph type="ctrTitle"/>
-          </p:nvPr>
-        </p:nvSpPr>
-        <p:spPr>
-          <a:xfrm>
-            <a:off x="1391920" y="396240"/>
-            <a:ext cx="9408160" cy="1046481"/>
-          </a:xfrm>
-        </p:spPr>
-        <p:txBody>
-          <a:bodyPr>
-            <a:normAutofit/>
-          </a:bodyPr>
-          <a:lstStyle/>
-          <a:p>
-            <a:r>
-              <a:rPr lang="fr-FR" dirty="0"/>
-              <a:t>ANOVA</a:t>
-            </a:r>
-          </a:p>
-        </p:txBody>
-      </p:sp>
       <p:pic>
         <p:nvPicPr>
           <p:cNvPr id="4" name="Image 3">
             <a:extLst>
               <a:ext uri="{FF2B5EF4-FFF2-40B4-BE49-F238E27FC236}">
-                <a16:creationId xmlns:a16="http://schemas.microsoft.com/office/drawing/2014/main" id="{6D19BF79-1D71-48C5-80A2-A1D39A8C2714}"/>
+                <a16:creationId xmlns:a16="http://schemas.microsoft.com/office/drawing/2014/main" id="{068B631A-7D1A-42C0-895A-EB1D6CD039CA}"/>
               </a:ext>
             </a:extLst>
           </p:cNvPr>
@@ -8900,7 +11306,92 @@
           <p:nvPr/>
         </p:nvPicPr>
         <p:blipFill>
-          <a:blip r:embed="rId3">
+          <a:blip r:embed="rId3"/>
+          <a:stretch>
+            <a:fillRect/>
+          </a:stretch>
+        </p:blipFill>
+        <p:spPr>
+          <a:xfrm>
+            <a:off x="981075" y="1980724"/>
+            <a:ext cx="10229850" cy="1276350"/>
+          </a:xfrm>
+          <a:prstGeom prst="rect">
+            <a:avLst/>
+          </a:prstGeom>
+        </p:spPr>
+      </p:pic>
+      <p:sp>
+        <p:nvSpPr>
+          <p:cNvPr id="7" name="Titre 1">
+            <a:extLst>
+              <a:ext uri="{FF2B5EF4-FFF2-40B4-BE49-F238E27FC236}">
+                <a16:creationId xmlns:a16="http://schemas.microsoft.com/office/drawing/2014/main" id="{A29F21AB-62DD-4B80-A91A-F82995CC2304}"/>
+              </a:ext>
+            </a:extLst>
+          </p:cNvPr>
+          <p:cNvSpPr txBox="1">
+            <a:spLocks/>
+          </p:cNvSpPr>
+          <p:nvPr/>
+        </p:nvSpPr>
+        <p:spPr>
+          <a:xfrm>
+            <a:off x="1391920" y="396240"/>
+            <a:ext cx="9408160" cy="1046481"/>
+          </a:xfrm>
+          <a:prstGeom prst="rect">
+            <a:avLst/>
+          </a:prstGeom>
+        </p:spPr>
+        <p:txBody>
+          <a:bodyPr vert="horz" lIns="91440" tIns="45720" rIns="91440" bIns="45720" rtlCol="0" anchor="ctr">
+            <a:normAutofit/>
+          </a:bodyPr>
+          <a:lstStyle>
+            <a:lvl1pPr algn="l" defTabSz="914400" rtl="0" eaLnBrk="1" latinLnBrk="0" hangingPunct="1">
+              <a:lnSpc>
+                <a:spcPct val="90000"/>
+              </a:lnSpc>
+              <a:spcBef>
+                <a:spcPct val="0"/>
+              </a:spcBef>
+              <a:buNone/>
+              <a:defRPr sz="4400" kern="1200">
+                <a:solidFill>
+                  <a:schemeClr val="tx1"/>
+                </a:solidFill>
+                <a:latin typeface="+mj-lt"/>
+                <a:ea typeface="+mj-ea"/>
+                <a:cs typeface="+mj-cs"/>
+              </a:defRPr>
+            </a:lvl1pPr>
+          </a:lstStyle>
+          <a:p>
+            <a:pPr algn="ctr"/>
+            <a:r>
+              <a:rPr lang="fr-FR" sz="6000" dirty="0"/>
+              <a:t>Question 5 (suite)</a:t>
+            </a:r>
+          </a:p>
+        </p:txBody>
+      </p:sp>
+      <p:pic>
+        <p:nvPicPr>
+          <p:cNvPr id="10" name="Image 9">
+            <a:extLst>
+              <a:ext uri="{FF2B5EF4-FFF2-40B4-BE49-F238E27FC236}">
+                <a16:creationId xmlns:a16="http://schemas.microsoft.com/office/drawing/2014/main" id="{83B72494-6C1A-45B9-A917-10C2404E078E}"/>
+              </a:ext>
+            </a:extLst>
+          </p:cNvPr>
+          <p:cNvPicPr>
+            <a:picLocks noChangeAspect="1"/>
+          </p:cNvPicPr>
+          <p:nvPr/>
+        </p:nvPicPr>
+        <p:blipFill>
+          <a:blip r:embed="rId4">
             <a:extLst>
               <a:ext uri="{28A0092B-C50C-407E-A947-70E740481C1C}">
                 <a14:useLocalDpi xmlns:a14="http://schemas.microsoft.com/office/drawing/2010/main" val="0"/>
@@ -8921,16 +11412,196 @@
           </a:prstGeom>
         </p:spPr>
       </p:pic>
+      <p:pic>
+        <p:nvPicPr>
+          <p:cNvPr id="11" name="Image 10">
+            <a:extLst>
+              <a:ext uri="{FF2B5EF4-FFF2-40B4-BE49-F238E27FC236}">
+                <a16:creationId xmlns:a16="http://schemas.microsoft.com/office/drawing/2014/main" id="{C6818354-2E12-40A3-BE37-5BA854436FE8}"/>
+              </a:ext>
+            </a:extLst>
+          </p:cNvPr>
+          <p:cNvPicPr>
+            <a:picLocks noChangeAspect="1"/>
+          </p:cNvPicPr>
+          <p:nvPr/>
+        </p:nvPicPr>
+        <p:blipFill>
+          <a:blip r:embed="rId5"/>
+          <a:stretch>
+            <a:fillRect/>
+          </a:stretch>
+        </p:blipFill>
+        <p:spPr>
+          <a:xfrm>
+            <a:off x="3429000" y="3795078"/>
+            <a:ext cx="5334000" cy="523875"/>
+          </a:xfrm>
+          <a:prstGeom prst="rect">
+            <a:avLst/>
+          </a:prstGeom>
+        </p:spPr>
+      </p:pic>
+      <p:pic>
+        <p:nvPicPr>
+          <p:cNvPr id="12" name="Image 11">
+            <a:extLst>
+              <a:ext uri="{FF2B5EF4-FFF2-40B4-BE49-F238E27FC236}">
+                <a16:creationId xmlns:a16="http://schemas.microsoft.com/office/drawing/2014/main" id="{54690EC1-73BA-4CB8-A1B0-80EAA85DE0CB}"/>
+              </a:ext>
+            </a:extLst>
+          </p:cNvPr>
+          <p:cNvPicPr>
+            <a:picLocks noChangeAspect="1"/>
+          </p:cNvPicPr>
+          <p:nvPr/>
+        </p:nvPicPr>
+        <p:blipFill>
+          <a:blip r:embed="rId6"/>
+          <a:stretch>
+            <a:fillRect/>
+          </a:stretch>
+        </p:blipFill>
+        <p:spPr>
+          <a:xfrm>
+            <a:off x="2914650" y="4856957"/>
+            <a:ext cx="6362700" cy="352425"/>
+          </a:xfrm>
+          <a:prstGeom prst="rect">
+            <a:avLst/>
+          </a:prstGeom>
+        </p:spPr>
+      </p:pic>
     </p:spTree>
     <p:extLst>
       <p:ext uri="{BB962C8B-B14F-4D97-AF65-F5344CB8AC3E}">
-        <p14:creationId xmlns:p14="http://schemas.microsoft.com/office/powerpoint/2010/main" val="2667090142"/>
+        <p14:creationId xmlns:p14="http://schemas.microsoft.com/office/powerpoint/2010/main" val="3402289788"/>
       </p:ext>
     </p:extLst>
   </p:cSld>
   <p:clrMapOvr>
     <a:masterClrMapping/>
   </p:clrMapOvr>
+  <p:timing>
+    <p:tnLst>
+      <p:par>
+        <p:cTn id="1" dur="indefinite" restart="never" nodeType="tmRoot">
+          <p:childTnLst>
+            <p:seq concurrent="1" nextAc="seek">
+              <p:cTn id="2" dur="indefinite" nodeType="mainSeq">
+                <p:childTnLst>
+                  <p:par>
+                    <p:cTn id="3" fill="hold">
+                      <p:stCondLst>
+                        <p:cond delay="indefinite"/>
+                      </p:stCondLst>
+                      <p:childTnLst>
+                        <p:par>
+                          <p:cTn id="4" fill="hold">
+                            <p:stCondLst>
+                              <p:cond delay="0"/>
+                            </p:stCondLst>
+                            <p:childTnLst>
+                              <p:par>
+                                <p:cTn id="5" presetID="1" presetClass="entr" presetSubtype="0" fill="hold" nodeType="clickEffect">
+                                  <p:stCondLst>
+                                    <p:cond delay="0"/>
+                                  </p:stCondLst>
+                                  <p:childTnLst>
+                                    <p:set>
+                                      <p:cBhvr>
+                                        <p:cTn id="6" dur="1" fill="hold">
+                                          <p:stCondLst>
+                                            <p:cond delay="0"/>
+                                          </p:stCondLst>
+                                        </p:cTn>
+                                        <p:tgtEl>
+                                          <p:spTgt spid="11"/>
+                                        </p:tgtEl>
+                                        <p:attrNameLst>
+                                          <p:attrName>style.visibility</p:attrName>
+                                        </p:attrNameLst>
+                                      </p:cBhvr>
+                                      <p:to>
+                                        <p:strVal val="visible"/>
+                                      </p:to>
+                                    </p:set>
+                                  </p:childTnLst>
+                                </p:cTn>
+                              </p:par>
+                            </p:childTnLst>
+                          </p:cTn>
+                        </p:par>
+                      </p:childTnLst>
+                    </p:cTn>
+                  </p:par>
+                  <p:par>
+                    <p:cTn id="7" fill="hold">
+                      <p:stCondLst>
+                        <p:cond delay="indefinite"/>
+                      </p:stCondLst>
+                      <p:childTnLst>
+                        <p:par>
+                          <p:cTn id="8" fill="hold">
+                            <p:stCondLst>
+                              <p:cond delay="0"/>
+                            </p:stCondLst>
+                            <p:childTnLst>
+                              <p:par>
+                                <p:cTn id="9" presetID="1" presetClass="entr" presetSubtype="0" fill="hold" nodeType="clickEffect">
+                                  <p:stCondLst>
+                                    <p:cond delay="0"/>
+                                  </p:stCondLst>
+                                  <p:childTnLst>
+                                    <p:set>
+                                      <p:cBhvr>
+                                        <p:cTn id="10" dur="1" fill="hold">
+                                          <p:stCondLst>
+                                            <p:cond delay="0"/>
+                                          </p:stCondLst>
+                                        </p:cTn>
+                                        <p:tgtEl>
+                                          <p:spTgt spid="12"/>
+                                        </p:tgtEl>
+                                        <p:attrNameLst>
+                                          <p:attrName>style.visibility</p:attrName>
+                                        </p:attrNameLst>
+                                      </p:cBhvr>
+                                      <p:to>
+                                        <p:strVal val="visible"/>
+                                      </p:to>
+                                    </p:set>
+                                  </p:childTnLst>
+                                </p:cTn>
+                              </p:par>
+                            </p:childTnLst>
+                          </p:cTn>
+                        </p:par>
+                      </p:childTnLst>
+                    </p:cTn>
+                  </p:par>
+                </p:childTnLst>
+              </p:cTn>
+              <p:prevCondLst>
+                <p:cond evt="onPrev" delay="0">
+                  <p:tgtEl>
+                    <p:sldTgt/>
+                  </p:tgtEl>
+                </p:cond>
+              </p:prevCondLst>
+              <p:nextCondLst>
+                <p:cond evt="onNext" delay="0">
+                  <p:tgtEl>
+                    <p:sldTgt/>
+                  </p:tgtEl>
+                </p:cond>
+              </p:nextCondLst>
+            </p:seq>
+          </p:childTnLst>
+        </p:cTn>
+      </p:par>
+    </p:tnLst>
+  </p:timing>
 </p:sld>
 </file>
 
@@ -8953,45 +11624,65 @@
       </p:grpSpPr>
       <p:sp>
         <p:nvSpPr>
-          <p:cNvPr id="2" name="Titre 1">
-            <a:extLst>
-              <a:ext uri="{FF2B5EF4-FFF2-40B4-BE49-F238E27FC236}">
-                <a16:creationId xmlns:a16="http://schemas.microsoft.com/office/drawing/2014/main" id="{465F4E1D-C2D1-48A3-87E1-EAA86D29F741}"/>
-              </a:ext>
-            </a:extLst>
-          </p:cNvPr>
-          <p:cNvSpPr>
-            <a:spLocks noGrp="1"/>
-          </p:cNvSpPr>
-          <p:nvPr>
-            <p:ph type="ctrTitle"/>
-          </p:nvPr>
+          <p:cNvPr id="7" name="Titre 1">
+            <a:extLst>
+              <a:ext uri="{FF2B5EF4-FFF2-40B4-BE49-F238E27FC236}">
+                <a16:creationId xmlns:a16="http://schemas.microsoft.com/office/drawing/2014/main" id="{A29F21AB-62DD-4B80-A91A-F82995CC2304}"/>
+              </a:ext>
+            </a:extLst>
+          </p:cNvPr>
+          <p:cNvSpPr txBox="1">
+            <a:spLocks/>
+          </p:cNvSpPr>
+          <p:nvPr/>
         </p:nvSpPr>
         <p:spPr>
           <a:xfrm>
             <a:off x="1391920" y="396240"/>
             <a:ext cx="9408160" cy="1046481"/>
           </a:xfrm>
+          <a:prstGeom prst="rect">
+            <a:avLst/>
+          </a:prstGeom>
         </p:spPr>
         <p:txBody>
-          <a:bodyPr>
+          <a:bodyPr vert="horz" lIns="91440" tIns="45720" rIns="91440" bIns="45720" rtlCol="0" anchor="ctr">
             <a:normAutofit/>
           </a:bodyPr>
-          <a:lstStyle/>
-          <a:p>
-            <a:r>
-              <a:rPr lang="fr-FR" dirty="0"/>
-              <a:t>Régressions linéaires</a:t>
+          <a:lstStyle>
+            <a:lvl1pPr algn="l" defTabSz="914400" rtl="0" eaLnBrk="1" latinLnBrk="0" hangingPunct="1">
+              <a:lnSpc>
+                <a:spcPct val="90000"/>
+              </a:lnSpc>
+              <a:spcBef>
+                <a:spcPct val="0"/>
+              </a:spcBef>
+              <a:buNone/>
+              <a:defRPr sz="4400" kern="1200">
+                <a:solidFill>
+                  <a:schemeClr val="tx1"/>
+                </a:solidFill>
+                <a:latin typeface="+mj-lt"/>
+                <a:ea typeface="+mj-ea"/>
+                <a:cs typeface="+mj-cs"/>
+              </a:defRPr>
+            </a:lvl1pPr>
+          </a:lstStyle>
+          <a:p>
+            <a:pPr algn="ctr"/>
+            <a:r>
+              <a:rPr lang="fr-FR" sz="6000" dirty="0"/>
+              <a:t>Question 6</a:t>
             </a:r>
           </a:p>
         </p:txBody>
       </p:sp>
       <p:pic>
         <p:nvPicPr>
-          <p:cNvPr id="4" name="Image 3">
-            <a:extLst>
-              <a:ext uri="{FF2B5EF4-FFF2-40B4-BE49-F238E27FC236}">
-                <a16:creationId xmlns:a16="http://schemas.microsoft.com/office/drawing/2014/main" id="{6D19BF79-1D71-48C5-80A2-A1D39A8C2714}"/>
+          <p:cNvPr id="10" name="Image 9">
+            <a:extLst>
+              <a:ext uri="{FF2B5EF4-FFF2-40B4-BE49-F238E27FC236}">
+                <a16:creationId xmlns:a16="http://schemas.microsoft.com/office/drawing/2014/main" id="{83B72494-6C1A-45B9-A917-10C2404E078E}"/>
               </a:ext>
             </a:extLst>
           </p:cNvPr>
@@ -9022,10 +11713,150 @@
           </a:prstGeom>
         </p:spPr>
       </p:pic>
+      <p:pic>
+        <p:nvPicPr>
+          <p:cNvPr id="3" name="Image 2">
+            <a:extLst>
+              <a:ext uri="{FF2B5EF4-FFF2-40B4-BE49-F238E27FC236}">
+                <a16:creationId xmlns:a16="http://schemas.microsoft.com/office/drawing/2014/main" id="{1A8BE000-C0DB-4A40-849C-C4919FE6BCDE}"/>
+              </a:ext>
+            </a:extLst>
+          </p:cNvPr>
+          <p:cNvPicPr>
+            <a:picLocks noChangeAspect="1"/>
+          </p:cNvPicPr>
+          <p:nvPr/>
+        </p:nvPicPr>
+        <p:blipFill rotWithShape="1">
+          <a:blip r:embed="rId4">
+            <a:extLst>
+              <a:ext uri="{28A0092B-C50C-407E-A947-70E740481C1C}">
+                <a14:useLocalDpi xmlns:a14="http://schemas.microsoft.com/office/drawing/2010/main" val="0"/>
+              </a:ext>
+            </a:extLst>
+          </a:blip>
+          <a:srcRect l="7662" t="8514" r="9447" b="6988"/>
+          <a:stretch/>
+        </p:blipFill>
+        <p:spPr>
+          <a:xfrm>
+            <a:off x="199367" y="1410713"/>
+            <a:ext cx="5755665" cy="3911473"/>
+          </a:xfrm>
+          <a:prstGeom prst="rect">
+            <a:avLst/>
+          </a:prstGeom>
+        </p:spPr>
+      </p:pic>
+      <p:pic>
+        <p:nvPicPr>
+          <p:cNvPr id="6" name="Image 5">
+            <a:extLst>
+              <a:ext uri="{FF2B5EF4-FFF2-40B4-BE49-F238E27FC236}">
+                <a16:creationId xmlns:a16="http://schemas.microsoft.com/office/drawing/2014/main" id="{95FAE132-AD78-4FF5-BC91-2B02B4C496D8}"/>
+              </a:ext>
+            </a:extLst>
+          </p:cNvPr>
+          <p:cNvPicPr>
+            <a:picLocks noChangeAspect="1"/>
+          </p:cNvPicPr>
+          <p:nvPr/>
+        </p:nvPicPr>
+        <p:blipFill rotWithShape="1">
+          <a:blip r:embed="rId5">
+            <a:extLst>
+              <a:ext uri="{28A0092B-C50C-407E-A947-70E740481C1C}">
+                <a14:useLocalDpi xmlns:a14="http://schemas.microsoft.com/office/drawing/2010/main" val="0"/>
+              </a:ext>
+            </a:extLst>
+          </a:blip>
+          <a:srcRect l="7876" t="8996" r="9661" b="6988"/>
+          <a:stretch/>
+        </p:blipFill>
+        <p:spPr>
+          <a:xfrm>
+            <a:off x="6236968" y="1410712"/>
+            <a:ext cx="5758765" cy="3911473"/>
+          </a:xfrm>
+          <a:prstGeom prst="rect">
+            <a:avLst/>
+          </a:prstGeom>
+        </p:spPr>
+      </p:pic>
+      <p:sp>
+        <p:nvSpPr>
+          <p:cNvPr id="8" name="ZoneTexte 7">
+            <a:extLst>
+              <a:ext uri="{FF2B5EF4-FFF2-40B4-BE49-F238E27FC236}">
+                <a16:creationId xmlns:a16="http://schemas.microsoft.com/office/drawing/2014/main" id="{AA6BCA8F-1981-4BA7-8510-7722C45651F0}"/>
+              </a:ext>
+            </a:extLst>
+          </p:cNvPr>
+          <p:cNvSpPr txBox="1"/>
+          <p:nvPr/>
+        </p:nvSpPr>
+        <p:spPr>
+          <a:xfrm>
+            <a:off x="2322890" y="5748284"/>
+            <a:ext cx="1508618" cy="369332"/>
+          </a:xfrm>
+          <a:prstGeom prst="rect">
+            <a:avLst/>
+          </a:prstGeom>
+          <a:noFill/>
+        </p:spPr>
+        <p:txBody>
+          <a:bodyPr wrap="none" rtlCol="0">
+            <a:spAutoFit/>
+          </a:bodyPr>
+          <a:lstStyle/>
+          <a:p>
+            <a:r>
+              <a:rPr lang="fr-FR" dirty="0"/>
+              <a:t>Forte mobilité</a:t>
+            </a:r>
+          </a:p>
+        </p:txBody>
+      </p:sp>
+      <p:sp>
+        <p:nvSpPr>
+          <p:cNvPr id="12" name="ZoneTexte 11">
+            <a:extLst>
+              <a:ext uri="{FF2B5EF4-FFF2-40B4-BE49-F238E27FC236}">
+                <a16:creationId xmlns:a16="http://schemas.microsoft.com/office/drawing/2014/main" id="{53BE24A7-0A2B-4871-9E75-AD5A393A1FA4}"/>
+              </a:ext>
+            </a:extLst>
+          </p:cNvPr>
+          <p:cNvSpPr txBox="1"/>
+          <p:nvPr/>
+        </p:nvSpPr>
+        <p:spPr>
+          <a:xfrm>
+            <a:off x="8326262" y="5748284"/>
+            <a:ext cx="1580176" cy="369332"/>
+          </a:xfrm>
+          <a:prstGeom prst="rect">
+            <a:avLst/>
+          </a:prstGeom>
+          <a:noFill/>
+        </p:spPr>
+        <p:txBody>
+          <a:bodyPr wrap="none" rtlCol="0">
+            <a:spAutoFit/>
+          </a:bodyPr>
+          <a:lstStyle/>
+          <a:p>
+            <a:r>
+              <a:rPr lang="fr-FR" dirty="0"/>
+              <a:t>Faible Mobilité</a:t>
+            </a:r>
+          </a:p>
+        </p:txBody>
+      </p:sp>
     </p:spTree>
     <p:extLst>
       <p:ext uri="{BB962C8B-B14F-4D97-AF65-F5344CB8AC3E}">
-        <p14:creationId xmlns:p14="http://schemas.microsoft.com/office/powerpoint/2010/main" val="178401512"/>
+        <p14:creationId xmlns:p14="http://schemas.microsoft.com/office/powerpoint/2010/main" val="803540535"/>
       </p:ext>
     </p:extLst>
   </p:cSld>
@@ -9052,6 +11883,41 @@
           <a:chExt cx="0" cy="0"/>
         </a:xfrm>
       </p:grpSpPr>
+      <p:sp>
+        <p:nvSpPr>
+          <p:cNvPr id="2" name="Titre 1">
+            <a:extLst>
+              <a:ext uri="{FF2B5EF4-FFF2-40B4-BE49-F238E27FC236}">
+                <a16:creationId xmlns:a16="http://schemas.microsoft.com/office/drawing/2014/main" id="{465F4E1D-C2D1-48A3-87E1-EAA86D29F741}"/>
+              </a:ext>
+            </a:extLst>
+          </p:cNvPr>
+          <p:cNvSpPr>
+            <a:spLocks noGrp="1"/>
+          </p:cNvSpPr>
+          <p:nvPr>
+            <p:ph type="ctrTitle"/>
+          </p:nvPr>
+        </p:nvSpPr>
+        <p:spPr>
+          <a:xfrm>
+            <a:off x="1391920" y="396240"/>
+            <a:ext cx="9408160" cy="1046481"/>
+          </a:xfrm>
+        </p:spPr>
+        <p:txBody>
+          <a:bodyPr>
+            <a:normAutofit/>
+          </a:bodyPr>
+          <a:lstStyle/>
+          <a:p>
+            <a:r>
+              <a:rPr lang="fr-FR" dirty="0"/>
+              <a:t>Question 7 et 8</a:t>
+            </a:r>
+          </a:p>
+        </p:txBody>
+      </p:sp>
       <p:pic>
         <p:nvPicPr>
           <p:cNvPr id="4" name="Image 3">
@@ -9088,10 +11954,477 @@
           </a:prstGeom>
         </p:spPr>
       </p:pic>
+      <p:pic>
+        <p:nvPicPr>
+          <p:cNvPr id="3" name="Image 2">
+            <a:extLst>
+              <a:ext uri="{FF2B5EF4-FFF2-40B4-BE49-F238E27FC236}">
+                <a16:creationId xmlns:a16="http://schemas.microsoft.com/office/drawing/2014/main" id="{3F9D4975-B2DD-45B9-AB5A-FE103D25F632}"/>
+              </a:ext>
+            </a:extLst>
+          </p:cNvPr>
+          <p:cNvPicPr>
+            <a:picLocks noChangeAspect="1"/>
+          </p:cNvPicPr>
+          <p:nvPr/>
+        </p:nvPicPr>
+        <p:blipFill>
+          <a:blip r:embed="rId4"/>
+          <a:stretch>
+            <a:fillRect/>
+          </a:stretch>
+        </p:blipFill>
+        <p:spPr>
+          <a:xfrm>
+            <a:off x="1166812" y="1447800"/>
+            <a:ext cx="9858375" cy="1981200"/>
+          </a:xfrm>
+          <a:prstGeom prst="rect">
+            <a:avLst/>
+          </a:prstGeom>
+        </p:spPr>
+      </p:pic>
+      <p:pic>
+        <p:nvPicPr>
+          <p:cNvPr id="5" name="Image 4">
+            <a:extLst>
+              <a:ext uri="{FF2B5EF4-FFF2-40B4-BE49-F238E27FC236}">
+                <a16:creationId xmlns:a16="http://schemas.microsoft.com/office/drawing/2014/main" id="{34CD69E3-D4A6-4C65-8F29-C09AB292078B}"/>
+              </a:ext>
+            </a:extLst>
+          </p:cNvPr>
+          <p:cNvPicPr>
+            <a:picLocks noChangeAspect="1"/>
+          </p:cNvPicPr>
+          <p:nvPr/>
+        </p:nvPicPr>
+        <p:blipFill>
+          <a:blip r:embed="rId5"/>
+          <a:stretch>
+            <a:fillRect/>
+          </a:stretch>
+        </p:blipFill>
+        <p:spPr>
+          <a:xfrm>
+            <a:off x="3848099" y="3917950"/>
+            <a:ext cx="4495800" cy="2228850"/>
+          </a:xfrm>
+          <a:prstGeom prst="rect">
+            <a:avLst/>
+          </a:prstGeom>
+        </p:spPr>
+      </p:pic>
     </p:spTree>
     <p:extLst>
       <p:ext uri="{BB962C8B-B14F-4D97-AF65-F5344CB8AC3E}">
-        <p14:creationId xmlns:p14="http://schemas.microsoft.com/office/powerpoint/2010/main" val="1870895099"/>
+        <p14:creationId xmlns:p14="http://schemas.microsoft.com/office/powerpoint/2010/main" val="2616212178"/>
+      </p:ext>
+    </p:extLst>
+  </p:cSld>
+  <p:clrMapOvr>
+    <a:masterClrMapping/>
+  </p:clrMapOvr>
+  <p:timing>
+    <p:tnLst>
+      <p:par>
+        <p:cTn id="1" dur="indefinite" restart="never" nodeType="tmRoot">
+          <p:childTnLst>
+            <p:seq concurrent="1" nextAc="seek">
+              <p:cTn id="2" dur="indefinite" nodeType="mainSeq">
+                <p:childTnLst>
+                  <p:par>
+                    <p:cTn id="3" fill="hold">
+                      <p:stCondLst>
+                        <p:cond delay="indefinite"/>
+                      </p:stCondLst>
+                      <p:childTnLst>
+                        <p:par>
+                          <p:cTn id="4" fill="hold">
+                            <p:stCondLst>
+                              <p:cond delay="0"/>
+                            </p:stCondLst>
+                            <p:childTnLst>
+                              <p:par>
+                                <p:cTn id="5" presetID="1" presetClass="entr" presetSubtype="0" fill="hold" nodeType="clickEffect">
+                                  <p:stCondLst>
+                                    <p:cond delay="0"/>
+                                  </p:stCondLst>
+                                  <p:childTnLst>
+                                    <p:set>
+                                      <p:cBhvr>
+                                        <p:cTn id="6" dur="1" fill="hold">
+                                          <p:stCondLst>
+                                            <p:cond delay="0"/>
+                                          </p:stCondLst>
+                                        </p:cTn>
+                                        <p:tgtEl>
+                                          <p:spTgt spid="5"/>
+                                        </p:tgtEl>
+                                        <p:attrNameLst>
+                                          <p:attrName>style.visibility</p:attrName>
+                                        </p:attrNameLst>
+                                      </p:cBhvr>
+                                      <p:to>
+                                        <p:strVal val="visible"/>
+                                      </p:to>
+                                    </p:set>
+                                  </p:childTnLst>
+                                </p:cTn>
+                              </p:par>
+                            </p:childTnLst>
+                          </p:cTn>
+                        </p:par>
+                      </p:childTnLst>
+                    </p:cTn>
+                  </p:par>
+                </p:childTnLst>
+              </p:cTn>
+              <p:prevCondLst>
+                <p:cond evt="onPrev" delay="0">
+                  <p:tgtEl>
+                    <p:sldTgt/>
+                  </p:tgtEl>
+                </p:cond>
+              </p:prevCondLst>
+              <p:nextCondLst>
+                <p:cond evt="onNext" delay="0">
+                  <p:tgtEl>
+                    <p:sldTgt/>
+                  </p:tgtEl>
+                </p:cond>
+              </p:nextCondLst>
+            </p:seq>
+          </p:childTnLst>
+        </p:cTn>
+      </p:par>
+    </p:tnLst>
+  </p:timing>
+</p:sld>
+</file>
+
+<file path=ppt/slides/slide23.xml><?xml version="1.0" encoding="utf-8"?>
+<p:sld xmlns:a="http://schemas.openxmlformats.org/drawingml/2006/main" xmlns:r="http://schemas.openxmlformats.org/officeDocument/2006/relationships" xmlns:p="http://schemas.openxmlformats.org/presentationml/2006/main">
+  <p:cSld>
+    <p:spTree>
+      <p:nvGrpSpPr>
+        <p:cNvPr id="1" name=""/>
+        <p:cNvGrpSpPr/>
+        <p:nvPr/>
+      </p:nvGrpSpPr>
+      <p:grpSpPr>
+        <a:xfrm>
+          <a:off x="0" y="0"/>
+          <a:ext cx="0" cy="0"/>
+          <a:chOff x="0" y="0"/>
+          <a:chExt cx="0" cy="0"/>
+        </a:xfrm>
+      </p:grpSpPr>
+      <p:sp>
+        <p:nvSpPr>
+          <p:cNvPr id="2" name="Titre 1">
+            <a:extLst>
+              <a:ext uri="{FF2B5EF4-FFF2-40B4-BE49-F238E27FC236}">
+                <a16:creationId xmlns:a16="http://schemas.microsoft.com/office/drawing/2014/main" id="{465F4E1D-C2D1-48A3-87E1-EAA86D29F741}"/>
+              </a:ext>
+            </a:extLst>
+          </p:cNvPr>
+          <p:cNvSpPr>
+            <a:spLocks noGrp="1"/>
+          </p:cNvSpPr>
+          <p:nvPr>
+            <p:ph type="ctrTitle"/>
+          </p:nvPr>
+        </p:nvSpPr>
+        <p:spPr>
+          <a:xfrm>
+            <a:off x="1391920" y="396240"/>
+            <a:ext cx="9408160" cy="1046481"/>
+          </a:xfrm>
+        </p:spPr>
+        <p:txBody>
+          <a:bodyPr>
+            <a:normAutofit/>
+          </a:bodyPr>
+          <a:lstStyle/>
+          <a:p>
+            <a:r>
+              <a:rPr lang="fr-FR" dirty="0"/>
+              <a:t>Question 9 et 10</a:t>
+            </a:r>
+          </a:p>
+        </p:txBody>
+      </p:sp>
+      <p:pic>
+        <p:nvPicPr>
+          <p:cNvPr id="4" name="Image 3">
+            <a:extLst>
+              <a:ext uri="{FF2B5EF4-FFF2-40B4-BE49-F238E27FC236}">
+                <a16:creationId xmlns:a16="http://schemas.microsoft.com/office/drawing/2014/main" id="{6D19BF79-1D71-48C5-80A2-A1D39A8C2714}"/>
+              </a:ext>
+            </a:extLst>
+          </p:cNvPr>
+          <p:cNvPicPr>
+            <a:picLocks noChangeAspect="1"/>
+          </p:cNvPicPr>
+          <p:nvPr/>
+        </p:nvPicPr>
+        <p:blipFill>
+          <a:blip r:embed="rId3">
+            <a:extLst>
+              <a:ext uri="{28A0092B-C50C-407E-A947-70E740481C1C}">
+                <a14:useLocalDpi xmlns:a14="http://schemas.microsoft.com/office/drawing/2010/main" val="0"/>
+              </a:ext>
+            </a:extLst>
+          </a:blip>
+          <a:stretch>
+            <a:fillRect/>
+          </a:stretch>
+        </p:blipFill>
+        <p:spPr>
+          <a:xfrm>
+            <a:off x="10769600" y="5435600"/>
+            <a:ext cx="1422400" cy="1422400"/>
+          </a:xfrm>
+          <a:prstGeom prst="rect">
+            <a:avLst/>
+          </a:prstGeom>
+        </p:spPr>
+      </p:pic>
+      <p:pic>
+        <p:nvPicPr>
+          <p:cNvPr id="3" name="Image 2">
+            <a:extLst>
+              <a:ext uri="{FF2B5EF4-FFF2-40B4-BE49-F238E27FC236}">
+                <a16:creationId xmlns:a16="http://schemas.microsoft.com/office/drawing/2014/main" id="{41BD7F75-FAB1-4F7F-8E13-97ECF4E96973}"/>
+              </a:ext>
+            </a:extLst>
+          </p:cNvPr>
+          <p:cNvPicPr>
+            <a:picLocks noChangeAspect="1"/>
+          </p:cNvPicPr>
+          <p:nvPr/>
+        </p:nvPicPr>
+        <p:blipFill>
+          <a:blip r:embed="rId4"/>
+          <a:stretch>
+            <a:fillRect/>
+          </a:stretch>
+        </p:blipFill>
+        <p:spPr>
+          <a:xfrm>
+            <a:off x="2209800" y="1428750"/>
+            <a:ext cx="7772400" cy="4000500"/>
+          </a:xfrm>
+          <a:prstGeom prst="rect">
+            <a:avLst/>
+          </a:prstGeom>
+        </p:spPr>
+      </p:pic>
+      <p:pic>
+        <p:nvPicPr>
+          <p:cNvPr id="5" name="Image 4">
+            <a:extLst>
+              <a:ext uri="{FF2B5EF4-FFF2-40B4-BE49-F238E27FC236}">
+                <a16:creationId xmlns:a16="http://schemas.microsoft.com/office/drawing/2014/main" id="{1D7154F2-2DB0-4983-93BF-CCA920902B42}"/>
+              </a:ext>
+            </a:extLst>
+          </p:cNvPr>
+          <p:cNvPicPr>
+            <a:picLocks noChangeAspect="1"/>
+          </p:cNvPicPr>
+          <p:nvPr/>
+        </p:nvPicPr>
+        <p:blipFill>
+          <a:blip r:embed="rId5"/>
+          <a:stretch>
+            <a:fillRect/>
+          </a:stretch>
+        </p:blipFill>
+        <p:spPr>
+          <a:xfrm>
+            <a:off x="3343275" y="5784850"/>
+            <a:ext cx="5505450" cy="361950"/>
+          </a:xfrm>
+          <a:prstGeom prst="rect">
+            <a:avLst/>
+          </a:prstGeom>
+        </p:spPr>
+      </p:pic>
+    </p:spTree>
+    <p:extLst>
+      <p:ext uri="{BB962C8B-B14F-4D97-AF65-F5344CB8AC3E}">
+        <p14:creationId xmlns:p14="http://schemas.microsoft.com/office/powerpoint/2010/main" val="2333610879"/>
+      </p:ext>
+    </p:extLst>
+  </p:cSld>
+  <p:clrMapOvr>
+    <a:masterClrMapping/>
+  </p:clrMapOvr>
+  <p:timing>
+    <p:tnLst>
+      <p:par>
+        <p:cTn id="1" dur="indefinite" restart="never" nodeType="tmRoot">
+          <p:childTnLst>
+            <p:seq concurrent="1" nextAc="seek">
+              <p:cTn id="2" dur="indefinite" nodeType="mainSeq">
+                <p:childTnLst>
+                  <p:par>
+                    <p:cTn id="3" fill="hold">
+                      <p:stCondLst>
+                        <p:cond delay="indefinite"/>
+                      </p:stCondLst>
+                      <p:childTnLst>
+                        <p:par>
+                          <p:cTn id="4" fill="hold">
+                            <p:stCondLst>
+                              <p:cond delay="0"/>
+                            </p:stCondLst>
+                            <p:childTnLst>
+                              <p:par>
+                                <p:cTn id="5" presetID="1" presetClass="entr" presetSubtype="0" fill="hold" nodeType="clickEffect">
+                                  <p:stCondLst>
+                                    <p:cond delay="0"/>
+                                  </p:stCondLst>
+                                  <p:childTnLst>
+                                    <p:set>
+                                      <p:cBhvr>
+                                        <p:cTn id="6" dur="1" fill="hold">
+                                          <p:stCondLst>
+                                            <p:cond delay="0"/>
+                                          </p:stCondLst>
+                                        </p:cTn>
+                                        <p:tgtEl>
+                                          <p:spTgt spid="5"/>
+                                        </p:tgtEl>
+                                        <p:attrNameLst>
+                                          <p:attrName>style.visibility</p:attrName>
+                                        </p:attrNameLst>
+                                      </p:cBhvr>
+                                      <p:to>
+                                        <p:strVal val="visible"/>
+                                      </p:to>
+                                    </p:set>
+                                  </p:childTnLst>
+                                </p:cTn>
+                              </p:par>
+                            </p:childTnLst>
+                          </p:cTn>
+                        </p:par>
+                      </p:childTnLst>
+                    </p:cTn>
+                  </p:par>
+                </p:childTnLst>
+              </p:cTn>
+              <p:prevCondLst>
+                <p:cond evt="onPrev" delay="0">
+                  <p:tgtEl>
+                    <p:sldTgt/>
+                  </p:tgtEl>
+                </p:cond>
+              </p:prevCondLst>
+              <p:nextCondLst>
+                <p:cond evt="onNext" delay="0">
+                  <p:tgtEl>
+                    <p:sldTgt/>
+                  </p:tgtEl>
+                </p:cond>
+              </p:nextCondLst>
+            </p:seq>
+          </p:childTnLst>
+        </p:cTn>
+      </p:par>
+    </p:tnLst>
+  </p:timing>
+</p:sld>
+</file>
+
+<file path=ppt/slides/slide24.xml><?xml version="1.0" encoding="utf-8"?>
+<p:sld xmlns:a="http://schemas.openxmlformats.org/drawingml/2006/main" xmlns:r="http://schemas.openxmlformats.org/officeDocument/2006/relationships" xmlns:p="http://schemas.openxmlformats.org/presentationml/2006/main">
+  <p:cSld>
+    <p:spTree>
+      <p:nvGrpSpPr>
+        <p:cNvPr id="1" name=""/>
+        <p:cNvGrpSpPr/>
+        <p:nvPr/>
+      </p:nvGrpSpPr>
+      <p:grpSpPr>
+        <a:xfrm>
+          <a:off x="0" y="0"/>
+          <a:ext cx="0" cy="0"/>
+          <a:chOff x="0" y="0"/>
+          <a:chExt cx="0" cy="0"/>
+        </a:xfrm>
+      </p:grpSpPr>
+      <p:pic>
+        <p:nvPicPr>
+          <p:cNvPr id="4" name="Image 3">
+            <a:extLst>
+              <a:ext uri="{FF2B5EF4-FFF2-40B4-BE49-F238E27FC236}">
+                <a16:creationId xmlns:a16="http://schemas.microsoft.com/office/drawing/2014/main" id="{6D19BF79-1D71-48C5-80A2-A1D39A8C2714}"/>
+              </a:ext>
+            </a:extLst>
+          </p:cNvPr>
+          <p:cNvPicPr>
+            <a:picLocks noChangeAspect="1"/>
+          </p:cNvPicPr>
+          <p:nvPr/>
+        </p:nvPicPr>
+        <p:blipFill>
+          <a:blip r:embed="rId3">
+            <a:extLst>
+              <a:ext uri="{28A0092B-C50C-407E-A947-70E740481C1C}">
+                <a14:useLocalDpi xmlns:a14="http://schemas.microsoft.com/office/drawing/2010/main" val="0"/>
+              </a:ext>
+            </a:extLst>
+          </a:blip>
+          <a:stretch>
+            <a:fillRect/>
+          </a:stretch>
+        </p:blipFill>
+        <p:spPr>
+          <a:xfrm>
+            <a:off x="10769600" y="5435600"/>
+            <a:ext cx="1422400" cy="1422400"/>
+          </a:xfrm>
+          <a:prstGeom prst="rect">
+            <a:avLst/>
+          </a:prstGeom>
+        </p:spPr>
+      </p:pic>
+      <p:pic>
+        <p:nvPicPr>
+          <p:cNvPr id="8" name="Image 7">
+            <a:extLst>
+              <a:ext uri="{FF2B5EF4-FFF2-40B4-BE49-F238E27FC236}">
+                <a16:creationId xmlns:a16="http://schemas.microsoft.com/office/drawing/2014/main" id="{DE10562C-AF65-4C85-AC34-DCAFB42A4D34}"/>
+              </a:ext>
+            </a:extLst>
+          </p:cNvPr>
+          <p:cNvPicPr>
+            <a:picLocks noChangeAspect="1"/>
+          </p:cNvPicPr>
+          <p:nvPr/>
+        </p:nvPicPr>
+        <p:blipFill>
+          <a:blip r:embed="rId4"/>
+          <a:stretch>
+            <a:fillRect/>
+          </a:stretch>
+        </p:blipFill>
+        <p:spPr>
+          <a:xfrm>
+            <a:off x="2053985" y="202762"/>
+            <a:ext cx="8084029" cy="6452475"/>
+          </a:xfrm>
+          <a:prstGeom prst="rect">
+            <a:avLst/>
+          </a:prstGeom>
+        </p:spPr>
+      </p:pic>
+    </p:spTree>
+    <p:extLst>
+      <p:ext uri="{BB962C8B-B14F-4D97-AF65-F5344CB8AC3E}">
+        <p14:creationId xmlns:p14="http://schemas.microsoft.com/office/powerpoint/2010/main" val="3943928819"/>
       </p:ext>
     </p:extLst>
   </p:cSld>
@@ -9101,7 +12434,659 @@
 </p:sld>
 </file>
 
-<file path=ppt/slides/slide3.xml><?xml version="1.0" encoding="utf-8"?>
+<file path=ppt/slides/slide25.xml><?xml version="1.0" encoding="utf-8"?>
+<p:sld xmlns:a="http://schemas.openxmlformats.org/drawingml/2006/main" xmlns:r="http://schemas.openxmlformats.org/officeDocument/2006/relationships" xmlns:p="http://schemas.openxmlformats.org/presentationml/2006/main">
+  <p:cSld>
+    <p:spTree>
+      <p:nvGrpSpPr>
+        <p:cNvPr id="1" name=""/>
+        <p:cNvGrpSpPr/>
+        <p:nvPr/>
+      </p:nvGrpSpPr>
+      <p:grpSpPr>
+        <a:xfrm>
+          <a:off x="0" y="0"/>
+          <a:ext cx="0" cy="0"/>
+          <a:chOff x="0" y="0"/>
+          <a:chExt cx="0" cy="0"/>
+        </a:xfrm>
+      </p:grpSpPr>
+      <p:pic>
+        <p:nvPicPr>
+          <p:cNvPr id="4" name="Image 3">
+            <a:extLst>
+              <a:ext uri="{FF2B5EF4-FFF2-40B4-BE49-F238E27FC236}">
+                <a16:creationId xmlns:a16="http://schemas.microsoft.com/office/drawing/2014/main" id="{6D19BF79-1D71-48C5-80A2-A1D39A8C2714}"/>
+              </a:ext>
+            </a:extLst>
+          </p:cNvPr>
+          <p:cNvPicPr>
+            <a:picLocks noChangeAspect="1"/>
+          </p:cNvPicPr>
+          <p:nvPr/>
+        </p:nvPicPr>
+        <p:blipFill>
+          <a:blip r:embed="rId3">
+            <a:extLst>
+              <a:ext uri="{28A0092B-C50C-407E-A947-70E740481C1C}">
+                <a14:useLocalDpi xmlns:a14="http://schemas.microsoft.com/office/drawing/2010/main" val="0"/>
+              </a:ext>
+            </a:extLst>
+          </a:blip>
+          <a:stretch>
+            <a:fillRect/>
+          </a:stretch>
+        </p:blipFill>
+        <p:spPr>
+          <a:xfrm>
+            <a:off x="10769600" y="5435600"/>
+            <a:ext cx="1422400" cy="1422400"/>
+          </a:xfrm>
+          <a:prstGeom prst="rect">
+            <a:avLst/>
+          </a:prstGeom>
+        </p:spPr>
+      </p:pic>
+      <p:pic>
+        <p:nvPicPr>
+          <p:cNvPr id="5" name="Image 4">
+            <a:extLst>
+              <a:ext uri="{FF2B5EF4-FFF2-40B4-BE49-F238E27FC236}">
+                <a16:creationId xmlns:a16="http://schemas.microsoft.com/office/drawing/2014/main" id="{D27A4149-EB54-45BB-B7E9-B9D32ADAC6A9}"/>
+              </a:ext>
+            </a:extLst>
+          </p:cNvPr>
+          <p:cNvPicPr>
+            <a:picLocks noChangeAspect="1"/>
+          </p:cNvPicPr>
+          <p:nvPr/>
+        </p:nvPicPr>
+        <p:blipFill>
+          <a:blip r:embed="rId4"/>
+          <a:stretch>
+            <a:fillRect/>
+          </a:stretch>
+        </p:blipFill>
+        <p:spPr>
+          <a:xfrm>
+            <a:off x="3133352" y="1120822"/>
+            <a:ext cx="5925296" cy="4616355"/>
+          </a:xfrm>
+          <a:prstGeom prst="rect">
+            <a:avLst/>
+          </a:prstGeom>
+        </p:spPr>
+      </p:pic>
+      <p:sp>
+        <p:nvSpPr>
+          <p:cNvPr id="6" name="Rectangle 5">
+            <a:extLst>
+              <a:ext uri="{FF2B5EF4-FFF2-40B4-BE49-F238E27FC236}">
+                <a16:creationId xmlns:a16="http://schemas.microsoft.com/office/drawing/2014/main" id="{9F181ADF-F15E-41CD-968F-31CC4BEBACD8}"/>
+              </a:ext>
+            </a:extLst>
+          </p:cNvPr>
+          <p:cNvSpPr/>
+          <p:nvPr/>
+        </p:nvSpPr>
+        <p:spPr>
+          <a:xfrm>
+            <a:off x="4197427" y="2743200"/>
+            <a:ext cx="3216925" cy="297455"/>
+          </a:xfrm>
+          <a:prstGeom prst="rect">
+            <a:avLst/>
+          </a:prstGeom>
+          <a:noFill/>
+          <a:ln>
+            <a:solidFill>
+              <a:srgbClr val="FF0000"/>
+            </a:solidFill>
+          </a:ln>
+        </p:spPr>
+        <p:style>
+          <a:lnRef idx="2">
+            <a:schemeClr val="accent1">
+              <a:shade val="50000"/>
+            </a:schemeClr>
+          </a:lnRef>
+          <a:fillRef idx="1">
+            <a:schemeClr val="accent1"/>
+          </a:fillRef>
+          <a:effectRef idx="0">
+            <a:schemeClr val="accent1"/>
+          </a:effectRef>
+          <a:fontRef idx="minor">
+            <a:schemeClr val="lt1"/>
+          </a:fontRef>
+        </p:style>
+        <p:txBody>
+          <a:bodyPr rtlCol="0" anchor="ctr"/>
+          <a:lstStyle/>
+          <a:p>
+            <a:pPr algn="ctr"/>
+            <a:endParaRPr lang="fr-FR"/>
+          </a:p>
+        </p:txBody>
+      </p:sp>
+      <p:sp>
+        <p:nvSpPr>
+          <p:cNvPr id="9" name="Rectangle 8">
+            <a:extLst>
+              <a:ext uri="{FF2B5EF4-FFF2-40B4-BE49-F238E27FC236}">
+                <a16:creationId xmlns:a16="http://schemas.microsoft.com/office/drawing/2014/main" id="{388ADDFA-00A0-4022-975C-3CC4434CB5BE}"/>
+              </a:ext>
+            </a:extLst>
+          </p:cNvPr>
+          <p:cNvSpPr/>
+          <p:nvPr/>
+        </p:nvSpPr>
+        <p:spPr>
+          <a:xfrm>
+            <a:off x="4746435" y="3280271"/>
+            <a:ext cx="2293344" cy="297455"/>
+          </a:xfrm>
+          <a:prstGeom prst="rect">
+            <a:avLst/>
+          </a:prstGeom>
+          <a:noFill/>
+          <a:ln>
+            <a:solidFill>
+              <a:srgbClr val="FF0000"/>
+            </a:solidFill>
+          </a:ln>
+        </p:spPr>
+        <p:style>
+          <a:lnRef idx="2">
+            <a:schemeClr val="accent1">
+              <a:shade val="50000"/>
+            </a:schemeClr>
+          </a:lnRef>
+          <a:fillRef idx="1">
+            <a:schemeClr val="accent1"/>
+          </a:fillRef>
+          <a:effectRef idx="0">
+            <a:schemeClr val="accent1"/>
+          </a:effectRef>
+          <a:fontRef idx="minor">
+            <a:schemeClr val="lt1"/>
+          </a:fontRef>
+        </p:style>
+        <p:txBody>
+          <a:bodyPr rtlCol="0" anchor="ctr"/>
+          <a:lstStyle/>
+          <a:p>
+            <a:pPr algn="ctr"/>
+            <a:endParaRPr lang="fr-FR"/>
+          </a:p>
+        </p:txBody>
+      </p:sp>
+      <p:sp>
+        <p:nvSpPr>
+          <p:cNvPr id="10" name="Rectangle 9">
+            <a:extLst>
+              <a:ext uri="{FF2B5EF4-FFF2-40B4-BE49-F238E27FC236}">
+                <a16:creationId xmlns:a16="http://schemas.microsoft.com/office/drawing/2014/main" id="{BEBF397B-E59E-4180-B878-B7614BE15389}"/>
+              </a:ext>
+            </a:extLst>
+          </p:cNvPr>
+          <p:cNvSpPr/>
+          <p:nvPr/>
+        </p:nvSpPr>
+        <p:spPr>
+          <a:xfrm>
+            <a:off x="3756753" y="2468697"/>
+            <a:ext cx="2181339" cy="274503"/>
+          </a:xfrm>
+          <a:prstGeom prst="rect">
+            <a:avLst/>
+          </a:prstGeom>
+          <a:noFill/>
+          <a:ln>
+            <a:solidFill>
+              <a:srgbClr val="FF0000"/>
+            </a:solidFill>
+          </a:ln>
+        </p:spPr>
+        <p:style>
+          <a:lnRef idx="2">
+            <a:schemeClr val="accent1">
+              <a:shade val="50000"/>
+            </a:schemeClr>
+          </a:lnRef>
+          <a:fillRef idx="1">
+            <a:schemeClr val="accent1"/>
+          </a:fillRef>
+          <a:effectRef idx="0">
+            <a:schemeClr val="accent1"/>
+          </a:effectRef>
+          <a:fontRef idx="minor">
+            <a:schemeClr val="lt1"/>
+          </a:fontRef>
+        </p:style>
+        <p:txBody>
+          <a:bodyPr rtlCol="0" anchor="ctr"/>
+          <a:lstStyle/>
+          <a:p>
+            <a:pPr algn="ctr"/>
+            <a:endParaRPr lang="fr-FR"/>
+          </a:p>
+        </p:txBody>
+      </p:sp>
+    </p:spTree>
+    <p:extLst>
+      <p:ext uri="{BB962C8B-B14F-4D97-AF65-F5344CB8AC3E}">
+        <p14:creationId xmlns:p14="http://schemas.microsoft.com/office/powerpoint/2010/main" val="3506371345"/>
+      </p:ext>
+    </p:extLst>
+  </p:cSld>
+  <p:clrMapOvr>
+    <a:masterClrMapping/>
+  </p:clrMapOvr>
+  <p:timing>
+    <p:tnLst>
+      <p:par>
+        <p:cTn id="1" dur="indefinite" restart="never" nodeType="tmRoot">
+          <p:childTnLst>
+            <p:seq concurrent="1" nextAc="seek">
+              <p:cTn id="2" dur="indefinite" nodeType="mainSeq">
+                <p:childTnLst>
+                  <p:par>
+                    <p:cTn id="3" fill="hold">
+                      <p:stCondLst>
+                        <p:cond delay="indefinite"/>
+                      </p:stCondLst>
+                      <p:childTnLst>
+                        <p:par>
+                          <p:cTn id="4" fill="hold">
+                            <p:stCondLst>
+                              <p:cond delay="0"/>
+                            </p:stCondLst>
+                            <p:childTnLst>
+                              <p:par>
+                                <p:cTn id="5" presetID="1" presetClass="entr" presetSubtype="0" fill="hold" grpId="0" nodeType="clickEffect">
+                                  <p:stCondLst>
+                                    <p:cond delay="0"/>
+                                  </p:stCondLst>
+                                  <p:childTnLst>
+                                    <p:set>
+                                      <p:cBhvr>
+                                        <p:cTn id="6" dur="1" fill="hold">
+                                          <p:stCondLst>
+                                            <p:cond delay="0"/>
+                                          </p:stCondLst>
+                                        </p:cTn>
+                                        <p:tgtEl>
+                                          <p:spTgt spid="9"/>
+                                        </p:tgtEl>
+                                        <p:attrNameLst>
+                                          <p:attrName>style.visibility</p:attrName>
+                                        </p:attrNameLst>
+                                      </p:cBhvr>
+                                      <p:to>
+                                        <p:strVal val="visible"/>
+                                      </p:to>
+                                    </p:set>
+                                  </p:childTnLst>
+                                </p:cTn>
+                              </p:par>
+                              <p:par>
+                                <p:cTn id="7" presetID="1" presetClass="entr" presetSubtype="0" fill="hold" grpId="0" nodeType="withEffect">
+                                  <p:stCondLst>
+                                    <p:cond delay="0"/>
+                                  </p:stCondLst>
+                                  <p:childTnLst>
+                                    <p:set>
+                                      <p:cBhvr>
+                                        <p:cTn id="8" dur="1" fill="hold">
+                                          <p:stCondLst>
+                                            <p:cond delay="0"/>
+                                          </p:stCondLst>
+                                        </p:cTn>
+                                        <p:tgtEl>
+                                          <p:spTgt spid="6"/>
+                                        </p:tgtEl>
+                                        <p:attrNameLst>
+                                          <p:attrName>style.visibility</p:attrName>
+                                        </p:attrNameLst>
+                                      </p:cBhvr>
+                                      <p:to>
+                                        <p:strVal val="visible"/>
+                                      </p:to>
+                                    </p:set>
+                                  </p:childTnLst>
+                                </p:cTn>
+                              </p:par>
+                            </p:childTnLst>
+                          </p:cTn>
+                        </p:par>
+                      </p:childTnLst>
+                    </p:cTn>
+                  </p:par>
+                  <p:par>
+                    <p:cTn id="9" fill="hold">
+                      <p:stCondLst>
+                        <p:cond delay="indefinite"/>
+                      </p:stCondLst>
+                      <p:childTnLst>
+                        <p:par>
+                          <p:cTn id="10" fill="hold">
+                            <p:stCondLst>
+                              <p:cond delay="0"/>
+                            </p:stCondLst>
+                            <p:childTnLst>
+                              <p:par>
+                                <p:cTn id="11" presetID="1" presetClass="exit" presetSubtype="0" fill="hold" grpId="1" nodeType="clickEffect">
+                                  <p:stCondLst>
+                                    <p:cond delay="0"/>
+                                  </p:stCondLst>
+                                  <p:childTnLst>
+                                    <p:set>
+                                      <p:cBhvr>
+                                        <p:cTn id="12" dur="1" fill="hold">
+                                          <p:stCondLst>
+                                            <p:cond delay="0"/>
+                                          </p:stCondLst>
+                                        </p:cTn>
+                                        <p:tgtEl>
+                                          <p:spTgt spid="9"/>
+                                        </p:tgtEl>
+                                        <p:attrNameLst>
+                                          <p:attrName>style.visibility</p:attrName>
+                                        </p:attrNameLst>
+                                      </p:cBhvr>
+                                      <p:to>
+                                        <p:strVal val="hidden"/>
+                                      </p:to>
+                                    </p:set>
+                                  </p:childTnLst>
+                                </p:cTn>
+                              </p:par>
+                              <p:par>
+                                <p:cTn id="13" presetID="1" presetClass="exit" presetSubtype="0" fill="hold" grpId="1" nodeType="withEffect">
+                                  <p:stCondLst>
+                                    <p:cond delay="0"/>
+                                  </p:stCondLst>
+                                  <p:childTnLst>
+                                    <p:set>
+                                      <p:cBhvr>
+                                        <p:cTn id="14" dur="1" fill="hold">
+                                          <p:stCondLst>
+                                            <p:cond delay="0"/>
+                                          </p:stCondLst>
+                                        </p:cTn>
+                                        <p:tgtEl>
+                                          <p:spTgt spid="6"/>
+                                        </p:tgtEl>
+                                        <p:attrNameLst>
+                                          <p:attrName>style.visibility</p:attrName>
+                                        </p:attrNameLst>
+                                      </p:cBhvr>
+                                      <p:to>
+                                        <p:strVal val="hidden"/>
+                                      </p:to>
+                                    </p:set>
+                                  </p:childTnLst>
+                                </p:cTn>
+                              </p:par>
+                              <p:par>
+                                <p:cTn id="15" presetID="1" presetClass="entr" presetSubtype="0" fill="hold" grpId="0" nodeType="withEffect">
+                                  <p:stCondLst>
+                                    <p:cond delay="0"/>
+                                  </p:stCondLst>
+                                  <p:childTnLst>
+                                    <p:set>
+                                      <p:cBhvr>
+                                        <p:cTn id="16" dur="1" fill="hold">
+                                          <p:stCondLst>
+                                            <p:cond delay="0"/>
+                                          </p:stCondLst>
+                                        </p:cTn>
+                                        <p:tgtEl>
+                                          <p:spTgt spid="10"/>
+                                        </p:tgtEl>
+                                        <p:attrNameLst>
+                                          <p:attrName>style.visibility</p:attrName>
+                                        </p:attrNameLst>
+                                      </p:cBhvr>
+                                      <p:to>
+                                        <p:strVal val="visible"/>
+                                      </p:to>
+                                    </p:set>
+                                  </p:childTnLst>
+                                </p:cTn>
+                              </p:par>
+                            </p:childTnLst>
+                          </p:cTn>
+                        </p:par>
+                      </p:childTnLst>
+                    </p:cTn>
+                  </p:par>
+                </p:childTnLst>
+              </p:cTn>
+              <p:prevCondLst>
+                <p:cond evt="onPrev" delay="0">
+                  <p:tgtEl>
+                    <p:sldTgt/>
+                  </p:tgtEl>
+                </p:cond>
+              </p:prevCondLst>
+              <p:nextCondLst>
+                <p:cond evt="onNext" delay="0">
+                  <p:tgtEl>
+                    <p:sldTgt/>
+                  </p:tgtEl>
+                </p:cond>
+              </p:nextCondLst>
+            </p:seq>
+          </p:childTnLst>
+        </p:cTn>
+      </p:par>
+    </p:tnLst>
+    <p:bldLst>
+      <p:bldP spid="6" grpId="0" animBg="1"/>
+      <p:bldP spid="6" grpId="1" animBg="1"/>
+      <p:bldP spid="9" grpId="0" animBg="1"/>
+      <p:bldP spid="9" grpId="1" animBg="1"/>
+      <p:bldP spid="10" grpId="0" animBg="1"/>
+    </p:bldLst>
+  </p:timing>
+</p:sld>
+</file>
+
+<file path=ppt/slides/slide26.xml><?xml version="1.0" encoding="utf-8"?>
+<p:sld xmlns:a="http://schemas.openxmlformats.org/drawingml/2006/main" xmlns:r="http://schemas.openxmlformats.org/officeDocument/2006/relationships" xmlns:p="http://schemas.openxmlformats.org/presentationml/2006/main">
+  <p:cSld>
+    <p:spTree>
+      <p:nvGrpSpPr>
+        <p:cNvPr id="1" name=""/>
+        <p:cNvGrpSpPr/>
+        <p:nvPr/>
+      </p:nvGrpSpPr>
+      <p:grpSpPr>
+        <a:xfrm>
+          <a:off x="0" y="0"/>
+          <a:ext cx="0" cy="0"/>
+          <a:chOff x="0" y="0"/>
+          <a:chExt cx="0" cy="0"/>
+        </a:xfrm>
+      </p:grpSpPr>
+      <p:pic>
+        <p:nvPicPr>
+          <p:cNvPr id="4" name="Image 3">
+            <a:extLst>
+              <a:ext uri="{FF2B5EF4-FFF2-40B4-BE49-F238E27FC236}">
+                <a16:creationId xmlns:a16="http://schemas.microsoft.com/office/drawing/2014/main" id="{6D19BF79-1D71-48C5-80A2-A1D39A8C2714}"/>
+              </a:ext>
+            </a:extLst>
+          </p:cNvPr>
+          <p:cNvPicPr>
+            <a:picLocks noChangeAspect="1"/>
+          </p:cNvPicPr>
+          <p:nvPr/>
+        </p:nvPicPr>
+        <p:blipFill>
+          <a:blip r:embed="rId3">
+            <a:extLst>
+              <a:ext uri="{28A0092B-C50C-407E-A947-70E740481C1C}">
+                <a14:useLocalDpi xmlns:a14="http://schemas.microsoft.com/office/drawing/2010/main" val="0"/>
+              </a:ext>
+            </a:extLst>
+          </a:blip>
+          <a:stretch>
+            <a:fillRect/>
+          </a:stretch>
+        </p:blipFill>
+        <p:spPr>
+          <a:xfrm>
+            <a:off x="10769600" y="5435600"/>
+            <a:ext cx="1422400" cy="1422400"/>
+          </a:xfrm>
+          <a:prstGeom prst="rect">
+            <a:avLst/>
+          </a:prstGeom>
+        </p:spPr>
+      </p:pic>
+      <p:pic>
+        <p:nvPicPr>
+          <p:cNvPr id="2" name="Image 1">
+            <a:extLst>
+              <a:ext uri="{FF2B5EF4-FFF2-40B4-BE49-F238E27FC236}">
+                <a16:creationId xmlns:a16="http://schemas.microsoft.com/office/drawing/2014/main" id="{B69529E3-4BE3-443B-B556-B513EC748C03}"/>
+              </a:ext>
+            </a:extLst>
+          </p:cNvPr>
+          <p:cNvPicPr>
+            <a:picLocks noChangeAspect="1"/>
+          </p:cNvPicPr>
+          <p:nvPr/>
+        </p:nvPicPr>
+        <p:blipFill>
+          <a:blip r:embed="rId4"/>
+          <a:stretch>
+            <a:fillRect/>
+          </a:stretch>
+        </p:blipFill>
+        <p:spPr>
+          <a:xfrm>
+            <a:off x="3196211" y="835007"/>
+            <a:ext cx="5799577" cy="5187985"/>
+          </a:xfrm>
+          <a:prstGeom prst="rect">
+            <a:avLst/>
+          </a:prstGeom>
+        </p:spPr>
+      </p:pic>
+    </p:spTree>
+    <p:extLst>
+      <p:ext uri="{BB962C8B-B14F-4D97-AF65-F5344CB8AC3E}">
+        <p14:creationId xmlns:p14="http://schemas.microsoft.com/office/powerpoint/2010/main" val="1854553309"/>
+      </p:ext>
+    </p:extLst>
+  </p:cSld>
+  <p:clrMapOvr>
+    <a:masterClrMapping/>
+  </p:clrMapOvr>
+</p:sld>
+</file>
+
+<file path=ppt/slides/slide27.xml><?xml version="1.0" encoding="utf-8"?>
+<p:sld xmlns:a="http://schemas.openxmlformats.org/drawingml/2006/main" xmlns:r="http://schemas.openxmlformats.org/officeDocument/2006/relationships" xmlns:p="http://schemas.openxmlformats.org/presentationml/2006/main">
+  <p:cSld>
+    <p:spTree>
+      <p:nvGrpSpPr>
+        <p:cNvPr id="1" name=""/>
+        <p:cNvGrpSpPr/>
+        <p:nvPr/>
+      </p:nvGrpSpPr>
+      <p:grpSpPr>
+        <a:xfrm>
+          <a:off x="0" y="0"/>
+          <a:ext cx="0" cy="0"/>
+          <a:chOff x="0" y="0"/>
+          <a:chExt cx="0" cy="0"/>
+        </a:xfrm>
+      </p:grpSpPr>
+      <p:pic>
+        <p:nvPicPr>
+          <p:cNvPr id="4" name="Image 3">
+            <a:extLst>
+              <a:ext uri="{FF2B5EF4-FFF2-40B4-BE49-F238E27FC236}">
+                <a16:creationId xmlns:a16="http://schemas.microsoft.com/office/drawing/2014/main" id="{6D19BF79-1D71-48C5-80A2-A1D39A8C2714}"/>
+              </a:ext>
+            </a:extLst>
+          </p:cNvPr>
+          <p:cNvPicPr>
+            <a:picLocks noChangeAspect="1"/>
+          </p:cNvPicPr>
+          <p:nvPr/>
+        </p:nvPicPr>
+        <p:blipFill>
+          <a:blip r:embed="rId3">
+            <a:extLst>
+              <a:ext uri="{28A0092B-C50C-407E-A947-70E740481C1C}">
+                <a14:useLocalDpi xmlns:a14="http://schemas.microsoft.com/office/drawing/2010/main" val="0"/>
+              </a:ext>
+            </a:extLst>
+          </a:blip>
+          <a:stretch>
+            <a:fillRect/>
+          </a:stretch>
+        </p:blipFill>
+        <p:spPr>
+          <a:xfrm>
+            <a:off x="10769600" y="5435600"/>
+            <a:ext cx="1422400" cy="1422400"/>
+          </a:xfrm>
+          <a:prstGeom prst="rect">
+            <a:avLst/>
+          </a:prstGeom>
+        </p:spPr>
+      </p:pic>
+      <p:pic>
+        <p:nvPicPr>
+          <p:cNvPr id="3" name="Image 2">
+            <a:extLst>
+              <a:ext uri="{FF2B5EF4-FFF2-40B4-BE49-F238E27FC236}">
+                <a16:creationId xmlns:a16="http://schemas.microsoft.com/office/drawing/2014/main" id="{AE050CBF-3BBC-4785-B404-75D193240DC7}"/>
+              </a:ext>
+            </a:extLst>
+          </p:cNvPr>
+          <p:cNvPicPr>
+            <a:picLocks noChangeAspect="1"/>
+          </p:cNvPicPr>
+          <p:nvPr/>
+        </p:nvPicPr>
+        <p:blipFill>
+          <a:blip r:embed="rId4"/>
+          <a:stretch>
+            <a:fillRect/>
+          </a:stretch>
+        </p:blipFill>
+        <p:spPr>
+          <a:xfrm>
+            <a:off x="2053985" y="202762"/>
+            <a:ext cx="8084029" cy="6452475"/>
+          </a:xfrm>
+          <a:prstGeom prst="rect">
+            <a:avLst/>
+          </a:prstGeom>
+        </p:spPr>
+      </p:pic>
+    </p:spTree>
+    <p:extLst>
+      <p:ext uri="{BB962C8B-B14F-4D97-AF65-F5344CB8AC3E}">
+        <p14:creationId xmlns:p14="http://schemas.microsoft.com/office/powerpoint/2010/main" val="933580694"/>
+      </p:ext>
+    </p:extLst>
+  </p:cSld>
+  <p:clrMapOvr>
+    <a:masterClrMapping/>
+  </p:clrMapOvr>
+</p:sld>
+</file>
+
+<file path=ppt/slides/slide28.xml><?xml version="1.0" encoding="utf-8"?>
 <p:sld xmlns:a="http://schemas.openxmlformats.org/drawingml/2006/main" xmlns:r="http://schemas.openxmlformats.org/officeDocument/2006/relationships" xmlns:p="http://schemas.openxmlformats.org/presentationml/2006/main">
   <p:cSld>
     <p:bg>
@@ -9128,7 +13113,7 @@
       </p:grpSpPr>
       <p:sp>
         <p:nvSpPr>
-          <p:cNvPr id="15" name="Rectangle 11">
+          <p:cNvPr id="12" name="Rectangle 11">
             <a:extLst>
               <a:ext uri="{FF2B5EF4-FFF2-40B4-BE49-F238E27FC236}">
                 <a16:creationId xmlns:a16="http://schemas.microsoft.com/office/drawing/2014/main" id="{C0B27210-D0CA-4654-B3E3-9ABB4F178EA1}"/>
@@ -9221,14 +13206,6 @@
           <a:lstStyle/>
           <a:p>
             <a:r>
-              <a:rPr lang="en-US" sz="6000" dirty="0">
-                <a:solidFill>
-                  <a:schemeClr val="bg1"/>
-                </a:solidFill>
-              </a:rPr>
-              <a:t>Mission 1</a:t>
-            </a:r>
-            <a:r>
               <a:rPr lang="en-US" sz="6000" kern="1200" dirty="0">
                 <a:solidFill>
                   <a:schemeClr val="bg1"/>
@@ -9237,7 +13214,7 @@
                 <a:ea typeface="+mj-ea"/>
                 <a:cs typeface="+mj-cs"/>
               </a:rPr>
-              <a:t> : </a:t>
+              <a:t>Mission 4 : </a:t>
             </a:r>
           </a:p>
         </p:txBody>
@@ -9579,6 +13556,698 @@
           <p:cNvPr id="7" name="Image 6">
             <a:extLst>
               <a:ext uri="{FF2B5EF4-FFF2-40B4-BE49-F238E27FC236}">
+                <a16:creationId xmlns:a16="http://schemas.microsoft.com/office/drawing/2014/main" id="{E369A546-1865-48AA-AB18-501F5D1AE863}"/>
+              </a:ext>
+            </a:extLst>
+          </p:cNvPr>
+          <p:cNvPicPr>
+            <a:picLocks noChangeAspect="1"/>
+          </p:cNvPicPr>
+          <p:nvPr/>
+        </p:nvPicPr>
+        <p:blipFill>
+          <a:blip r:embed="rId3">
+            <a:extLst>
+              <a:ext uri="{28A0092B-C50C-407E-A947-70E740481C1C}">
+                <a14:useLocalDpi xmlns:a14="http://schemas.microsoft.com/office/drawing/2010/main" val="0"/>
+              </a:ext>
+            </a:extLst>
+          </a:blip>
+          <a:stretch>
+            <a:fillRect/>
+          </a:stretch>
+        </p:blipFill>
+        <p:spPr>
+          <a:xfrm>
+            <a:off x="419382" y="720993"/>
+            <a:ext cx="4047843" cy="4047843"/>
+          </a:xfrm>
+          <a:prstGeom prst="rect">
+            <a:avLst/>
+          </a:prstGeom>
+        </p:spPr>
+      </p:pic>
+    </p:spTree>
+    <p:extLst>
+      <p:ext uri="{BB962C8B-B14F-4D97-AF65-F5344CB8AC3E}">
+        <p14:creationId xmlns:p14="http://schemas.microsoft.com/office/powerpoint/2010/main" val="1650108150"/>
+      </p:ext>
+    </p:extLst>
+  </p:cSld>
+  <p:clrMapOvr>
+    <a:masterClrMapping/>
+  </p:clrMapOvr>
+</p:sld>
+</file>
+
+<file path=ppt/slides/slide29.xml><?xml version="1.0" encoding="utf-8"?>
+<p:sld xmlns:a="http://schemas.openxmlformats.org/drawingml/2006/main" xmlns:r="http://schemas.openxmlformats.org/officeDocument/2006/relationships" xmlns:p="http://schemas.openxmlformats.org/presentationml/2006/main">
+  <p:cSld>
+    <p:spTree>
+      <p:nvGrpSpPr>
+        <p:cNvPr id="1" name=""/>
+        <p:cNvGrpSpPr/>
+        <p:nvPr/>
+      </p:nvGrpSpPr>
+      <p:grpSpPr>
+        <a:xfrm>
+          <a:off x="0" y="0"/>
+          <a:ext cx="0" cy="0"/>
+          <a:chOff x="0" y="0"/>
+          <a:chExt cx="0" cy="0"/>
+        </a:xfrm>
+      </p:grpSpPr>
+      <p:sp>
+        <p:nvSpPr>
+          <p:cNvPr id="2" name="Titre 1">
+            <a:extLst>
+              <a:ext uri="{FF2B5EF4-FFF2-40B4-BE49-F238E27FC236}">
+                <a16:creationId xmlns:a16="http://schemas.microsoft.com/office/drawing/2014/main" id="{465F4E1D-C2D1-48A3-87E1-EAA86D29F741}"/>
+              </a:ext>
+            </a:extLst>
+          </p:cNvPr>
+          <p:cNvSpPr>
+            <a:spLocks noGrp="1"/>
+          </p:cNvSpPr>
+          <p:nvPr>
+            <p:ph type="ctrTitle"/>
+          </p:nvPr>
+        </p:nvSpPr>
+        <p:spPr>
+          <a:xfrm>
+            <a:off x="1391920" y="396240"/>
+            <a:ext cx="9408160" cy="1046481"/>
+          </a:xfrm>
+        </p:spPr>
+        <p:txBody>
+          <a:bodyPr>
+            <a:normAutofit/>
+          </a:bodyPr>
+          <a:lstStyle/>
+          <a:p>
+            <a:r>
+              <a:rPr lang="fr-FR" dirty="0"/>
+              <a:t>ANOVA</a:t>
+            </a:r>
+          </a:p>
+        </p:txBody>
+      </p:sp>
+      <p:pic>
+        <p:nvPicPr>
+          <p:cNvPr id="4" name="Image 3">
+            <a:extLst>
+              <a:ext uri="{FF2B5EF4-FFF2-40B4-BE49-F238E27FC236}">
+                <a16:creationId xmlns:a16="http://schemas.microsoft.com/office/drawing/2014/main" id="{6D19BF79-1D71-48C5-80A2-A1D39A8C2714}"/>
+              </a:ext>
+            </a:extLst>
+          </p:cNvPr>
+          <p:cNvPicPr>
+            <a:picLocks noChangeAspect="1"/>
+          </p:cNvPicPr>
+          <p:nvPr/>
+        </p:nvPicPr>
+        <p:blipFill>
+          <a:blip r:embed="rId3">
+            <a:extLst>
+              <a:ext uri="{28A0092B-C50C-407E-A947-70E740481C1C}">
+                <a14:useLocalDpi xmlns:a14="http://schemas.microsoft.com/office/drawing/2010/main" val="0"/>
+              </a:ext>
+            </a:extLst>
+          </a:blip>
+          <a:stretch>
+            <a:fillRect/>
+          </a:stretch>
+        </p:blipFill>
+        <p:spPr>
+          <a:xfrm>
+            <a:off x="10769600" y="5435600"/>
+            <a:ext cx="1422400" cy="1422400"/>
+          </a:xfrm>
+          <a:prstGeom prst="rect">
+            <a:avLst/>
+          </a:prstGeom>
+        </p:spPr>
+      </p:pic>
+      <p:pic>
+        <p:nvPicPr>
+          <p:cNvPr id="3" name="Image 2">
+            <a:extLst>
+              <a:ext uri="{FF2B5EF4-FFF2-40B4-BE49-F238E27FC236}">
+                <a16:creationId xmlns:a16="http://schemas.microsoft.com/office/drawing/2014/main" id="{F485D957-CD03-4E00-B8C0-40A55E334F96}"/>
+              </a:ext>
+            </a:extLst>
+          </p:cNvPr>
+          <p:cNvPicPr>
+            <a:picLocks noChangeAspect="1"/>
+          </p:cNvPicPr>
+          <p:nvPr/>
+        </p:nvPicPr>
+        <p:blipFill>
+          <a:blip r:embed="rId4"/>
+          <a:stretch>
+            <a:fillRect/>
+          </a:stretch>
+        </p:blipFill>
+        <p:spPr>
+          <a:xfrm>
+            <a:off x="2981325" y="1478526"/>
+            <a:ext cx="6229350" cy="266700"/>
+          </a:xfrm>
+          <a:prstGeom prst="rect">
+            <a:avLst/>
+          </a:prstGeom>
+        </p:spPr>
+      </p:pic>
+      <p:sp>
+        <p:nvSpPr>
+          <p:cNvPr id="5" name="ZoneTexte 4">
+            <a:extLst>
+              <a:ext uri="{FF2B5EF4-FFF2-40B4-BE49-F238E27FC236}">
+                <a16:creationId xmlns:a16="http://schemas.microsoft.com/office/drawing/2014/main" id="{1A49C935-CC7B-42DF-8FA5-A0B1E272CB9D}"/>
+              </a:ext>
+            </a:extLst>
+          </p:cNvPr>
+          <p:cNvSpPr txBox="1"/>
+          <p:nvPr/>
+        </p:nvSpPr>
+        <p:spPr>
+          <a:xfrm>
+            <a:off x="311285" y="0"/>
+            <a:ext cx="566181" cy="923330"/>
+          </a:xfrm>
+          <a:prstGeom prst="rect">
+            <a:avLst/>
+          </a:prstGeom>
+          <a:noFill/>
+        </p:spPr>
+        <p:txBody>
+          <a:bodyPr wrap="none" rtlCol="0">
+            <a:spAutoFit/>
+          </a:bodyPr>
+          <a:lstStyle/>
+          <a:p>
+            <a:r>
+              <a:rPr lang="fr-FR" sz="5400" b="1" dirty="0">
+                <a:solidFill>
+                  <a:srgbClr val="FF0000"/>
+                </a:solidFill>
+              </a:rPr>
+              <a:t>X</a:t>
+            </a:r>
+          </a:p>
+        </p:txBody>
+      </p:sp>
+    </p:spTree>
+    <p:extLst>
+      <p:ext uri="{BB962C8B-B14F-4D97-AF65-F5344CB8AC3E}">
+        <p14:creationId xmlns:p14="http://schemas.microsoft.com/office/powerpoint/2010/main" val="2667090142"/>
+      </p:ext>
+    </p:extLst>
+  </p:cSld>
+  <p:clrMapOvr>
+    <a:masterClrMapping/>
+  </p:clrMapOvr>
+</p:sld>
+</file>
+
+<file path=ppt/slides/slide3.xml><?xml version="1.0" encoding="utf-8"?>
+<p:sld xmlns:a="http://schemas.openxmlformats.org/drawingml/2006/main" xmlns:r="http://schemas.openxmlformats.org/officeDocument/2006/relationships" xmlns:p="http://schemas.openxmlformats.org/presentationml/2006/main">
+  <p:cSld>
+    <p:bg>
+      <p:bgPr>
+        <a:solidFill>
+          <a:schemeClr val="bg1"/>
+        </a:solidFill>
+        <a:effectLst/>
+      </p:bgPr>
+    </p:bg>
+    <p:spTree>
+      <p:nvGrpSpPr>
+        <p:cNvPr id="1" name=""/>
+        <p:cNvGrpSpPr/>
+        <p:nvPr/>
+      </p:nvGrpSpPr>
+      <p:grpSpPr>
+        <a:xfrm>
+          <a:off x="0" y="0"/>
+          <a:ext cx="0" cy="0"/>
+          <a:chOff x="0" y="0"/>
+          <a:chExt cx="0" cy="0"/>
+        </a:xfrm>
+      </p:grpSpPr>
+      <p:sp>
+        <p:nvSpPr>
+          <p:cNvPr id="15" name="Rectangle 11">
+            <a:extLst>
+              <a:ext uri="{FF2B5EF4-FFF2-40B4-BE49-F238E27FC236}">
+                <a16:creationId xmlns:a16="http://schemas.microsoft.com/office/drawing/2014/main" id="{C0B27210-D0CA-4654-B3E3-9ABB4F178EA1}"/>
+              </a:ext>
+              <a:ext uri="{C183D7F6-B498-43B3-948B-1728B52AA6E4}">
+                <adec:decorative xmlns:adec="http://schemas.microsoft.com/office/drawing/2017/decorative" val="1"/>
+              </a:ext>
+            </a:extLst>
+          </p:cNvPr>
+          <p:cNvSpPr>
+            <a:spLocks noGrp="1" noRot="1" noChangeAspect="1" noMove="1" noResize="1" noEditPoints="1" noAdjustHandles="1" noChangeArrowheads="1" noChangeShapeType="1" noTextEdit="1"/>
+          </p:cNvSpPr>
+          <p:nvPr>
+            <p:extLst>
+              <p:ext uri="{386F3935-93C4-4BCD-93E2-E3B085C9AB24}">
+                <p16:designElem xmlns:p16="http://schemas.microsoft.com/office/powerpoint/2015/main" val="1"/>
+              </p:ext>
+            </p:extLst>
+          </p:nvPr>
+        </p:nvSpPr>
+        <p:spPr>
+          <a:xfrm>
+            <a:off x="0" y="0"/>
+            <a:ext cx="12192000" cy="6858000"/>
+          </a:xfrm>
+          <a:prstGeom prst="rect">
+            <a:avLst/>
+          </a:prstGeom>
+          <a:solidFill>
+            <a:schemeClr val="tx1">
+              <a:lumMod val="75000"/>
+              <a:lumOff val="25000"/>
+            </a:schemeClr>
+          </a:solidFill>
+          <a:ln>
+            <a:noFill/>
+          </a:ln>
+        </p:spPr>
+        <p:style>
+          <a:lnRef idx="2">
+            <a:schemeClr val="accent1">
+              <a:shade val="50000"/>
+            </a:schemeClr>
+          </a:lnRef>
+          <a:fillRef idx="1">
+            <a:schemeClr val="accent1"/>
+          </a:fillRef>
+          <a:effectRef idx="0">
+            <a:schemeClr val="accent1"/>
+          </a:effectRef>
+          <a:fontRef idx="minor">
+            <a:schemeClr val="lt1"/>
+          </a:fontRef>
+        </p:style>
+        <p:txBody>
+          <a:bodyPr rtlCol="0" anchor="ctr"/>
+          <a:lstStyle/>
+          <a:p>
+            <a:pPr algn="ctr"/>
+            <a:endParaRPr lang="en-US"/>
+          </a:p>
+        </p:txBody>
+      </p:sp>
+      <p:sp>
+        <p:nvSpPr>
+          <p:cNvPr id="2" name="Titre 1">
+            <a:extLst>
+              <a:ext uri="{FF2B5EF4-FFF2-40B4-BE49-F238E27FC236}">
+                <a16:creationId xmlns:a16="http://schemas.microsoft.com/office/drawing/2014/main" id="{612FA98D-5214-442A-97A7-973984024AE3}"/>
+              </a:ext>
+            </a:extLst>
+          </p:cNvPr>
+          <p:cNvSpPr>
+            <a:spLocks noGrp="1"/>
+          </p:cNvSpPr>
+          <p:nvPr>
+            <p:ph type="title"/>
+          </p:nvPr>
+        </p:nvSpPr>
+        <p:spPr>
+          <a:xfrm>
+            <a:off x="6746628" y="1783959"/>
+            <a:ext cx="4645250" cy="2889114"/>
+          </a:xfrm>
+        </p:spPr>
+        <p:txBody>
+          <a:bodyPr vert="horz" lIns="91440" tIns="45720" rIns="91440" bIns="45720" rtlCol="0" anchor="b">
+            <a:normAutofit/>
+          </a:bodyPr>
+          <a:lstStyle/>
+          <a:p>
+            <a:r>
+              <a:rPr lang="en-US" sz="6000" dirty="0">
+                <a:solidFill>
+                  <a:schemeClr val="bg1"/>
+                </a:solidFill>
+              </a:rPr>
+              <a:t>Mission 1</a:t>
+            </a:r>
+            <a:r>
+              <a:rPr lang="en-US" sz="6000" kern="1200" dirty="0">
+                <a:solidFill>
+                  <a:schemeClr val="bg1"/>
+                </a:solidFill>
+                <a:latin typeface="+mj-lt"/>
+                <a:ea typeface="+mj-ea"/>
+                <a:cs typeface="+mj-cs"/>
+              </a:rPr>
+              <a:t> : </a:t>
+            </a:r>
+          </a:p>
+        </p:txBody>
+      </p:sp>
+      <p:sp>
+        <p:nvSpPr>
+          <p:cNvPr id="14" name="Freeform: Shape 13">
+            <a:extLst>
+              <a:ext uri="{FF2B5EF4-FFF2-40B4-BE49-F238E27FC236}">
+                <a16:creationId xmlns:a16="http://schemas.microsoft.com/office/drawing/2014/main" id="{1DB7C82F-AB7E-4F0C-B829-FA1B9C415180}"/>
+              </a:ext>
+              <a:ext uri="{C183D7F6-B498-43B3-948B-1728B52AA6E4}">
+                <adec:decorative xmlns:adec="http://schemas.microsoft.com/office/drawing/2017/decorative" val="1"/>
+              </a:ext>
+            </a:extLst>
+          </p:cNvPr>
+          <p:cNvSpPr>
+            <a:spLocks noGrp="1" noRot="1" noChangeAspect="1" noMove="1" noResize="1" noEditPoints="1" noAdjustHandles="1" noChangeArrowheads="1" noChangeShapeType="1" noTextEdit="1"/>
+          </p:cNvSpPr>
+          <p:nvPr>
+            <p:extLst>
+              <p:ext uri="{386F3935-93C4-4BCD-93E2-E3B085C9AB24}">
+                <p16:designElem xmlns:p16="http://schemas.microsoft.com/office/powerpoint/2015/main" val="1"/>
+              </p:ext>
+            </p:extLst>
+          </p:nvPr>
+        </p:nvSpPr>
+        <p:spPr>
+          <a:xfrm flipH="1">
+            <a:off x="0" y="0"/>
+            <a:ext cx="6172782" cy="6858000"/>
+          </a:xfrm>
+          <a:custGeom>
+            <a:avLst/>
+            <a:gdLst>
+              <a:gd name="connsiteX0" fmla="*/ 6172782 w 6172782"/>
+              <a:gd name="connsiteY0" fmla="*/ 0 h 6858000"/>
+              <a:gd name="connsiteX1" fmla="*/ 69075 w 6172782"/>
+              <a:gd name="connsiteY1" fmla="*/ 0 h 6858000"/>
+              <a:gd name="connsiteX2" fmla="*/ 35131 w 6172782"/>
+              <a:gd name="connsiteY2" fmla="*/ 267128 h 6858000"/>
+              <a:gd name="connsiteX3" fmla="*/ 0 w 6172782"/>
+              <a:gd name="connsiteY3" fmla="*/ 962845 h 6858000"/>
+              <a:gd name="connsiteX4" fmla="*/ 3276103 w 6172782"/>
+              <a:gd name="connsiteY4" fmla="*/ 6782205 h 6858000"/>
+              <a:gd name="connsiteX5" fmla="*/ 3407923 w 6172782"/>
+              <a:gd name="connsiteY5" fmla="*/ 6858000 h 6858000"/>
+              <a:gd name="connsiteX6" fmla="*/ 6172782 w 6172782"/>
+              <a:gd name="connsiteY6" fmla="*/ 6858000 h 6858000"/>
+            </a:gdLst>
+            <a:ahLst/>
+            <a:cxnLst>
+              <a:cxn ang="0">
+                <a:pos x="connsiteX0" y="connsiteY0"/>
+              </a:cxn>
+              <a:cxn ang="0">
+                <a:pos x="connsiteX1" y="connsiteY1"/>
+              </a:cxn>
+              <a:cxn ang="0">
+                <a:pos x="connsiteX2" y="connsiteY2"/>
+              </a:cxn>
+              <a:cxn ang="0">
+                <a:pos x="connsiteX3" y="connsiteY3"/>
+              </a:cxn>
+              <a:cxn ang="0">
+                <a:pos x="connsiteX4" y="connsiteY4"/>
+              </a:cxn>
+              <a:cxn ang="0">
+                <a:pos x="connsiteX5" y="connsiteY5"/>
+              </a:cxn>
+              <a:cxn ang="0">
+                <a:pos x="connsiteX6" y="connsiteY6"/>
+              </a:cxn>
+            </a:cxnLst>
+            <a:rect l="l" t="t" r="r" b="b"/>
+            <a:pathLst>
+              <a:path w="6172782" h="6858000">
+                <a:moveTo>
+                  <a:pt x="6172782" y="0"/>
+                </a:moveTo>
+                <a:lnTo>
+                  <a:pt x="69075" y="0"/>
+                </a:lnTo>
+                <a:lnTo>
+                  <a:pt x="35131" y="267128"/>
+                </a:lnTo>
+                <a:cubicBezTo>
+                  <a:pt x="11901" y="495874"/>
+                  <a:pt x="0" y="727970"/>
+                  <a:pt x="0" y="962845"/>
+                </a:cubicBezTo>
+                <a:cubicBezTo>
+                  <a:pt x="0" y="3429034"/>
+                  <a:pt x="1312002" y="5588789"/>
+                  <a:pt x="3276103" y="6782205"/>
+                </a:cubicBezTo>
+                <a:lnTo>
+                  <a:pt x="3407923" y="6858000"/>
+                </a:lnTo>
+                <a:lnTo>
+                  <a:pt x="6172782" y="6858000"/>
+                </a:lnTo>
+                <a:close/>
+              </a:path>
+            </a:pathLst>
+          </a:custGeom>
+          <a:solidFill>
+            <a:schemeClr val="bg1">
+              <a:alpha val="80000"/>
+            </a:schemeClr>
+          </a:solidFill>
+          <a:ln>
+            <a:noFill/>
+          </a:ln>
+        </p:spPr>
+        <p:style>
+          <a:lnRef idx="2">
+            <a:schemeClr val="accent1">
+              <a:shade val="50000"/>
+            </a:schemeClr>
+          </a:lnRef>
+          <a:fillRef idx="1">
+            <a:schemeClr val="accent1"/>
+          </a:fillRef>
+          <a:effectRef idx="0">
+            <a:schemeClr val="accent1"/>
+          </a:effectRef>
+          <a:fontRef idx="minor">
+            <a:schemeClr val="lt1"/>
+          </a:fontRef>
+        </p:style>
+        <p:txBody>
+          <a:bodyPr wrap="square" rtlCol="0" anchor="ctr">
+            <a:noAutofit/>
+          </a:bodyPr>
+          <a:lstStyle/>
+          <a:p>
+            <a:pPr marL="0" marR="0" lvl="0" indent="0" algn="ctr" defTabSz="914400" rtl="0" eaLnBrk="1" fontAlgn="auto" latinLnBrk="0" hangingPunct="1">
+              <a:lnSpc>
+                <a:spcPct val="100000"/>
+              </a:lnSpc>
+              <a:spcBef>
+                <a:spcPts val="0"/>
+              </a:spcBef>
+              <a:spcAft>
+                <a:spcPts val="0"/>
+              </a:spcAft>
+              <a:buClrTx/>
+              <a:buSzTx/>
+              <a:buFontTx/>
+              <a:buNone/>
+              <a:tabLst/>
+              <a:defRPr/>
+            </a:pPr>
+            <a:endParaRPr kumimoji="0" lang="en-US" sz="1800" b="0" i="0" u="none" strike="noStrike" kern="1200" cap="none" spc="0" normalizeH="0" baseline="0" noProof="0">
+              <a:ln>
+                <a:noFill/>
+              </a:ln>
+              <a:solidFill>
+                <a:prstClr val="white"/>
+              </a:solidFill>
+              <a:effectLst/>
+              <a:uLnTx/>
+              <a:uFillTx/>
+              <a:latin typeface="Calibri" panose="020F0502020204030204"/>
+              <a:ea typeface="+mn-ea"/>
+              <a:cs typeface="+mn-cs"/>
+            </a:endParaRPr>
+          </a:p>
+        </p:txBody>
+      </p:sp>
+      <p:sp>
+        <p:nvSpPr>
+          <p:cNvPr id="16" name="Freeform: Shape 15">
+            <a:extLst>
+              <a:ext uri="{FF2B5EF4-FFF2-40B4-BE49-F238E27FC236}">
+                <a16:creationId xmlns:a16="http://schemas.microsoft.com/office/drawing/2014/main" id="{70B66945-4967-4040-926D-DCA44313CDAB}"/>
+              </a:ext>
+              <a:ext uri="{C183D7F6-B498-43B3-948B-1728B52AA6E4}">
+                <adec:decorative xmlns:adec="http://schemas.microsoft.com/office/drawing/2017/decorative" val="1"/>
+              </a:ext>
+            </a:extLst>
+          </p:cNvPr>
+          <p:cNvSpPr>
+            <a:spLocks noGrp="1" noRot="1" noChangeAspect="1" noMove="1" noResize="1" noEditPoints="1" noAdjustHandles="1" noChangeArrowheads="1" noChangeShapeType="1" noTextEdit="1"/>
+          </p:cNvSpPr>
+          <p:nvPr>
+            <p:extLst>
+              <p:ext uri="{386F3935-93C4-4BCD-93E2-E3B085C9AB24}">
+                <p16:designElem xmlns:p16="http://schemas.microsoft.com/office/powerpoint/2015/main" val="1"/>
+              </p:ext>
+            </p:extLst>
+          </p:nvPr>
+        </p:nvSpPr>
+        <p:spPr>
+          <a:xfrm>
+            <a:off x="0" y="0"/>
+            <a:ext cx="6024154" cy="6858000"/>
+          </a:xfrm>
+          <a:custGeom>
+            <a:avLst/>
+            <a:gdLst>
+              <a:gd name="connsiteX0" fmla="*/ 0 w 6024154"/>
+              <a:gd name="connsiteY0" fmla="*/ 0 h 6858000"/>
+              <a:gd name="connsiteX1" fmla="*/ 5953780 w 6024154"/>
+              <a:gd name="connsiteY1" fmla="*/ 0 h 6858000"/>
+              <a:gd name="connsiteX2" fmla="*/ 5989880 w 6024154"/>
+              <a:gd name="connsiteY2" fmla="*/ 284091 h 6858000"/>
+              <a:gd name="connsiteX3" fmla="*/ 6024154 w 6024154"/>
+              <a:gd name="connsiteY3" fmla="*/ 962844 h 6858000"/>
+              <a:gd name="connsiteX4" fmla="*/ 2549934 w 6024154"/>
+              <a:gd name="connsiteY4" fmla="*/ 6800152 h 6858000"/>
+              <a:gd name="connsiteX5" fmla="*/ 2436987 w 6024154"/>
+              <a:gd name="connsiteY5" fmla="*/ 6858000 h 6858000"/>
+              <a:gd name="connsiteX6" fmla="*/ 0 w 6024154"/>
+              <a:gd name="connsiteY6" fmla="*/ 6858000 h 6858000"/>
+            </a:gdLst>
+            <a:ahLst/>
+            <a:cxnLst>
+              <a:cxn ang="0">
+                <a:pos x="connsiteX0" y="connsiteY0"/>
+              </a:cxn>
+              <a:cxn ang="0">
+                <a:pos x="connsiteX1" y="connsiteY1"/>
+              </a:cxn>
+              <a:cxn ang="0">
+                <a:pos x="connsiteX2" y="connsiteY2"/>
+              </a:cxn>
+              <a:cxn ang="0">
+                <a:pos x="connsiteX3" y="connsiteY3"/>
+              </a:cxn>
+              <a:cxn ang="0">
+                <a:pos x="connsiteX4" y="connsiteY4"/>
+              </a:cxn>
+              <a:cxn ang="0">
+                <a:pos x="connsiteX5" y="connsiteY5"/>
+              </a:cxn>
+              <a:cxn ang="0">
+                <a:pos x="connsiteX6" y="connsiteY6"/>
+              </a:cxn>
+            </a:cxnLst>
+            <a:rect l="l" t="t" r="r" b="b"/>
+            <a:pathLst>
+              <a:path w="6024154" h="6858000">
+                <a:moveTo>
+                  <a:pt x="0" y="0"/>
+                </a:moveTo>
+                <a:lnTo>
+                  <a:pt x="5953780" y="0"/>
+                </a:lnTo>
+                <a:lnTo>
+                  <a:pt x="5989880" y="284091"/>
+                </a:lnTo>
+                <a:cubicBezTo>
+                  <a:pt x="6012544" y="507260"/>
+                  <a:pt x="6024154" y="733696"/>
+                  <a:pt x="6024154" y="962844"/>
+                </a:cubicBezTo>
+                <a:cubicBezTo>
+                  <a:pt x="6024154" y="3483472"/>
+                  <a:pt x="4619336" y="5675986"/>
+                  <a:pt x="2549934" y="6800152"/>
+                </a:cubicBezTo>
+                <a:lnTo>
+                  <a:pt x="2436987" y="6858000"/>
+                </a:lnTo>
+                <a:lnTo>
+                  <a:pt x="0" y="6858000"/>
+                </a:lnTo>
+                <a:close/>
+              </a:path>
+            </a:pathLst>
+          </a:custGeom>
+          <a:solidFill>
+            <a:schemeClr val="bg1"/>
+          </a:solidFill>
+          <a:ln>
+            <a:noFill/>
+          </a:ln>
+        </p:spPr>
+        <p:style>
+          <a:lnRef idx="2">
+            <a:schemeClr val="accent1">
+              <a:shade val="50000"/>
+            </a:schemeClr>
+          </a:lnRef>
+          <a:fillRef idx="1">
+            <a:schemeClr val="accent1"/>
+          </a:fillRef>
+          <a:effectRef idx="0">
+            <a:schemeClr val="accent1"/>
+          </a:effectRef>
+          <a:fontRef idx="minor">
+            <a:schemeClr val="lt1"/>
+          </a:fontRef>
+        </p:style>
+        <p:txBody>
+          <a:bodyPr wrap="square" rtlCol="0" anchor="ctr">
+            <a:noAutofit/>
+          </a:bodyPr>
+          <a:lstStyle/>
+          <a:p>
+            <a:pPr marL="0" marR="0" lvl="0" indent="0" algn="ctr" defTabSz="914400" rtl="0" eaLnBrk="1" fontAlgn="auto" latinLnBrk="0" hangingPunct="1">
+              <a:lnSpc>
+                <a:spcPct val="100000"/>
+              </a:lnSpc>
+              <a:spcBef>
+                <a:spcPts val="0"/>
+              </a:spcBef>
+              <a:spcAft>
+                <a:spcPts val="0"/>
+              </a:spcAft>
+              <a:buClrTx/>
+              <a:buSzTx/>
+              <a:buFontTx/>
+              <a:buNone/>
+              <a:tabLst/>
+              <a:defRPr/>
+            </a:pPr>
+            <a:endParaRPr kumimoji="0" lang="en-US" sz="1800" b="0" i="0" u="none" strike="noStrike" kern="1200" cap="none" spc="0" normalizeH="0" baseline="0" noProof="0">
+              <a:ln>
+                <a:noFill/>
+              </a:ln>
+              <a:solidFill>
+                <a:prstClr val="white"/>
+              </a:solidFill>
+              <a:effectLst/>
+              <a:uLnTx/>
+              <a:uFillTx/>
+              <a:latin typeface="Calibri" panose="020F0502020204030204"/>
+              <a:ea typeface="+mn-ea"/>
+              <a:cs typeface="+mn-cs"/>
+            </a:endParaRPr>
+          </a:p>
+        </p:txBody>
+      </p:sp>
+      <p:pic>
+        <p:nvPicPr>
+          <p:cNvPr id="7" name="Image 6">
+            <a:extLst>
+              <a:ext uri="{FF2B5EF4-FFF2-40B4-BE49-F238E27FC236}">
                 <a16:creationId xmlns:a16="http://schemas.microsoft.com/office/drawing/2014/main" id="{F33CD809-D9B9-4184-91B3-4F4AE6420750}"/>
               </a:ext>
             </a:extLst>
@@ -9623,6 +14292,251 @@
 </p:sld>
 </file>
 
+<file path=ppt/slides/slide30.xml><?xml version="1.0" encoding="utf-8"?>
+<p:sld xmlns:a="http://schemas.openxmlformats.org/drawingml/2006/main" xmlns:r="http://schemas.openxmlformats.org/officeDocument/2006/relationships" xmlns:p="http://schemas.openxmlformats.org/presentationml/2006/main">
+  <p:cSld>
+    <p:spTree>
+      <p:nvGrpSpPr>
+        <p:cNvPr id="1" name=""/>
+        <p:cNvGrpSpPr/>
+        <p:nvPr/>
+      </p:nvGrpSpPr>
+      <p:grpSpPr>
+        <a:xfrm>
+          <a:off x="0" y="0"/>
+          <a:ext cx="0" cy="0"/>
+          <a:chOff x="0" y="0"/>
+          <a:chExt cx="0" cy="0"/>
+        </a:xfrm>
+      </p:grpSpPr>
+      <p:sp>
+        <p:nvSpPr>
+          <p:cNvPr id="2" name="Titre 1">
+            <a:extLst>
+              <a:ext uri="{FF2B5EF4-FFF2-40B4-BE49-F238E27FC236}">
+                <a16:creationId xmlns:a16="http://schemas.microsoft.com/office/drawing/2014/main" id="{465F4E1D-C2D1-48A3-87E1-EAA86D29F741}"/>
+              </a:ext>
+            </a:extLst>
+          </p:cNvPr>
+          <p:cNvSpPr>
+            <a:spLocks noGrp="1"/>
+          </p:cNvSpPr>
+          <p:nvPr>
+            <p:ph type="ctrTitle"/>
+          </p:nvPr>
+        </p:nvSpPr>
+        <p:spPr>
+          <a:xfrm>
+            <a:off x="1391920" y="396240"/>
+            <a:ext cx="9408160" cy="1046481"/>
+          </a:xfrm>
+        </p:spPr>
+        <p:txBody>
+          <a:bodyPr>
+            <a:normAutofit/>
+          </a:bodyPr>
+          <a:lstStyle/>
+          <a:p>
+            <a:r>
+              <a:rPr lang="fr-FR" dirty="0"/>
+              <a:t>Régressions linéaires</a:t>
+            </a:r>
+          </a:p>
+        </p:txBody>
+      </p:sp>
+      <p:pic>
+        <p:nvPicPr>
+          <p:cNvPr id="4" name="Image 3">
+            <a:extLst>
+              <a:ext uri="{FF2B5EF4-FFF2-40B4-BE49-F238E27FC236}">
+                <a16:creationId xmlns:a16="http://schemas.microsoft.com/office/drawing/2014/main" id="{6D19BF79-1D71-48C5-80A2-A1D39A8C2714}"/>
+              </a:ext>
+            </a:extLst>
+          </p:cNvPr>
+          <p:cNvPicPr>
+            <a:picLocks noChangeAspect="1"/>
+          </p:cNvPicPr>
+          <p:nvPr/>
+        </p:nvPicPr>
+        <p:blipFill>
+          <a:blip r:embed="rId3">
+            <a:extLst>
+              <a:ext uri="{28A0092B-C50C-407E-A947-70E740481C1C}">
+                <a14:useLocalDpi xmlns:a14="http://schemas.microsoft.com/office/drawing/2010/main" val="0"/>
+              </a:ext>
+            </a:extLst>
+          </a:blip>
+          <a:stretch>
+            <a:fillRect/>
+          </a:stretch>
+        </p:blipFill>
+        <p:spPr>
+          <a:xfrm>
+            <a:off x="10769600" y="5435600"/>
+            <a:ext cx="1422400" cy="1422400"/>
+          </a:xfrm>
+          <a:prstGeom prst="rect">
+            <a:avLst/>
+          </a:prstGeom>
+        </p:spPr>
+      </p:pic>
+      <p:sp>
+        <p:nvSpPr>
+          <p:cNvPr id="5" name="ZoneTexte 4">
+            <a:extLst>
+              <a:ext uri="{FF2B5EF4-FFF2-40B4-BE49-F238E27FC236}">
+                <a16:creationId xmlns:a16="http://schemas.microsoft.com/office/drawing/2014/main" id="{C7860E63-B6AB-4429-971A-BC715AE7C97C}"/>
+              </a:ext>
+            </a:extLst>
+          </p:cNvPr>
+          <p:cNvSpPr txBox="1"/>
+          <p:nvPr/>
+        </p:nvSpPr>
+        <p:spPr>
+          <a:xfrm>
+            <a:off x="311285" y="0"/>
+            <a:ext cx="566181" cy="923330"/>
+          </a:xfrm>
+          <a:prstGeom prst="rect">
+            <a:avLst/>
+          </a:prstGeom>
+          <a:noFill/>
+        </p:spPr>
+        <p:txBody>
+          <a:bodyPr wrap="none" rtlCol="0">
+            <a:spAutoFit/>
+          </a:bodyPr>
+          <a:lstStyle/>
+          <a:p>
+            <a:r>
+              <a:rPr lang="fr-FR" sz="5400" b="1" dirty="0">
+                <a:solidFill>
+                  <a:srgbClr val="FF0000"/>
+                </a:solidFill>
+              </a:rPr>
+              <a:t>X</a:t>
+            </a:r>
+          </a:p>
+        </p:txBody>
+      </p:sp>
+    </p:spTree>
+    <p:extLst>
+      <p:ext uri="{BB962C8B-B14F-4D97-AF65-F5344CB8AC3E}">
+        <p14:creationId xmlns:p14="http://schemas.microsoft.com/office/powerpoint/2010/main" val="178401512"/>
+      </p:ext>
+    </p:extLst>
+  </p:cSld>
+  <p:clrMapOvr>
+    <a:masterClrMapping/>
+  </p:clrMapOvr>
+</p:sld>
+</file>
+
+<file path=ppt/slides/slide31.xml><?xml version="1.0" encoding="utf-8"?>
+<p:sld xmlns:a="http://schemas.openxmlformats.org/drawingml/2006/main" xmlns:r="http://schemas.openxmlformats.org/officeDocument/2006/relationships" xmlns:p="http://schemas.openxmlformats.org/presentationml/2006/main">
+  <p:cSld>
+    <p:spTree>
+      <p:nvGrpSpPr>
+        <p:cNvPr id="1" name=""/>
+        <p:cNvGrpSpPr/>
+        <p:nvPr/>
+      </p:nvGrpSpPr>
+      <p:grpSpPr>
+        <a:xfrm>
+          <a:off x="0" y="0"/>
+          <a:ext cx="0" cy="0"/>
+          <a:chOff x="0" y="0"/>
+          <a:chExt cx="0" cy="0"/>
+        </a:xfrm>
+      </p:grpSpPr>
+      <p:pic>
+        <p:nvPicPr>
+          <p:cNvPr id="4" name="Image 3">
+            <a:extLst>
+              <a:ext uri="{FF2B5EF4-FFF2-40B4-BE49-F238E27FC236}">
+                <a16:creationId xmlns:a16="http://schemas.microsoft.com/office/drawing/2014/main" id="{6D19BF79-1D71-48C5-80A2-A1D39A8C2714}"/>
+              </a:ext>
+            </a:extLst>
+          </p:cNvPr>
+          <p:cNvPicPr>
+            <a:picLocks noChangeAspect="1"/>
+          </p:cNvPicPr>
+          <p:nvPr/>
+        </p:nvPicPr>
+        <p:blipFill>
+          <a:blip r:embed="rId3">
+            <a:extLst>
+              <a:ext uri="{28A0092B-C50C-407E-A947-70E740481C1C}">
+                <a14:useLocalDpi xmlns:a14="http://schemas.microsoft.com/office/drawing/2010/main" val="0"/>
+              </a:ext>
+            </a:extLst>
+          </a:blip>
+          <a:stretch>
+            <a:fillRect/>
+          </a:stretch>
+        </p:blipFill>
+        <p:spPr>
+          <a:xfrm>
+            <a:off x="10769600" y="5435600"/>
+            <a:ext cx="1422400" cy="1422400"/>
+          </a:xfrm>
+          <a:prstGeom prst="rect">
+            <a:avLst/>
+          </a:prstGeom>
+        </p:spPr>
+      </p:pic>
+      <p:sp>
+        <p:nvSpPr>
+          <p:cNvPr id="3" name="ZoneTexte 2">
+            <a:extLst>
+              <a:ext uri="{FF2B5EF4-FFF2-40B4-BE49-F238E27FC236}">
+                <a16:creationId xmlns:a16="http://schemas.microsoft.com/office/drawing/2014/main" id="{4D1D874D-CB32-4905-B31C-CF0033E1BCEC}"/>
+              </a:ext>
+            </a:extLst>
+          </p:cNvPr>
+          <p:cNvSpPr txBox="1"/>
+          <p:nvPr/>
+        </p:nvSpPr>
+        <p:spPr>
+          <a:xfrm>
+            <a:off x="311285" y="0"/>
+            <a:ext cx="566181" cy="923330"/>
+          </a:xfrm>
+          <a:prstGeom prst="rect">
+            <a:avLst/>
+          </a:prstGeom>
+          <a:noFill/>
+        </p:spPr>
+        <p:txBody>
+          <a:bodyPr wrap="none" rtlCol="0">
+            <a:spAutoFit/>
+          </a:bodyPr>
+          <a:lstStyle/>
+          <a:p>
+            <a:r>
+              <a:rPr lang="fr-FR" sz="5400" b="1" dirty="0">
+                <a:solidFill>
+                  <a:srgbClr val="FF0000"/>
+                </a:solidFill>
+              </a:rPr>
+              <a:t>X</a:t>
+            </a:r>
+          </a:p>
+        </p:txBody>
+      </p:sp>
+    </p:spTree>
+    <p:extLst>
+      <p:ext uri="{BB962C8B-B14F-4D97-AF65-F5344CB8AC3E}">
+        <p14:creationId xmlns:p14="http://schemas.microsoft.com/office/powerpoint/2010/main" val="1870895099"/>
+      </p:ext>
+    </p:extLst>
+  </p:cSld>
+  <p:clrMapOvr>
+    <a:masterClrMapping/>
+  </p:clrMapOvr>
+</p:sld>
+</file>
+
 <file path=ppt/slides/slide4.xml><?xml version="1.0" encoding="utf-8"?>
 <p:sld xmlns:a="http://schemas.openxmlformats.org/drawingml/2006/main" xmlns:r="http://schemas.openxmlformats.org/officeDocument/2006/relationships" xmlns:p="http://schemas.openxmlformats.org/presentationml/2006/main">
   <p:cSld>
@@ -9887,45 +14801,6 @@
             <a:r>
               <a:rPr lang="fr-FR" dirty="0"/>
               <a:t>Centile</a:t>
-            </a:r>
-          </a:p>
-        </p:txBody>
-      </p:sp>
-      <p:sp>
-        <p:nvSpPr>
-          <p:cNvPr id="8" name="ZoneTexte 7">
-            <a:extLst>
-              <a:ext uri="{FF2B5EF4-FFF2-40B4-BE49-F238E27FC236}">
-                <a16:creationId xmlns:a16="http://schemas.microsoft.com/office/drawing/2014/main" id="{FCE1B659-42D1-4809-A123-4B3194CA07DC}"/>
-              </a:ext>
-            </a:extLst>
-          </p:cNvPr>
-          <p:cNvSpPr txBox="1"/>
-          <p:nvPr/>
-        </p:nvSpPr>
-        <p:spPr>
-          <a:xfrm>
-            <a:off x="311285" y="0"/>
-            <a:ext cx="566181" cy="923330"/>
-          </a:xfrm>
-          <a:prstGeom prst="rect">
-            <a:avLst/>
-          </a:prstGeom>
-          <a:noFill/>
-        </p:spPr>
-        <p:txBody>
-          <a:bodyPr wrap="none" rtlCol="0">
-            <a:spAutoFit/>
-          </a:bodyPr>
-          <a:lstStyle/>
-          <a:p>
-            <a:r>
-              <a:rPr lang="fr-FR" sz="5400" b="1" dirty="0">
-                <a:solidFill>
-                  <a:srgbClr val="FF0000"/>
-                </a:solidFill>
-              </a:rPr>
-              <a:t>X</a:t>
             </a:r>
           </a:p>
         </p:txBody>
@@ -10389,45 +15264,6 @@
           </a:prstGeom>
         </p:spPr>
       </p:pic>
-      <p:sp>
-        <p:nvSpPr>
-          <p:cNvPr id="9" name="ZoneTexte 8">
-            <a:extLst>
-              <a:ext uri="{FF2B5EF4-FFF2-40B4-BE49-F238E27FC236}">
-                <a16:creationId xmlns:a16="http://schemas.microsoft.com/office/drawing/2014/main" id="{CC21AC1F-51C1-4A1A-B525-8B5B9DA2D356}"/>
-              </a:ext>
-            </a:extLst>
-          </p:cNvPr>
-          <p:cNvSpPr txBox="1"/>
-          <p:nvPr/>
-        </p:nvSpPr>
-        <p:spPr>
-          <a:xfrm>
-            <a:off x="311285" y="0"/>
-            <a:ext cx="566181" cy="923330"/>
-          </a:xfrm>
-          <a:prstGeom prst="rect">
-            <a:avLst/>
-          </a:prstGeom>
-          <a:noFill/>
-        </p:spPr>
-        <p:txBody>
-          <a:bodyPr wrap="none" rtlCol="0">
-            <a:spAutoFit/>
-          </a:bodyPr>
-          <a:lstStyle/>
-          <a:p>
-            <a:r>
-              <a:rPr lang="fr-FR" sz="5400" b="1" dirty="0">
-                <a:solidFill>
-                  <a:srgbClr val="FF0000"/>
-                </a:solidFill>
-              </a:rPr>
-              <a:t>X</a:t>
-            </a:r>
-          </a:p>
-        </p:txBody>
-      </p:sp>
     </p:spTree>
     <p:extLst>
       <p:ext uri="{BB962C8B-B14F-4D97-AF65-F5344CB8AC3E}">
@@ -11273,45 +16109,6 @@
           </a:prstGeom>
         </p:spPr>
       </p:pic>
-      <p:sp>
-        <p:nvSpPr>
-          <p:cNvPr id="6" name="ZoneTexte 5">
-            <a:extLst>
-              <a:ext uri="{FF2B5EF4-FFF2-40B4-BE49-F238E27FC236}">
-                <a16:creationId xmlns:a16="http://schemas.microsoft.com/office/drawing/2014/main" id="{2E1296EB-08E1-46CB-918E-CADE857B3BCF}"/>
-              </a:ext>
-            </a:extLst>
-          </p:cNvPr>
-          <p:cNvSpPr txBox="1"/>
-          <p:nvPr/>
-        </p:nvSpPr>
-        <p:spPr>
-          <a:xfrm>
-            <a:off x="311285" y="0"/>
-            <a:ext cx="566181" cy="923330"/>
-          </a:xfrm>
-          <a:prstGeom prst="rect">
-            <a:avLst/>
-          </a:prstGeom>
-          <a:noFill/>
-        </p:spPr>
-        <p:txBody>
-          <a:bodyPr wrap="none" rtlCol="0">
-            <a:spAutoFit/>
-          </a:bodyPr>
-          <a:lstStyle/>
-          <a:p>
-            <a:r>
-              <a:rPr lang="fr-FR" sz="5400" b="1" dirty="0">
-                <a:solidFill>
-                  <a:srgbClr val="FF0000"/>
-                </a:solidFill>
-              </a:rPr>
-              <a:t>X</a:t>
-            </a:r>
-          </a:p>
-        </p:txBody>
-      </p:sp>
     </p:spTree>
     <p:extLst>
       <p:ext uri="{BB962C8B-B14F-4D97-AF65-F5344CB8AC3E}">
@@ -11448,55 +16245,6 @@
           </a:prstGeom>
         </p:spPr>
       </p:pic>
-      <p:sp>
-        <p:nvSpPr>
-          <p:cNvPr id="10" name="ZoneTexte 9">
-            <a:extLst>
-              <a:ext uri="{FF2B5EF4-FFF2-40B4-BE49-F238E27FC236}">
-                <a16:creationId xmlns:a16="http://schemas.microsoft.com/office/drawing/2014/main" id="{A617F980-84EA-4260-A295-4ECF174F4835}"/>
-              </a:ext>
-            </a:extLst>
-          </p:cNvPr>
-          <p:cNvSpPr txBox="1"/>
-          <p:nvPr/>
-        </p:nvSpPr>
-        <p:spPr>
-          <a:xfrm>
-            <a:off x="361627" y="1955259"/>
-            <a:ext cx="2121543" cy="646331"/>
-          </a:xfrm>
-          <a:prstGeom prst="rect">
-            <a:avLst/>
-          </a:prstGeom>
-          <a:noFill/>
-        </p:spPr>
-        <p:txBody>
-          <a:bodyPr wrap="none" rtlCol="0">
-            <a:spAutoFit/>
-          </a:bodyPr>
-          <a:lstStyle/>
-          <a:p>
-            <a:r>
-              <a:rPr lang="fr-FR" b="1" dirty="0">
-                <a:solidFill>
-                  <a:srgbClr val="FF0000"/>
-                </a:solidFill>
-              </a:rPr>
-              <a:t>Ajout des indices de</a:t>
-            </a:r>
-          </a:p>
-          <a:p>
-            <a:r>
-              <a:rPr lang="fr-FR" b="1" dirty="0">
-                <a:solidFill>
-                  <a:srgbClr val="FF0000"/>
-                </a:solidFill>
-              </a:rPr>
-              <a:t> Gini sur la courbe ? </a:t>
-            </a:r>
-          </a:p>
-        </p:txBody>
-      </p:sp>
     </p:spTree>
     <p:extLst>
       <p:ext uri="{BB962C8B-B14F-4D97-AF65-F5344CB8AC3E}">
@@ -11738,45 +16486,6 @@
           </a:prstGeom>
         </p:spPr>
       </p:pic>
-      <p:sp>
-        <p:nvSpPr>
-          <p:cNvPr id="6" name="ZoneTexte 5">
-            <a:extLst>
-              <a:ext uri="{FF2B5EF4-FFF2-40B4-BE49-F238E27FC236}">
-                <a16:creationId xmlns:a16="http://schemas.microsoft.com/office/drawing/2014/main" id="{0F690447-C983-4C92-916A-2FEE86C27768}"/>
-              </a:ext>
-            </a:extLst>
-          </p:cNvPr>
-          <p:cNvSpPr txBox="1"/>
-          <p:nvPr/>
-        </p:nvSpPr>
-        <p:spPr>
-          <a:xfrm>
-            <a:off x="311285" y="0"/>
-            <a:ext cx="566181" cy="923330"/>
-          </a:xfrm>
-          <a:prstGeom prst="rect">
-            <a:avLst/>
-          </a:prstGeom>
-          <a:noFill/>
-        </p:spPr>
-        <p:txBody>
-          <a:bodyPr wrap="none" rtlCol="0">
-            <a:spAutoFit/>
-          </a:bodyPr>
-          <a:lstStyle/>
-          <a:p>
-            <a:r>
-              <a:rPr lang="fr-FR" sz="5400" b="1" dirty="0">
-                <a:solidFill>
-                  <a:srgbClr val="FF0000"/>
-                </a:solidFill>
-              </a:rPr>
-              <a:t>X</a:t>
-            </a:r>
-          </a:p>
-        </p:txBody>
-      </p:sp>
     </p:spTree>
     <p:extLst>
       <p:ext uri="{BB962C8B-B14F-4D97-AF65-F5344CB8AC3E}">
